--- a/backups/present/dimRed.pptx
+++ b/backups/present/dimRed.pptx
@@ -3,28 +3,34 @@
 <p:presentation xmlns:a="http://schemas.openxmlformats.org/drawingml/2006/main" xmlns:p="http://schemas.openxmlformats.org/presentationml/2006/main" xmlns:r="http://schemas.openxmlformats.org/officeDocument/2006/relationships" xmlns:p14="http://schemas.microsoft.com/office/powerpoint/2010/main" xmlns:p15="http://schemas.microsoft.com/office/powerpoint/2012/main" xmlns:mc="http://schemas.openxmlformats.org/markup-compatibility/2006">
   <p:sldMasterIdLst>
     <p:sldMasterId id="2147483648" r:id="rId2"/>
+    <p:sldMasterId id="2147483661" r:id="rId3"/>
   </p:sldMasterIdLst>
   <p:sldIdLst>
-    <p:sldId id="256" r:id="rId3"/>
-    <p:sldId id="257" r:id="rId4"/>
-    <p:sldId id="258" r:id="rId5"/>
-    <p:sldId id="259" r:id="rId6"/>
-    <p:sldId id="260" r:id="rId7"/>
-    <p:sldId id="261" r:id="rId8"/>
-    <p:sldId id="262" r:id="rId9"/>
-    <p:sldId id="263" r:id="rId10"/>
-    <p:sldId id="264" r:id="rId11"/>
-    <p:sldId id="265" r:id="rId12"/>
-    <p:sldId id="266" r:id="rId13"/>
-    <p:sldId id="267" r:id="rId14"/>
-    <p:sldId id="268" r:id="rId15"/>
-    <p:sldId id="269" r:id="rId16"/>
-    <p:sldId id="270" r:id="rId17"/>
-    <p:sldId id="271" r:id="rId18"/>
-    <p:sldId id="272" r:id="rId19"/>
+    <p:sldId id="256" r:id="rId4"/>
+    <p:sldId id="257" r:id="rId5"/>
+    <p:sldId id="258" r:id="rId6"/>
+    <p:sldId id="259" r:id="rId7"/>
+    <p:sldId id="260" r:id="rId8"/>
+    <p:sldId id="261" r:id="rId9"/>
+    <p:sldId id="262" r:id="rId10"/>
+    <p:sldId id="263" r:id="rId11"/>
+    <p:sldId id="264" r:id="rId12"/>
+    <p:sldId id="265" r:id="rId13"/>
+    <p:sldId id="266" r:id="rId14"/>
+    <p:sldId id="267" r:id="rId15"/>
+    <p:sldId id="268" r:id="rId16"/>
+    <p:sldId id="269" r:id="rId17"/>
+    <p:sldId id="270" r:id="rId18"/>
+    <p:sldId id="271" r:id="rId19"/>
+    <p:sldId id="272" r:id="rId20"/>
+    <p:sldId id="273" r:id="rId21"/>
+    <p:sldId id="274" r:id="rId22"/>
+    <p:sldId id="275" r:id="rId23"/>
+    <p:sldId id="276" r:id="rId24"/>
+    <p:sldId id="277" r:id="rId25"/>
   </p:sldIdLst>
   <p:sldSz cx="10080625" cy="5670550"/>
-  <p:notesSz cx="7559675" cy="10691812"/>
+  <p:notesSz cx="7559675" cy="10691813"/>
 </p:presentation>
 </file>
 
@@ -69,7 +75,7 @@
       </p:grpSpPr>
       <p:sp>
         <p:nvSpPr>
-          <p:cNvPr id="26" name="PlaceHolder 1"/>
+          <p:cNvPr id="23" name="PlaceHolder 1"/>
           <p:cNvSpPr>
             <a:spLocks noGrp="1"/>
           </p:cNvSpPr>
@@ -79,12 +85,16 @@
         </p:nvSpPr>
         <p:spPr>
           <a:xfrm>
-            <a:off x="504000" y="226080"/>
-            <a:ext cx="9071640" cy="946440"/>
-          </a:xfrm>
-          <a:prstGeom prst="rect">
-            <a:avLst/>
-          </a:prstGeom>
+            <a:off x="503640" y="225720"/>
+            <a:ext cx="9071280" cy="946440"/>
+          </a:xfrm>
+          <a:prstGeom prst="rect">
+            <a:avLst/>
+          </a:prstGeom>
+          <a:noFill/>
+          <a:ln w="0">
+            <a:noFill/>
+          </a:ln>
         </p:spPr>
         <p:txBody>
           <a:bodyPr lIns="0" rIns="0" tIns="0" bIns="0" anchor="ctr">
@@ -100,25 +110,29 @@
       </p:sp>
       <p:sp>
         <p:nvSpPr>
-          <p:cNvPr id="27" name="PlaceHolder 2"/>
+          <p:cNvPr id="24" name="PlaceHolder 2"/>
           <p:cNvSpPr>
             <a:spLocks noGrp="1"/>
           </p:cNvSpPr>
           <p:nvPr>
-            <p:ph type="body"/>
+            <p:ph/>
           </p:nvPr>
         </p:nvSpPr>
         <p:spPr>
           <a:xfrm>
-            <a:off x="504000" y="1326600"/>
-            <a:ext cx="9071640" cy="1568160"/>
-          </a:xfrm>
-          <a:prstGeom prst="rect">
-            <a:avLst/>
-          </a:prstGeom>
-        </p:spPr>
-        <p:txBody>
-          <a:bodyPr lIns="0" rIns="0" tIns="0" bIns="0">
+            <a:off x="503640" y="1326240"/>
+            <a:ext cx="9071280" cy="1568160"/>
+          </a:xfrm>
+          <a:prstGeom prst="rect">
+            <a:avLst/>
+          </a:prstGeom>
+          <a:noFill/>
+          <a:ln w="0">
+            <a:noFill/>
+          </a:ln>
+        </p:spPr>
+        <p:txBody>
+          <a:bodyPr lIns="0" rIns="0" tIns="0" bIns="0" anchor="t">
             <a:normAutofit/>
           </a:bodyPr>
           <a:p>
@@ -130,25 +144,29 @@
       </p:sp>
       <p:sp>
         <p:nvSpPr>
-          <p:cNvPr id="28" name="PlaceHolder 3"/>
+          <p:cNvPr id="25" name="PlaceHolder 3"/>
           <p:cNvSpPr>
             <a:spLocks noGrp="1"/>
           </p:cNvSpPr>
           <p:nvPr>
-            <p:ph type="body"/>
+            <p:ph/>
           </p:nvPr>
         </p:nvSpPr>
         <p:spPr>
           <a:xfrm>
-            <a:off x="504000" y="3044160"/>
-            <a:ext cx="9071640" cy="1568160"/>
-          </a:xfrm>
-          <a:prstGeom prst="rect">
-            <a:avLst/>
-          </a:prstGeom>
-        </p:spPr>
-        <p:txBody>
-          <a:bodyPr lIns="0" rIns="0" tIns="0" bIns="0">
+            <a:off x="503640" y="3043800"/>
+            <a:ext cx="9071280" cy="1568160"/>
+          </a:xfrm>
+          <a:prstGeom prst="rect">
+            <a:avLst/>
+          </a:prstGeom>
+          <a:noFill/>
+          <a:ln w="0">
+            <a:noFill/>
+          </a:ln>
+        </p:spPr>
+        <p:txBody>
+          <a:bodyPr lIns="0" rIns="0" tIns="0" bIns="0" anchor="t">
             <a:normAutofit/>
           </a:bodyPr>
           <a:p>
@@ -182,7 +200,7 @@
       </p:grpSpPr>
       <p:sp>
         <p:nvSpPr>
-          <p:cNvPr id="29" name="PlaceHolder 1"/>
+          <p:cNvPr id="26" name="PlaceHolder 1"/>
           <p:cNvSpPr>
             <a:spLocks noGrp="1"/>
           </p:cNvSpPr>
@@ -192,12 +210,16 @@
         </p:nvSpPr>
         <p:spPr>
           <a:xfrm>
-            <a:off x="504000" y="226080"/>
-            <a:ext cx="9071640" cy="946440"/>
-          </a:xfrm>
-          <a:prstGeom prst="rect">
-            <a:avLst/>
-          </a:prstGeom>
+            <a:off x="503640" y="225720"/>
+            <a:ext cx="9071280" cy="946440"/>
+          </a:xfrm>
+          <a:prstGeom prst="rect">
+            <a:avLst/>
+          </a:prstGeom>
+          <a:noFill/>
+          <a:ln w="0">
+            <a:noFill/>
+          </a:ln>
         </p:spPr>
         <p:txBody>
           <a:bodyPr lIns="0" rIns="0" tIns="0" bIns="0" anchor="ctr">
@@ -213,25 +235,29 @@
       </p:sp>
       <p:sp>
         <p:nvSpPr>
-          <p:cNvPr id="30" name="PlaceHolder 2"/>
+          <p:cNvPr id="27" name="PlaceHolder 2"/>
           <p:cNvSpPr>
             <a:spLocks noGrp="1"/>
           </p:cNvSpPr>
           <p:nvPr>
-            <p:ph type="body"/>
+            <p:ph/>
           </p:nvPr>
         </p:nvSpPr>
         <p:spPr>
           <a:xfrm>
-            <a:off x="504000" y="1326600"/>
-            <a:ext cx="4426920" cy="1568160"/>
-          </a:xfrm>
-          <a:prstGeom prst="rect">
-            <a:avLst/>
-          </a:prstGeom>
-        </p:spPr>
-        <p:txBody>
-          <a:bodyPr lIns="0" rIns="0" tIns="0" bIns="0">
+            <a:off x="503640" y="1326240"/>
+            <a:ext cx="4426560" cy="1568160"/>
+          </a:xfrm>
+          <a:prstGeom prst="rect">
+            <a:avLst/>
+          </a:prstGeom>
+          <a:noFill/>
+          <a:ln w="0">
+            <a:noFill/>
+          </a:ln>
+        </p:spPr>
+        <p:txBody>
+          <a:bodyPr lIns="0" rIns="0" tIns="0" bIns="0" anchor="t">
             <a:normAutofit/>
           </a:bodyPr>
           <a:p>
@@ -243,25 +269,29 @@
       </p:sp>
       <p:sp>
         <p:nvSpPr>
-          <p:cNvPr id="31" name="PlaceHolder 3"/>
+          <p:cNvPr id="28" name="PlaceHolder 3"/>
           <p:cNvSpPr>
             <a:spLocks noGrp="1"/>
           </p:cNvSpPr>
           <p:nvPr>
-            <p:ph type="body"/>
+            <p:ph/>
           </p:nvPr>
         </p:nvSpPr>
         <p:spPr>
           <a:xfrm>
-            <a:off x="5152680" y="1326600"/>
-            <a:ext cx="4426920" cy="1568160"/>
-          </a:xfrm>
-          <a:prstGeom prst="rect">
-            <a:avLst/>
-          </a:prstGeom>
-        </p:spPr>
-        <p:txBody>
-          <a:bodyPr lIns="0" rIns="0" tIns="0" bIns="0">
+            <a:off x="5151960" y="1326240"/>
+            <a:ext cx="4426560" cy="1568160"/>
+          </a:xfrm>
+          <a:prstGeom prst="rect">
+            <a:avLst/>
+          </a:prstGeom>
+          <a:noFill/>
+          <a:ln w="0">
+            <a:noFill/>
+          </a:ln>
+        </p:spPr>
+        <p:txBody>
+          <a:bodyPr lIns="0" rIns="0" tIns="0" bIns="0" anchor="t">
             <a:normAutofit/>
           </a:bodyPr>
           <a:p>
@@ -273,25 +303,29 @@
       </p:sp>
       <p:sp>
         <p:nvSpPr>
-          <p:cNvPr id="32" name="PlaceHolder 4"/>
+          <p:cNvPr id="29" name="PlaceHolder 4"/>
           <p:cNvSpPr>
             <a:spLocks noGrp="1"/>
           </p:cNvSpPr>
           <p:nvPr>
-            <p:ph type="body"/>
+            <p:ph/>
           </p:nvPr>
         </p:nvSpPr>
         <p:spPr>
           <a:xfrm>
-            <a:off x="504000" y="3044160"/>
-            <a:ext cx="4426920" cy="1568160"/>
-          </a:xfrm>
-          <a:prstGeom prst="rect">
-            <a:avLst/>
-          </a:prstGeom>
-        </p:spPr>
-        <p:txBody>
-          <a:bodyPr lIns="0" rIns="0" tIns="0" bIns="0">
+            <a:off x="503640" y="3043800"/>
+            <a:ext cx="4426560" cy="1568160"/>
+          </a:xfrm>
+          <a:prstGeom prst="rect">
+            <a:avLst/>
+          </a:prstGeom>
+          <a:noFill/>
+          <a:ln w="0">
+            <a:noFill/>
+          </a:ln>
+        </p:spPr>
+        <p:txBody>
+          <a:bodyPr lIns="0" rIns="0" tIns="0" bIns="0" anchor="t">
             <a:normAutofit/>
           </a:bodyPr>
           <a:p>
@@ -303,25 +337,29 @@
       </p:sp>
       <p:sp>
         <p:nvSpPr>
-          <p:cNvPr id="33" name="PlaceHolder 5"/>
+          <p:cNvPr id="30" name="PlaceHolder 5"/>
           <p:cNvSpPr>
             <a:spLocks noGrp="1"/>
           </p:cNvSpPr>
           <p:nvPr>
-            <p:ph type="body"/>
+            <p:ph/>
           </p:nvPr>
         </p:nvSpPr>
         <p:spPr>
           <a:xfrm>
-            <a:off x="5152680" y="3044160"/>
-            <a:ext cx="4426920" cy="1568160"/>
-          </a:xfrm>
-          <a:prstGeom prst="rect">
-            <a:avLst/>
-          </a:prstGeom>
-        </p:spPr>
-        <p:txBody>
-          <a:bodyPr lIns="0" rIns="0" tIns="0" bIns="0">
+            <a:off x="5151960" y="3043800"/>
+            <a:ext cx="4426560" cy="1568160"/>
+          </a:xfrm>
+          <a:prstGeom prst="rect">
+            <a:avLst/>
+          </a:prstGeom>
+          <a:noFill/>
+          <a:ln w="0">
+            <a:noFill/>
+          </a:ln>
+        </p:spPr>
+        <p:txBody>
+          <a:bodyPr lIns="0" rIns="0" tIns="0" bIns="0" anchor="t">
             <a:normAutofit/>
           </a:bodyPr>
           <a:p>
@@ -355,7 +393,7 @@
       </p:grpSpPr>
       <p:sp>
         <p:nvSpPr>
-          <p:cNvPr id="34" name="PlaceHolder 1"/>
+          <p:cNvPr id="31" name="PlaceHolder 1"/>
           <p:cNvSpPr>
             <a:spLocks noGrp="1"/>
           </p:cNvSpPr>
@@ -365,12 +403,16 @@
         </p:nvSpPr>
         <p:spPr>
           <a:xfrm>
-            <a:off x="504000" y="226080"/>
-            <a:ext cx="9071640" cy="946440"/>
-          </a:xfrm>
-          <a:prstGeom prst="rect">
-            <a:avLst/>
-          </a:prstGeom>
+            <a:off x="503640" y="225720"/>
+            <a:ext cx="9071280" cy="946440"/>
+          </a:xfrm>
+          <a:prstGeom prst="rect">
+            <a:avLst/>
+          </a:prstGeom>
+          <a:noFill/>
+          <a:ln w="0">
+            <a:noFill/>
+          </a:ln>
         </p:spPr>
         <p:txBody>
           <a:bodyPr lIns="0" rIns="0" tIns="0" bIns="0" anchor="ctr">
@@ -386,25 +428,29 @@
       </p:sp>
       <p:sp>
         <p:nvSpPr>
-          <p:cNvPr id="35" name="PlaceHolder 2"/>
+          <p:cNvPr id="32" name="PlaceHolder 2"/>
           <p:cNvSpPr>
             <a:spLocks noGrp="1"/>
           </p:cNvSpPr>
           <p:nvPr>
-            <p:ph type="body"/>
+            <p:ph/>
           </p:nvPr>
         </p:nvSpPr>
         <p:spPr>
           <a:xfrm>
-            <a:off x="504000" y="1326600"/>
+            <a:off x="503640" y="1326240"/>
             <a:ext cx="2920680" cy="1568160"/>
           </a:xfrm>
           <a:prstGeom prst="rect">
             <a:avLst/>
           </a:prstGeom>
-        </p:spPr>
-        <p:txBody>
-          <a:bodyPr lIns="0" rIns="0" tIns="0" bIns="0">
+          <a:noFill/>
+          <a:ln w="0">
+            <a:noFill/>
+          </a:ln>
+        </p:spPr>
+        <p:txBody>
+          <a:bodyPr lIns="0" rIns="0" tIns="0" bIns="0" anchor="t">
             <a:normAutofit/>
           </a:bodyPr>
           <a:p>
@@ -416,25 +462,29 @@
       </p:sp>
       <p:sp>
         <p:nvSpPr>
-          <p:cNvPr id="36" name="PlaceHolder 3"/>
+          <p:cNvPr id="33" name="PlaceHolder 3"/>
           <p:cNvSpPr>
             <a:spLocks noGrp="1"/>
           </p:cNvSpPr>
           <p:nvPr>
-            <p:ph type="body"/>
+            <p:ph/>
           </p:nvPr>
         </p:nvSpPr>
         <p:spPr>
           <a:xfrm>
-            <a:off x="3571200" y="1326600"/>
+            <a:off x="3570840" y="1326240"/>
             <a:ext cx="2920680" cy="1568160"/>
           </a:xfrm>
           <a:prstGeom prst="rect">
             <a:avLst/>
           </a:prstGeom>
-        </p:spPr>
-        <p:txBody>
-          <a:bodyPr lIns="0" rIns="0" tIns="0" bIns="0">
+          <a:noFill/>
+          <a:ln w="0">
+            <a:noFill/>
+          </a:ln>
+        </p:spPr>
+        <p:txBody>
+          <a:bodyPr lIns="0" rIns="0" tIns="0" bIns="0" anchor="t">
             <a:normAutofit/>
           </a:bodyPr>
           <a:p>
@@ -446,25 +496,29 @@
       </p:sp>
       <p:sp>
         <p:nvSpPr>
-          <p:cNvPr id="37" name="PlaceHolder 4"/>
+          <p:cNvPr id="34" name="PlaceHolder 4"/>
           <p:cNvSpPr>
             <a:spLocks noGrp="1"/>
           </p:cNvSpPr>
           <p:nvPr>
-            <p:ph type="body"/>
+            <p:ph/>
           </p:nvPr>
         </p:nvSpPr>
         <p:spPr>
           <a:xfrm>
-            <a:off x="6638040" y="1326600"/>
+            <a:off x="6637680" y="1326240"/>
             <a:ext cx="2920680" cy="1568160"/>
           </a:xfrm>
           <a:prstGeom prst="rect">
             <a:avLst/>
           </a:prstGeom>
-        </p:spPr>
-        <p:txBody>
-          <a:bodyPr lIns="0" rIns="0" tIns="0" bIns="0">
+          <a:noFill/>
+          <a:ln w="0">
+            <a:noFill/>
+          </a:ln>
+        </p:spPr>
+        <p:txBody>
+          <a:bodyPr lIns="0" rIns="0" tIns="0" bIns="0" anchor="t">
             <a:normAutofit/>
           </a:bodyPr>
           <a:p>
@@ -476,25 +530,29 @@
       </p:sp>
       <p:sp>
         <p:nvSpPr>
-          <p:cNvPr id="38" name="PlaceHolder 5"/>
+          <p:cNvPr id="35" name="PlaceHolder 5"/>
           <p:cNvSpPr>
             <a:spLocks noGrp="1"/>
           </p:cNvSpPr>
           <p:nvPr>
-            <p:ph type="body"/>
+            <p:ph/>
           </p:nvPr>
         </p:nvSpPr>
         <p:spPr>
           <a:xfrm>
-            <a:off x="504000" y="3044160"/>
+            <a:off x="503640" y="3043800"/>
             <a:ext cx="2920680" cy="1568160"/>
           </a:xfrm>
           <a:prstGeom prst="rect">
             <a:avLst/>
           </a:prstGeom>
-        </p:spPr>
-        <p:txBody>
-          <a:bodyPr lIns="0" rIns="0" tIns="0" bIns="0">
+          <a:noFill/>
+          <a:ln w="0">
+            <a:noFill/>
+          </a:ln>
+        </p:spPr>
+        <p:txBody>
+          <a:bodyPr lIns="0" rIns="0" tIns="0" bIns="0" anchor="t">
             <a:normAutofit/>
           </a:bodyPr>
           <a:p>
@@ -506,25 +564,29 @@
       </p:sp>
       <p:sp>
         <p:nvSpPr>
-          <p:cNvPr id="39" name="PlaceHolder 6"/>
+          <p:cNvPr id="36" name="PlaceHolder 6"/>
           <p:cNvSpPr>
             <a:spLocks noGrp="1"/>
           </p:cNvSpPr>
           <p:nvPr>
-            <p:ph type="body"/>
+            <p:ph/>
           </p:nvPr>
         </p:nvSpPr>
         <p:spPr>
           <a:xfrm>
-            <a:off x="3571200" y="3044160"/>
+            <a:off x="3570840" y="3043800"/>
             <a:ext cx="2920680" cy="1568160"/>
           </a:xfrm>
           <a:prstGeom prst="rect">
             <a:avLst/>
           </a:prstGeom>
-        </p:spPr>
-        <p:txBody>
-          <a:bodyPr lIns="0" rIns="0" tIns="0" bIns="0">
+          <a:noFill/>
+          <a:ln w="0">
+            <a:noFill/>
+          </a:ln>
+        </p:spPr>
+        <p:txBody>
+          <a:bodyPr lIns="0" rIns="0" tIns="0" bIns="0" anchor="t">
             <a:normAutofit/>
           </a:bodyPr>
           <a:p>
@@ -536,25 +598,632 @@
       </p:sp>
       <p:sp>
         <p:nvSpPr>
-          <p:cNvPr id="40" name="PlaceHolder 7"/>
+          <p:cNvPr id="37" name="PlaceHolder 7"/>
           <p:cNvSpPr>
             <a:spLocks noGrp="1"/>
           </p:cNvSpPr>
           <p:nvPr>
-            <p:ph type="body"/>
+            <p:ph/>
           </p:nvPr>
         </p:nvSpPr>
         <p:spPr>
           <a:xfrm>
-            <a:off x="6638040" y="3044160"/>
+            <a:off x="6637680" y="3043800"/>
             <a:ext cx="2920680" cy="1568160"/>
           </a:xfrm>
           <a:prstGeom prst="rect">
             <a:avLst/>
           </a:prstGeom>
-        </p:spPr>
-        <p:txBody>
-          <a:bodyPr lIns="0" rIns="0" tIns="0" bIns="0">
+          <a:noFill/>
+          <a:ln w="0">
+            <a:noFill/>
+          </a:ln>
+        </p:spPr>
+        <p:txBody>
+          <a:bodyPr lIns="0" rIns="0" tIns="0" bIns="0" anchor="t">
+            <a:normAutofit/>
+          </a:bodyPr>
+          <a:p>
+            <a:endParaRPr b="0" lang="en-IN" sz="3200" spc="-1" strike="noStrike">
+              <a:latin typeface="Arial"/>
+            </a:endParaRPr>
+          </a:p>
+        </p:txBody>
+      </p:sp>
+    </p:spTree>
+  </p:cSld>
+</p:sldLayout>
+</file>
+
+<file path=ppt/slideLayouts/slideLayout13.xml><?xml version="1.0" encoding="utf-8"?>
+<p:sldLayout xmlns:a="http://schemas.openxmlformats.org/drawingml/2006/main" xmlns:p="http://schemas.openxmlformats.org/presentationml/2006/main" xmlns:r="http://schemas.openxmlformats.org/officeDocument/2006/relationships" xmlns:p14="http://schemas.microsoft.com/office/powerpoint/2010/main" xmlns:p15="http://schemas.microsoft.com/office/powerpoint/2012/main" xmlns:mc="http://schemas.openxmlformats.org/markup-compatibility/2006" type="blank" preserve="1">
+  <p:cSld name="Blank Slide">
+    <p:spTree>
+      <p:nvGrpSpPr>
+        <p:cNvPr id="1" name=""/>
+        <p:cNvGrpSpPr/>
+        <p:nvPr/>
+      </p:nvGrpSpPr>
+      <p:grpSpPr>
+        <a:xfrm>
+          <a:off x="0" y="0"/>
+          <a:ext cx="0" cy="0"/>
+          <a:chOff x="0" y="0"/>
+          <a:chExt cx="0" cy="0"/>
+        </a:xfrm>
+      </p:grpSpPr>
+    </p:spTree>
+  </p:cSld>
+</p:sldLayout>
+</file>
+
+<file path=ppt/slideLayouts/slideLayout14.xml><?xml version="1.0" encoding="utf-8"?>
+<p:sldLayout xmlns:a="http://schemas.openxmlformats.org/drawingml/2006/main" xmlns:p="http://schemas.openxmlformats.org/presentationml/2006/main" xmlns:r="http://schemas.openxmlformats.org/officeDocument/2006/relationships" xmlns:p14="http://schemas.microsoft.com/office/powerpoint/2010/main" xmlns:p15="http://schemas.microsoft.com/office/powerpoint/2012/main" xmlns:mc="http://schemas.openxmlformats.org/markup-compatibility/2006" type="tx" preserve="1">
+  <p:cSld name="Title Slide">
+    <p:spTree>
+      <p:nvGrpSpPr>
+        <p:cNvPr id="1" name=""/>
+        <p:cNvGrpSpPr/>
+        <p:nvPr/>
+      </p:nvGrpSpPr>
+      <p:grpSpPr>
+        <a:xfrm>
+          <a:off x="0" y="0"/>
+          <a:ext cx="0" cy="0"/>
+          <a:chOff x="0" y="0"/>
+          <a:chExt cx="0" cy="0"/>
+        </a:xfrm>
+      </p:grpSpPr>
+      <p:sp>
+        <p:nvSpPr>
+          <p:cNvPr id="40" name="PlaceHolder 1"/>
+          <p:cNvSpPr>
+            <a:spLocks noGrp="1"/>
+          </p:cNvSpPr>
+          <p:nvPr>
+            <p:ph type="title"/>
+          </p:nvPr>
+        </p:nvSpPr>
+        <p:spPr>
+          <a:xfrm>
+            <a:off x="503640" y="225720"/>
+            <a:ext cx="9071280" cy="946440"/>
+          </a:xfrm>
+          <a:prstGeom prst="rect">
+            <a:avLst/>
+          </a:prstGeom>
+          <a:noFill/>
+          <a:ln w="0">
+            <a:noFill/>
+          </a:ln>
+        </p:spPr>
+        <p:txBody>
+          <a:bodyPr lIns="0" rIns="0" tIns="0" bIns="0" anchor="ctr">
+            <a:noAutofit/>
+          </a:bodyPr>
+          <a:p>
+            <a:pPr algn="ctr"/>
+            <a:endParaRPr b="0" lang="en-IN" sz="4400" spc="-1" strike="noStrike">
+              <a:latin typeface="Arial"/>
+            </a:endParaRPr>
+          </a:p>
+        </p:txBody>
+      </p:sp>
+      <p:sp>
+        <p:nvSpPr>
+          <p:cNvPr id="41" name="PlaceHolder 2"/>
+          <p:cNvSpPr>
+            <a:spLocks noGrp="1"/>
+          </p:cNvSpPr>
+          <p:nvPr>
+            <p:ph type="subTitle"/>
+          </p:nvPr>
+        </p:nvSpPr>
+        <p:spPr>
+          <a:xfrm>
+            <a:off x="503640" y="1326240"/>
+            <a:ext cx="9071280" cy="3288240"/>
+          </a:xfrm>
+          <a:prstGeom prst="rect">
+            <a:avLst/>
+          </a:prstGeom>
+          <a:noFill/>
+          <a:ln w="0">
+            <a:noFill/>
+          </a:ln>
+        </p:spPr>
+        <p:txBody>
+          <a:bodyPr lIns="0" rIns="0" tIns="0" bIns="0" anchor="ctr">
+            <a:noAutofit/>
+          </a:bodyPr>
+          <a:p>
+            <a:pPr algn="ctr"/>
+            <a:endParaRPr b="0" lang="en-IN" sz="3200" spc="-1" strike="noStrike">
+              <a:latin typeface="Arial"/>
+            </a:endParaRPr>
+          </a:p>
+        </p:txBody>
+      </p:sp>
+    </p:spTree>
+  </p:cSld>
+</p:sldLayout>
+</file>
+
+<file path=ppt/slideLayouts/slideLayout15.xml><?xml version="1.0" encoding="utf-8"?>
+<p:sldLayout xmlns:a="http://schemas.openxmlformats.org/drawingml/2006/main" xmlns:p="http://schemas.openxmlformats.org/presentationml/2006/main" xmlns:r="http://schemas.openxmlformats.org/officeDocument/2006/relationships" xmlns:p14="http://schemas.microsoft.com/office/powerpoint/2010/main" xmlns:p15="http://schemas.microsoft.com/office/powerpoint/2012/main" xmlns:mc="http://schemas.openxmlformats.org/markup-compatibility/2006" type="obj" preserve="1">
+  <p:cSld name="Title, Content">
+    <p:spTree>
+      <p:nvGrpSpPr>
+        <p:cNvPr id="1" name=""/>
+        <p:cNvGrpSpPr/>
+        <p:nvPr/>
+      </p:nvGrpSpPr>
+      <p:grpSpPr>
+        <a:xfrm>
+          <a:off x="0" y="0"/>
+          <a:ext cx="0" cy="0"/>
+          <a:chOff x="0" y="0"/>
+          <a:chExt cx="0" cy="0"/>
+        </a:xfrm>
+      </p:grpSpPr>
+      <p:sp>
+        <p:nvSpPr>
+          <p:cNvPr id="42" name="PlaceHolder 1"/>
+          <p:cNvSpPr>
+            <a:spLocks noGrp="1"/>
+          </p:cNvSpPr>
+          <p:nvPr>
+            <p:ph type="title"/>
+          </p:nvPr>
+        </p:nvSpPr>
+        <p:spPr>
+          <a:xfrm>
+            <a:off x="503640" y="225720"/>
+            <a:ext cx="9071280" cy="946440"/>
+          </a:xfrm>
+          <a:prstGeom prst="rect">
+            <a:avLst/>
+          </a:prstGeom>
+          <a:noFill/>
+          <a:ln w="0">
+            <a:noFill/>
+          </a:ln>
+        </p:spPr>
+        <p:txBody>
+          <a:bodyPr lIns="0" rIns="0" tIns="0" bIns="0" anchor="ctr">
+            <a:noAutofit/>
+          </a:bodyPr>
+          <a:p>
+            <a:pPr algn="ctr"/>
+            <a:endParaRPr b="0" lang="en-IN" sz="4400" spc="-1" strike="noStrike">
+              <a:latin typeface="Arial"/>
+            </a:endParaRPr>
+          </a:p>
+        </p:txBody>
+      </p:sp>
+      <p:sp>
+        <p:nvSpPr>
+          <p:cNvPr id="43" name="PlaceHolder 2"/>
+          <p:cNvSpPr>
+            <a:spLocks noGrp="1"/>
+          </p:cNvSpPr>
+          <p:nvPr>
+            <p:ph/>
+          </p:nvPr>
+        </p:nvSpPr>
+        <p:spPr>
+          <a:xfrm>
+            <a:off x="503640" y="1326240"/>
+            <a:ext cx="9071280" cy="3288240"/>
+          </a:xfrm>
+          <a:prstGeom prst="rect">
+            <a:avLst/>
+          </a:prstGeom>
+          <a:noFill/>
+          <a:ln w="0">
+            <a:noFill/>
+          </a:ln>
+        </p:spPr>
+        <p:txBody>
+          <a:bodyPr lIns="0" rIns="0" tIns="0" bIns="0" anchor="t">
+            <a:normAutofit/>
+          </a:bodyPr>
+          <a:p>
+            <a:endParaRPr b="0" lang="en-IN" sz="3200" spc="-1" strike="noStrike">
+              <a:latin typeface="Arial"/>
+            </a:endParaRPr>
+          </a:p>
+        </p:txBody>
+      </p:sp>
+    </p:spTree>
+  </p:cSld>
+</p:sldLayout>
+</file>
+
+<file path=ppt/slideLayouts/slideLayout16.xml><?xml version="1.0" encoding="utf-8"?>
+<p:sldLayout xmlns:a="http://schemas.openxmlformats.org/drawingml/2006/main" xmlns:p="http://schemas.openxmlformats.org/presentationml/2006/main" xmlns:r="http://schemas.openxmlformats.org/officeDocument/2006/relationships" xmlns:p14="http://schemas.microsoft.com/office/powerpoint/2010/main" xmlns:p15="http://schemas.microsoft.com/office/powerpoint/2012/main" xmlns:mc="http://schemas.openxmlformats.org/markup-compatibility/2006" type="twoObj" preserve="1">
+  <p:cSld name="Title, 2 Content">
+    <p:spTree>
+      <p:nvGrpSpPr>
+        <p:cNvPr id="1" name=""/>
+        <p:cNvGrpSpPr/>
+        <p:nvPr/>
+      </p:nvGrpSpPr>
+      <p:grpSpPr>
+        <a:xfrm>
+          <a:off x="0" y="0"/>
+          <a:ext cx="0" cy="0"/>
+          <a:chOff x="0" y="0"/>
+          <a:chExt cx="0" cy="0"/>
+        </a:xfrm>
+      </p:grpSpPr>
+      <p:sp>
+        <p:nvSpPr>
+          <p:cNvPr id="44" name="PlaceHolder 1"/>
+          <p:cNvSpPr>
+            <a:spLocks noGrp="1"/>
+          </p:cNvSpPr>
+          <p:nvPr>
+            <p:ph type="title"/>
+          </p:nvPr>
+        </p:nvSpPr>
+        <p:spPr>
+          <a:xfrm>
+            <a:off x="503640" y="225720"/>
+            <a:ext cx="9071280" cy="946440"/>
+          </a:xfrm>
+          <a:prstGeom prst="rect">
+            <a:avLst/>
+          </a:prstGeom>
+          <a:noFill/>
+          <a:ln w="0">
+            <a:noFill/>
+          </a:ln>
+        </p:spPr>
+        <p:txBody>
+          <a:bodyPr lIns="0" rIns="0" tIns="0" bIns="0" anchor="ctr">
+            <a:noAutofit/>
+          </a:bodyPr>
+          <a:p>
+            <a:pPr algn="ctr"/>
+            <a:endParaRPr b="0" lang="en-IN" sz="4400" spc="-1" strike="noStrike">
+              <a:latin typeface="Arial"/>
+            </a:endParaRPr>
+          </a:p>
+        </p:txBody>
+      </p:sp>
+      <p:sp>
+        <p:nvSpPr>
+          <p:cNvPr id="45" name="PlaceHolder 2"/>
+          <p:cNvSpPr>
+            <a:spLocks noGrp="1"/>
+          </p:cNvSpPr>
+          <p:nvPr>
+            <p:ph/>
+          </p:nvPr>
+        </p:nvSpPr>
+        <p:spPr>
+          <a:xfrm>
+            <a:off x="503640" y="1326240"/>
+            <a:ext cx="4426560" cy="3288240"/>
+          </a:xfrm>
+          <a:prstGeom prst="rect">
+            <a:avLst/>
+          </a:prstGeom>
+          <a:noFill/>
+          <a:ln w="0">
+            <a:noFill/>
+          </a:ln>
+        </p:spPr>
+        <p:txBody>
+          <a:bodyPr lIns="0" rIns="0" tIns="0" bIns="0" anchor="t">
+            <a:normAutofit/>
+          </a:bodyPr>
+          <a:p>
+            <a:endParaRPr b="0" lang="en-IN" sz="3200" spc="-1" strike="noStrike">
+              <a:latin typeface="Arial"/>
+            </a:endParaRPr>
+          </a:p>
+        </p:txBody>
+      </p:sp>
+      <p:sp>
+        <p:nvSpPr>
+          <p:cNvPr id="46" name="PlaceHolder 3"/>
+          <p:cNvSpPr>
+            <a:spLocks noGrp="1"/>
+          </p:cNvSpPr>
+          <p:nvPr>
+            <p:ph/>
+          </p:nvPr>
+        </p:nvSpPr>
+        <p:spPr>
+          <a:xfrm>
+            <a:off x="5151960" y="1326240"/>
+            <a:ext cx="4426560" cy="3288240"/>
+          </a:xfrm>
+          <a:prstGeom prst="rect">
+            <a:avLst/>
+          </a:prstGeom>
+          <a:noFill/>
+          <a:ln w="0">
+            <a:noFill/>
+          </a:ln>
+        </p:spPr>
+        <p:txBody>
+          <a:bodyPr lIns="0" rIns="0" tIns="0" bIns="0" anchor="t">
+            <a:normAutofit/>
+          </a:bodyPr>
+          <a:p>
+            <a:endParaRPr b="0" lang="en-IN" sz="3200" spc="-1" strike="noStrike">
+              <a:latin typeface="Arial"/>
+            </a:endParaRPr>
+          </a:p>
+        </p:txBody>
+      </p:sp>
+    </p:spTree>
+  </p:cSld>
+</p:sldLayout>
+</file>
+
+<file path=ppt/slideLayouts/slideLayout17.xml><?xml version="1.0" encoding="utf-8"?>
+<p:sldLayout xmlns:a="http://schemas.openxmlformats.org/drawingml/2006/main" xmlns:p="http://schemas.openxmlformats.org/presentationml/2006/main" xmlns:r="http://schemas.openxmlformats.org/officeDocument/2006/relationships" xmlns:p14="http://schemas.microsoft.com/office/powerpoint/2010/main" xmlns:p15="http://schemas.microsoft.com/office/powerpoint/2012/main" xmlns:mc="http://schemas.openxmlformats.org/markup-compatibility/2006" type="titleOnly" preserve="1">
+  <p:cSld name="Title Only">
+    <p:spTree>
+      <p:nvGrpSpPr>
+        <p:cNvPr id="1" name=""/>
+        <p:cNvGrpSpPr/>
+        <p:nvPr/>
+      </p:nvGrpSpPr>
+      <p:grpSpPr>
+        <a:xfrm>
+          <a:off x="0" y="0"/>
+          <a:ext cx="0" cy="0"/>
+          <a:chOff x="0" y="0"/>
+          <a:chExt cx="0" cy="0"/>
+        </a:xfrm>
+      </p:grpSpPr>
+      <p:sp>
+        <p:nvSpPr>
+          <p:cNvPr id="47" name="PlaceHolder 1"/>
+          <p:cNvSpPr>
+            <a:spLocks noGrp="1"/>
+          </p:cNvSpPr>
+          <p:nvPr>
+            <p:ph type="title"/>
+          </p:nvPr>
+        </p:nvSpPr>
+        <p:spPr>
+          <a:xfrm>
+            <a:off x="503640" y="225720"/>
+            <a:ext cx="9071280" cy="946440"/>
+          </a:xfrm>
+          <a:prstGeom prst="rect">
+            <a:avLst/>
+          </a:prstGeom>
+          <a:noFill/>
+          <a:ln w="0">
+            <a:noFill/>
+          </a:ln>
+        </p:spPr>
+        <p:txBody>
+          <a:bodyPr lIns="0" rIns="0" tIns="0" bIns="0" anchor="ctr">
+            <a:noAutofit/>
+          </a:bodyPr>
+          <a:p>
+            <a:pPr algn="ctr"/>
+            <a:endParaRPr b="0" lang="en-IN" sz="4400" spc="-1" strike="noStrike">
+              <a:latin typeface="Arial"/>
+            </a:endParaRPr>
+          </a:p>
+        </p:txBody>
+      </p:sp>
+    </p:spTree>
+  </p:cSld>
+</p:sldLayout>
+</file>
+
+<file path=ppt/slideLayouts/slideLayout18.xml><?xml version="1.0" encoding="utf-8"?>
+<p:sldLayout xmlns:a="http://schemas.openxmlformats.org/drawingml/2006/main" xmlns:p="http://schemas.openxmlformats.org/presentationml/2006/main" xmlns:r="http://schemas.openxmlformats.org/officeDocument/2006/relationships" xmlns:p14="http://schemas.microsoft.com/office/powerpoint/2010/main" xmlns:p15="http://schemas.microsoft.com/office/powerpoint/2012/main" xmlns:mc="http://schemas.openxmlformats.org/markup-compatibility/2006" type="objOnly" preserve="1">
+  <p:cSld name="Centered Text">
+    <p:spTree>
+      <p:nvGrpSpPr>
+        <p:cNvPr id="1" name=""/>
+        <p:cNvGrpSpPr/>
+        <p:nvPr/>
+      </p:nvGrpSpPr>
+      <p:grpSpPr>
+        <a:xfrm>
+          <a:off x="0" y="0"/>
+          <a:ext cx="0" cy="0"/>
+          <a:chOff x="0" y="0"/>
+          <a:chExt cx="0" cy="0"/>
+        </a:xfrm>
+      </p:grpSpPr>
+      <p:sp>
+        <p:nvSpPr>
+          <p:cNvPr id="48" name="PlaceHolder 1"/>
+          <p:cNvSpPr>
+            <a:spLocks noGrp="1"/>
+          </p:cNvSpPr>
+          <p:nvPr>
+            <p:ph type="subTitle"/>
+          </p:nvPr>
+        </p:nvSpPr>
+        <p:spPr>
+          <a:xfrm>
+            <a:off x="503640" y="225720"/>
+            <a:ext cx="9071280" cy="4388400"/>
+          </a:xfrm>
+          <a:prstGeom prst="rect">
+            <a:avLst/>
+          </a:prstGeom>
+          <a:noFill/>
+          <a:ln w="0">
+            <a:noFill/>
+          </a:ln>
+        </p:spPr>
+        <p:txBody>
+          <a:bodyPr lIns="0" rIns="0" tIns="0" bIns="0" anchor="ctr">
+            <a:noAutofit/>
+          </a:bodyPr>
+          <a:p>
+            <a:pPr algn="ctr"/>
+            <a:endParaRPr b="0" lang="en-IN" sz="3200" spc="-1" strike="noStrike">
+              <a:latin typeface="Arial"/>
+            </a:endParaRPr>
+          </a:p>
+        </p:txBody>
+      </p:sp>
+    </p:spTree>
+  </p:cSld>
+</p:sldLayout>
+</file>
+
+<file path=ppt/slideLayouts/slideLayout19.xml><?xml version="1.0" encoding="utf-8"?>
+<p:sldLayout xmlns:a="http://schemas.openxmlformats.org/drawingml/2006/main" xmlns:p="http://schemas.openxmlformats.org/presentationml/2006/main" xmlns:r="http://schemas.openxmlformats.org/officeDocument/2006/relationships" xmlns:p14="http://schemas.microsoft.com/office/powerpoint/2010/main" xmlns:p15="http://schemas.microsoft.com/office/powerpoint/2012/main" xmlns:mc="http://schemas.openxmlformats.org/markup-compatibility/2006" type="twoObjAndObj" preserve="1">
+  <p:cSld name="Title, 2 Content and Content">
+    <p:spTree>
+      <p:nvGrpSpPr>
+        <p:cNvPr id="1" name=""/>
+        <p:cNvGrpSpPr/>
+        <p:nvPr/>
+      </p:nvGrpSpPr>
+      <p:grpSpPr>
+        <a:xfrm>
+          <a:off x="0" y="0"/>
+          <a:ext cx="0" cy="0"/>
+          <a:chOff x="0" y="0"/>
+          <a:chExt cx="0" cy="0"/>
+        </a:xfrm>
+      </p:grpSpPr>
+      <p:sp>
+        <p:nvSpPr>
+          <p:cNvPr id="49" name="PlaceHolder 1"/>
+          <p:cNvSpPr>
+            <a:spLocks noGrp="1"/>
+          </p:cNvSpPr>
+          <p:nvPr>
+            <p:ph type="title"/>
+          </p:nvPr>
+        </p:nvSpPr>
+        <p:spPr>
+          <a:xfrm>
+            <a:off x="503640" y="225720"/>
+            <a:ext cx="9071280" cy="946440"/>
+          </a:xfrm>
+          <a:prstGeom prst="rect">
+            <a:avLst/>
+          </a:prstGeom>
+          <a:noFill/>
+          <a:ln w="0">
+            <a:noFill/>
+          </a:ln>
+        </p:spPr>
+        <p:txBody>
+          <a:bodyPr lIns="0" rIns="0" tIns="0" bIns="0" anchor="ctr">
+            <a:noAutofit/>
+          </a:bodyPr>
+          <a:p>
+            <a:pPr algn="ctr"/>
+            <a:endParaRPr b="0" lang="en-IN" sz="4400" spc="-1" strike="noStrike">
+              <a:latin typeface="Arial"/>
+            </a:endParaRPr>
+          </a:p>
+        </p:txBody>
+      </p:sp>
+      <p:sp>
+        <p:nvSpPr>
+          <p:cNvPr id="50" name="PlaceHolder 2"/>
+          <p:cNvSpPr>
+            <a:spLocks noGrp="1"/>
+          </p:cNvSpPr>
+          <p:nvPr>
+            <p:ph/>
+          </p:nvPr>
+        </p:nvSpPr>
+        <p:spPr>
+          <a:xfrm>
+            <a:off x="503640" y="1326240"/>
+            <a:ext cx="4426560" cy="1568160"/>
+          </a:xfrm>
+          <a:prstGeom prst="rect">
+            <a:avLst/>
+          </a:prstGeom>
+          <a:noFill/>
+          <a:ln w="0">
+            <a:noFill/>
+          </a:ln>
+        </p:spPr>
+        <p:txBody>
+          <a:bodyPr lIns="0" rIns="0" tIns="0" bIns="0" anchor="t">
+            <a:normAutofit/>
+          </a:bodyPr>
+          <a:p>
+            <a:endParaRPr b="0" lang="en-IN" sz="3200" spc="-1" strike="noStrike">
+              <a:latin typeface="Arial"/>
+            </a:endParaRPr>
+          </a:p>
+        </p:txBody>
+      </p:sp>
+      <p:sp>
+        <p:nvSpPr>
+          <p:cNvPr id="51" name="PlaceHolder 3"/>
+          <p:cNvSpPr>
+            <a:spLocks noGrp="1"/>
+          </p:cNvSpPr>
+          <p:nvPr>
+            <p:ph/>
+          </p:nvPr>
+        </p:nvSpPr>
+        <p:spPr>
+          <a:xfrm>
+            <a:off x="5151960" y="1326240"/>
+            <a:ext cx="4426560" cy="3288240"/>
+          </a:xfrm>
+          <a:prstGeom prst="rect">
+            <a:avLst/>
+          </a:prstGeom>
+          <a:noFill/>
+          <a:ln w="0">
+            <a:noFill/>
+          </a:ln>
+        </p:spPr>
+        <p:txBody>
+          <a:bodyPr lIns="0" rIns="0" tIns="0" bIns="0" anchor="t">
+            <a:normAutofit/>
+          </a:bodyPr>
+          <a:p>
+            <a:endParaRPr b="0" lang="en-IN" sz="3200" spc="-1" strike="noStrike">
+              <a:latin typeface="Arial"/>
+            </a:endParaRPr>
+          </a:p>
+        </p:txBody>
+      </p:sp>
+      <p:sp>
+        <p:nvSpPr>
+          <p:cNvPr id="52" name="PlaceHolder 4"/>
+          <p:cNvSpPr>
+            <a:spLocks noGrp="1"/>
+          </p:cNvSpPr>
+          <p:nvPr>
+            <p:ph/>
+          </p:nvPr>
+        </p:nvSpPr>
+        <p:spPr>
+          <a:xfrm>
+            <a:off x="503640" y="3043800"/>
+            <a:ext cx="4426560" cy="1568160"/>
+          </a:xfrm>
+          <a:prstGeom prst="rect">
+            <a:avLst/>
+          </a:prstGeom>
+          <a:noFill/>
+          <a:ln w="0">
+            <a:noFill/>
+          </a:ln>
+        </p:spPr>
+        <p:txBody>
+          <a:bodyPr lIns="0" rIns="0" tIns="0" bIns="0" anchor="t">
             <a:normAutofit/>
           </a:bodyPr>
           <a:p>
@@ -588,7 +1257,7 @@
       </p:grpSpPr>
       <p:sp>
         <p:nvSpPr>
-          <p:cNvPr id="5" name="PlaceHolder 1"/>
+          <p:cNvPr id="2" name="PlaceHolder 1"/>
           <p:cNvSpPr>
             <a:spLocks noGrp="1"/>
           </p:cNvSpPr>
@@ -598,12 +1267,16 @@
         </p:nvSpPr>
         <p:spPr>
           <a:xfrm>
-            <a:off x="504000" y="226080"/>
-            <a:ext cx="9071640" cy="946440"/>
-          </a:xfrm>
-          <a:prstGeom prst="rect">
-            <a:avLst/>
-          </a:prstGeom>
+            <a:off x="503640" y="225720"/>
+            <a:ext cx="9071280" cy="946440"/>
+          </a:xfrm>
+          <a:prstGeom prst="rect">
+            <a:avLst/>
+          </a:prstGeom>
+          <a:noFill/>
+          <a:ln w="0">
+            <a:noFill/>
+          </a:ln>
         </p:spPr>
         <p:txBody>
           <a:bodyPr lIns="0" rIns="0" tIns="0" bIns="0" anchor="ctr">
@@ -619,7 +1292,7 @@
       </p:sp>
       <p:sp>
         <p:nvSpPr>
-          <p:cNvPr id="6" name="PlaceHolder 2"/>
+          <p:cNvPr id="3" name="PlaceHolder 2"/>
           <p:cNvSpPr>
             <a:spLocks noGrp="1"/>
           </p:cNvSpPr>
@@ -629,12 +1302,16 @@
         </p:nvSpPr>
         <p:spPr>
           <a:xfrm>
-            <a:off x="504000" y="1326600"/>
-            <a:ext cx="9071640" cy="3288240"/>
-          </a:xfrm>
-          <a:prstGeom prst="rect">
-            <a:avLst/>
-          </a:prstGeom>
+            <a:off x="503640" y="1326240"/>
+            <a:ext cx="9071280" cy="3288240"/>
+          </a:xfrm>
+          <a:prstGeom prst="rect">
+            <a:avLst/>
+          </a:prstGeom>
+          <a:noFill/>
+          <a:ln w="0">
+            <a:noFill/>
+          </a:ln>
         </p:spPr>
         <p:txBody>
           <a:bodyPr lIns="0" rIns="0" tIns="0" bIns="0" anchor="ctr">
@@ -642,6 +1319,903 @@
           </a:bodyPr>
           <a:p>
             <a:pPr algn="ctr"/>
+            <a:endParaRPr b="0" lang="en-IN" sz="3200" spc="-1" strike="noStrike">
+              <a:latin typeface="Arial"/>
+            </a:endParaRPr>
+          </a:p>
+        </p:txBody>
+      </p:sp>
+    </p:spTree>
+  </p:cSld>
+</p:sldLayout>
+</file>
+
+<file path=ppt/slideLayouts/slideLayout20.xml><?xml version="1.0" encoding="utf-8"?>
+<p:sldLayout xmlns:a="http://schemas.openxmlformats.org/drawingml/2006/main" xmlns:p="http://schemas.openxmlformats.org/presentationml/2006/main" xmlns:r="http://schemas.openxmlformats.org/officeDocument/2006/relationships" xmlns:p14="http://schemas.microsoft.com/office/powerpoint/2010/main" xmlns:p15="http://schemas.microsoft.com/office/powerpoint/2012/main" xmlns:mc="http://schemas.openxmlformats.org/markup-compatibility/2006" type="objAndTwoObj" preserve="1">
+  <p:cSld name="Title Content and 2 Content">
+    <p:spTree>
+      <p:nvGrpSpPr>
+        <p:cNvPr id="1" name=""/>
+        <p:cNvGrpSpPr/>
+        <p:nvPr/>
+      </p:nvGrpSpPr>
+      <p:grpSpPr>
+        <a:xfrm>
+          <a:off x="0" y="0"/>
+          <a:ext cx="0" cy="0"/>
+          <a:chOff x="0" y="0"/>
+          <a:chExt cx="0" cy="0"/>
+        </a:xfrm>
+      </p:grpSpPr>
+      <p:sp>
+        <p:nvSpPr>
+          <p:cNvPr id="53" name="PlaceHolder 1"/>
+          <p:cNvSpPr>
+            <a:spLocks noGrp="1"/>
+          </p:cNvSpPr>
+          <p:nvPr>
+            <p:ph type="title"/>
+          </p:nvPr>
+        </p:nvSpPr>
+        <p:spPr>
+          <a:xfrm>
+            <a:off x="503640" y="225720"/>
+            <a:ext cx="9071280" cy="946440"/>
+          </a:xfrm>
+          <a:prstGeom prst="rect">
+            <a:avLst/>
+          </a:prstGeom>
+          <a:noFill/>
+          <a:ln w="0">
+            <a:noFill/>
+          </a:ln>
+        </p:spPr>
+        <p:txBody>
+          <a:bodyPr lIns="0" rIns="0" tIns="0" bIns="0" anchor="ctr">
+            <a:noAutofit/>
+          </a:bodyPr>
+          <a:p>
+            <a:pPr algn="ctr"/>
+            <a:endParaRPr b="0" lang="en-IN" sz="4400" spc="-1" strike="noStrike">
+              <a:latin typeface="Arial"/>
+            </a:endParaRPr>
+          </a:p>
+        </p:txBody>
+      </p:sp>
+      <p:sp>
+        <p:nvSpPr>
+          <p:cNvPr id="54" name="PlaceHolder 2"/>
+          <p:cNvSpPr>
+            <a:spLocks noGrp="1"/>
+          </p:cNvSpPr>
+          <p:nvPr>
+            <p:ph/>
+          </p:nvPr>
+        </p:nvSpPr>
+        <p:spPr>
+          <a:xfrm>
+            <a:off x="503640" y="1326240"/>
+            <a:ext cx="4426560" cy="3288240"/>
+          </a:xfrm>
+          <a:prstGeom prst="rect">
+            <a:avLst/>
+          </a:prstGeom>
+          <a:noFill/>
+          <a:ln w="0">
+            <a:noFill/>
+          </a:ln>
+        </p:spPr>
+        <p:txBody>
+          <a:bodyPr lIns="0" rIns="0" tIns="0" bIns="0" anchor="t">
+            <a:normAutofit/>
+          </a:bodyPr>
+          <a:p>
+            <a:endParaRPr b="0" lang="en-IN" sz="3200" spc="-1" strike="noStrike">
+              <a:latin typeface="Arial"/>
+            </a:endParaRPr>
+          </a:p>
+        </p:txBody>
+      </p:sp>
+      <p:sp>
+        <p:nvSpPr>
+          <p:cNvPr id="55" name="PlaceHolder 3"/>
+          <p:cNvSpPr>
+            <a:spLocks noGrp="1"/>
+          </p:cNvSpPr>
+          <p:nvPr>
+            <p:ph/>
+          </p:nvPr>
+        </p:nvSpPr>
+        <p:spPr>
+          <a:xfrm>
+            <a:off x="5151960" y="1326240"/>
+            <a:ext cx="4426560" cy="1568160"/>
+          </a:xfrm>
+          <a:prstGeom prst="rect">
+            <a:avLst/>
+          </a:prstGeom>
+          <a:noFill/>
+          <a:ln w="0">
+            <a:noFill/>
+          </a:ln>
+        </p:spPr>
+        <p:txBody>
+          <a:bodyPr lIns="0" rIns="0" tIns="0" bIns="0" anchor="t">
+            <a:normAutofit/>
+          </a:bodyPr>
+          <a:p>
+            <a:endParaRPr b="0" lang="en-IN" sz="3200" spc="-1" strike="noStrike">
+              <a:latin typeface="Arial"/>
+            </a:endParaRPr>
+          </a:p>
+        </p:txBody>
+      </p:sp>
+      <p:sp>
+        <p:nvSpPr>
+          <p:cNvPr id="56" name="PlaceHolder 4"/>
+          <p:cNvSpPr>
+            <a:spLocks noGrp="1"/>
+          </p:cNvSpPr>
+          <p:nvPr>
+            <p:ph/>
+          </p:nvPr>
+        </p:nvSpPr>
+        <p:spPr>
+          <a:xfrm>
+            <a:off x="5151960" y="3043800"/>
+            <a:ext cx="4426560" cy="1568160"/>
+          </a:xfrm>
+          <a:prstGeom prst="rect">
+            <a:avLst/>
+          </a:prstGeom>
+          <a:noFill/>
+          <a:ln w="0">
+            <a:noFill/>
+          </a:ln>
+        </p:spPr>
+        <p:txBody>
+          <a:bodyPr lIns="0" rIns="0" tIns="0" bIns="0" anchor="t">
+            <a:normAutofit/>
+          </a:bodyPr>
+          <a:p>
+            <a:endParaRPr b="0" lang="en-IN" sz="3200" spc="-1" strike="noStrike">
+              <a:latin typeface="Arial"/>
+            </a:endParaRPr>
+          </a:p>
+        </p:txBody>
+      </p:sp>
+    </p:spTree>
+  </p:cSld>
+</p:sldLayout>
+</file>
+
+<file path=ppt/slideLayouts/slideLayout21.xml><?xml version="1.0" encoding="utf-8"?>
+<p:sldLayout xmlns:a="http://schemas.openxmlformats.org/drawingml/2006/main" xmlns:p="http://schemas.openxmlformats.org/presentationml/2006/main" xmlns:r="http://schemas.openxmlformats.org/officeDocument/2006/relationships" xmlns:p14="http://schemas.microsoft.com/office/powerpoint/2010/main" xmlns:p15="http://schemas.microsoft.com/office/powerpoint/2012/main" xmlns:mc="http://schemas.openxmlformats.org/markup-compatibility/2006" type="twoObjOverTx" preserve="1">
+  <p:cSld name="Title, 2 Content over Content">
+    <p:spTree>
+      <p:nvGrpSpPr>
+        <p:cNvPr id="1" name=""/>
+        <p:cNvGrpSpPr/>
+        <p:nvPr/>
+      </p:nvGrpSpPr>
+      <p:grpSpPr>
+        <a:xfrm>
+          <a:off x="0" y="0"/>
+          <a:ext cx="0" cy="0"/>
+          <a:chOff x="0" y="0"/>
+          <a:chExt cx="0" cy="0"/>
+        </a:xfrm>
+      </p:grpSpPr>
+      <p:sp>
+        <p:nvSpPr>
+          <p:cNvPr id="57" name="PlaceHolder 1"/>
+          <p:cNvSpPr>
+            <a:spLocks noGrp="1"/>
+          </p:cNvSpPr>
+          <p:nvPr>
+            <p:ph type="title"/>
+          </p:nvPr>
+        </p:nvSpPr>
+        <p:spPr>
+          <a:xfrm>
+            <a:off x="503640" y="225720"/>
+            <a:ext cx="9071280" cy="946440"/>
+          </a:xfrm>
+          <a:prstGeom prst="rect">
+            <a:avLst/>
+          </a:prstGeom>
+          <a:noFill/>
+          <a:ln w="0">
+            <a:noFill/>
+          </a:ln>
+        </p:spPr>
+        <p:txBody>
+          <a:bodyPr lIns="0" rIns="0" tIns="0" bIns="0" anchor="ctr">
+            <a:noAutofit/>
+          </a:bodyPr>
+          <a:p>
+            <a:pPr algn="ctr"/>
+            <a:endParaRPr b="0" lang="en-IN" sz="4400" spc="-1" strike="noStrike">
+              <a:latin typeface="Arial"/>
+            </a:endParaRPr>
+          </a:p>
+        </p:txBody>
+      </p:sp>
+      <p:sp>
+        <p:nvSpPr>
+          <p:cNvPr id="58" name="PlaceHolder 2"/>
+          <p:cNvSpPr>
+            <a:spLocks noGrp="1"/>
+          </p:cNvSpPr>
+          <p:nvPr>
+            <p:ph/>
+          </p:nvPr>
+        </p:nvSpPr>
+        <p:spPr>
+          <a:xfrm>
+            <a:off x="503640" y="1326240"/>
+            <a:ext cx="4426560" cy="1568160"/>
+          </a:xfrm>
+          <a:prstGeom prst="rect">
+            <a:avLst/>
+          </a:prstGeom>
+          <a:noFill/>
+          <a:ln w="0">
+            <a:noFill/>
+          </a:ln>
+        </p:spPr>
+        <p:txBody>
+          <a:bodyPr lIns="0" rIns="0" tIns="0" bIns="0" anchor="t">
+            <a:normAutofit/>
+          </a:bodyPr>
+          <a:p>
+            <a:endParaRPr b="0" lang="en-IN" sz="3200" spc="-1" strike="noStrike">
+              <a:latin typeface="Arial"/>
+            </a:endParaRPr>
+          </a:p>
+        </p:txBody>
+      </p:sp>
+      <p:sp>
+        <p:nvSpPr>
+          <p:cNvPr id="59" name="PlaceHolder 3"/>
+          <p:cNvSpPr>
+            <a:spLocks noGrp="1"/>
+          </p:cNvSpPr>
+          <p:nvPr>
+            <p:ph/>
+          </p:nvPr>
+        </p:nvSpPr>
+        <p:spPr>
+          <a:xfrm>
+            <a:off x="5151960" y="1326240"/>
+            <a:ext cx="4426560" cy="1568160"/>
+          </a:xfrm>
+          <a:prstGeom prst="rect">
+            <a:avLst/>
+          </a:prstGeom>
+          <a:noFill/>
+          <a:ln w="0">
+            <a:noFill/>
+          </a:ln>
+        </p:spPr>
+        <p:txBody>
+          <a:bodyPr lIns="0" rIns="0" tIns="0" bIns="0" anchor="t">
+            <a:normAutofit/>
+          </a:bodyPr>
+          <a:p>
+            <a:endParaRPr b="0" lang="en-IN" sz="3200" spc="-1" strike="noStrike">
+              <a:latin typeface="Arial"/>
+            </a:endParaRPr>
+          </a:p>
+        </p:txBody>
+      </p:sp>
+      <p:sp>
+        <p:nvSpPr>
+          <p:cNvPr id="60" name="PlaceHolder 4"/>
+          <p:cNvSpPr>
+            <a:spLocks noGrp="1"/>
+          </p:cNvSpPr>
+          <p:nvPr>
+            <p:ph/>
+          </p:nvPr>
+        </p:nvSpPr>
+        <p:spPr>
+          <a:xfrm>
+            <a:off x="503640" y="3043800"/>
+            <a:ext cx="9071280" cy="1568160"/>
+          </a:xfrm>
+          <a:prstGeom prst="rect">
+            <a:avLst/>
+          </a:prstGeom>
+          <a:noFill/>
+          <a:ln w="0">
+            <a:noFill/>
+          </a:ln>
+        </p:spPr>
+        <p:txBody>
+          <a:bodyPr lIns="0" rIns="0" tIns="0" bIns="0" anchor="t">
+            <a:normAutofit/>
+          </a:bodyPr>
+          <a:p>
+            <a:endParaRPr b="0" lang="en-IN" sz="3200" spc="-1" strike="noStrike">
+              <a:latin typeface="Arial"/>
+            </a:endParaRPr>
+          </a:p>
+        </p:txBody>
+      </p:sp>
+    </p:spTree>
+  </p:cSld>
+</p:sldLayout>
+</file>
+
+<file path=ppt/slideLayouts/slideLayout22.xml><?xml version="1.0" encoding="utf-8"?>
+<p:sldLayout xmlns:a="http://schemas.openxmlformats.org/drawingml/2006/main" xmlns:p="http://schemas.openxmlformats.org/presentationml/2006/main" xmlns:r="http://schemas.openxmlformats.org/officeDocument/2006/relationships" xmlns:p14="http://schemas.microsoft.com/office/powerpoint/2010/main" xmlns:p15="http://schemas.microsoft.com/office/powerpoint/2012/main" xmlns:mc="http://schemas.openxmlformats.org/markup-compatibility/2006" type="objOverTx" preserve="1">
+  <p:cSld name="Title, Content over Content">
+    <p:spTree>
+      <p:nvGrpSpPr>
+        <p:cNvPr id="1" name=""/>
+        <p:cNvGrpSpPr/>
+        <p:nvPr/>
+      </p:nvGrpSpPr>
+      <p:grpSpPr>
+        <a:xfrm>
+          <a:off x="0" y="0"/>
+          <a:ext cx="0" cy="0"/>
+          <a:chOff x="0" y="0"/>
+          <a:chExt cx="0" cy="0"/>
+        </a:xfrm>
+      </p:grpSpPr>
+      <p:sp>
+        <p:nvSpPr>
+          <p:cNvPr id="61" name="PlaceHolder 1"/>
+          <p:cNvSpPr>
+            <a:spLocks noGrp="1"/>
+          </p:cNvSpPr>
+          <p:nvPr>
+            <p:ph type="title"/>
+          </p:nvPr>
+        </p:nvSpPr>
+        <p:spPr>
+          <a:xfrm>
+            <a:off x="503640" y="225720"/>
+            <a:ext cx="9071280" cy="946440"/>
+          </a:xfrm>
+          <a:prstGeom prst="rect">
+            <a:avLst/>
+          </a:prstGeom>
+          <a:noFill/>
+          <a:ln w="0">
+            <a:noFill/>
+          </a:ln>
+        </p:spPr>
+        <p:txBody>
+          <a:bodyPr lIns="0" rIns="0" tIns="0" bIns="0" anchor="ctr">
+            <a:noAutofit/>
+          </a:bodyPr>
+          <a:p>
+            <a:pPr algn="ctr"/>
+            <a:endParaRPr b="0" lang="en-IN" sz="4400" spc="-1" strike="noStrike">
+              <a:latin typeface="Arial"/>
+            </a:endParaRPr>
+          </a:p>
+        </p:txBody>
+      </p:sp>
+      <p:sp>
+        <p:nvSpPr>
+          <p:cNvPr id="62" name="PlaceHolder 2"/>
+          <p:cNvSpPr>
+            <a:spLocks noGrp="1"/>
+          </p:cNvSpPr>
+          <p:nvPr>
+            <p:ph/>
+          </p:nvPr>
+        </p:nvSpPr>
+        <p:spPr>
+          <a:xfrm>
+            <a:off x="503640" y="1326240"/>
+            <a:ext cx="9071280" cy="1568160"/>
+          </a:xfrm>
+          <a:prstGeom prst="rect">
+            <a:avLst/>
+          </a:prstGeom>
+          <a:noFill/>
+          <a:ln w="0">
+            <a:noFill/>
+          </a:ln>
+        </p:spPr>
+        <p:txBody>
+          <a:bodyPr lIns="0" rIns="0" tIns="0" bIns="0" anchor="t">
+            <a:normAutofit/>
+          </a:bodyPr>
+          <a:p>
+            <a:endParaRPr b="0" lang="en-IN" sz="3200" spc="-1" strike="noStrike">
+              <a:latin typeface="Arial"/>
+            </a:endParaRPr>
+          </a:p>
+        </p:txBody>
+      </p:sp>
+      <p:sp>
+        <p:nvSpPr>
+          <p:cNvPr id="63" name="PlaceHolder 3"/>
+          <p:cNvSpPr>
+            <a:spLocks noGrp="1"/>
+          </p:cNvSpPr>
+          <p:nvPr>
+            <p:ph/>
+          </p:nvPr>
+        </p:nvSpPr>
+        <p:spPr>
+          <a:xfrm>
+            <a:off x="503640" y="3043800"/>
+            <a:ext cx="9071280" cy="1568160"/>
+          </a:xfrm>
+          <a:prstGeom prst="rect">
+            <a:avLst/>
+          </a:prstGeom>
+          <a:noFill/>
+          <a:ln w="0">
+            <a:noFill/>
+          </a:ln>
+        </p:spPr>
+        <p:txBody>
+          <a:bodyPr lIns="0" rIns="0" tIns="0" bIns="0" anchor="t">
+            <a:normAutofit/>
+          </a:bodyPr>
+          <a:p>
+            <a:endParaRPr b="0" lang="en-IN" sz="3200" spc="-1" strike="noStrike">
+              <a:latin typeface="Arial"/>
+            </a:endParaRPr>
+          </a:p>
+        </p:txBody>
+      </p:sp>
+    </p:spTree>
+  </p:cSld>
+</p:sldLayout>
+</file>
+
+<file path=ppt/slideLayouts/slideLayout23.xml><?xml version="1.0" encoding="utf-8"?>
+<p:sldLayout xmlns:a="http://schemas.openxmlformats.org/drawingml/2006/main" xmlns:p="http://schemas.openxmlformats.org/presentationml/2006/main" xmlns:r="http://schemas.openxmlformats.org/officeDocument/2006/relationships" xmlns:p14="http://schemas.microsoft.com/office/powerpoint/2010/main" xmlns:p15="http://schemas.microsoft.com/office/powerpoint/2012/main" xmlns:mc="http://schemas.openxmlformats.org/markup-compatibility/2006" type="fourObj" preserve="1">
+  <p:cSld name="Title, 4 Content">
+    <p:spTree>
+      <p:nvGrpSpPr>
+        <p:cNvPr id="1" name=""/>
+        <p:cNvGrpSpPr/>
+        <p:nvPr/>
+      </p:nvGrpSpPr>
+      <p:grpSpPr>
+        <a:xfrm>
+          <a:off x="0" y="0"/>
+          <a:ext cx="0" cy="0"/>
+          <a:chOff x="0" y="0"/>
+          <a:chExt cx="0" cy="0"/>
+        </a:xfrm>
+      </p:grpSpPr>
+      <p:sp>
+        <p:nvSpPr>
+          <p:cNvPr id="64" name="PlaceHolder 1"/>
+          <p:cNvSpPr>
+            <a:spLocks noGrp="1"/>
+          </p:cNvSpPr>
+          <p:nvPr>
+            <p:ph type="title"/>
+          </p:nvPr>
+        </p:nvSpPr>
+        <p:spPr>
+          <a:xfrm>
+            <a:off x="503640" y="225720"/>
+            <a:ext cx="9071280" cy="946440"/>
+          </a:xfrm>
+          <a:prstGeom prst="rect">
+            <a:avLst/>
+          </a:prstGeom>
+          <a:noFill/>
+          <a:ln w="0">
+            <a:noFill/>
+          </a:ln>
+        </p:spPr>
+        <p:txBody>
+          <a:bodyPr lIns="0" rIns="0" tIns="0" bIns="0" anchor="ctr">
+            <a:noAutofit/>
+          </a:bodyPr>
+          <a:p>
+            <a:pPr algn="ctr"/>
+            <a:endParaRPr b="0" lang="en-IN" sz="4400" spc="-1" strike="noStrike">
+              <a:latin typeface="Arial"/>
+            </a:endParaRPr>
+          </a:p>
+        </p:txBody>
+      </p:sp>
+      <p:sp>
+        <p:nvSpPr>
+          <p:cNvPr id="65" name="PlaceHolder 2"/>
+          <p:cNvSpPr>
+            <a:spLocks noGrp="1"/>
+          </p:cNvSpPr>
+          <p:nvPr>
+            <p:ph/>
+          </p:nvPr>
+        </p:nvSpPr>
+        <p:spPr>
+          <a:xfrm>
+            <a:off x="503640" y="1326240"/>
+            <a:ext cx="4426560" cy="1568160"/>
+          </a:xfrm>
+          <a:prstGeom prst="rect">
+            <a:avLst/>
+          </a:prstGeom>
+          <a:noFill/>
+          <a:ln w="0">
+            <a:noFill/>
+          </a:ln>
+        </p:spPr>
+        <p:txBody>
+          <a:bodyPr lIns="0" rIns="0" tIns="0" bIns="0" anchor="t">
+            <a:normAutofit/>
+          </a:bodyPr>
+          <a:p>
+            <a:endParaRPr b="0" lang="en-IN" sz="3200" spc="-1" strike="noStrike">
+              <a:latin typeface="Arial"/>
+            </a:endParaRPr>
+          </a:p>
+        </p:txBody>
+      </p:sp>
+      <p:sp>
+        <p:nvSpPr>
+          <p:cNvPr id="66" name="PlaceHolder 3"/>
+          <p:cNvSpPr>
+            <a:spLocks noGrp="1"/>
+          </p:cNvSpPr>
+          <p:nvPr>
+            <p:ph/>
+          </p:nvPr>
+        </p:nvSpPr>
+        <p:spPr>
+          <a:xfrm>
+            <a:off x="5151960" y="1326240"/>
+            <a:ext cx="4426560" cy="1568160"/>
+          </a:xfrm>
+          <a:prstGeom prst="rect">
+            <a:avLst/>
+          </a:prstGeom>
+          <a:noFill/>
+          <a:ln w="0">
+            <a:noFill/>
+          </a:ln>
+        </p:spPr>
+        <p:txBody>
+          <a:bodyPr lIns="0" rIns="0" tIns="0" bIns="0" anchor="t">
+            <a:normAutofit/>
+          </a:bodyPr>
+          <a:p>
+            <a:endParaRPr b="0" lang="en-IN" sz="3200" spc="-1" strike="noStrike">
+              <a:latin typeface="Arial"/>
+            </a:endParaRPr>
+          </a:p>
+        </p:txBody>
+      </p:sp>
+      <p:sp>
+        <p:nvSpPr>
+          <p:cNvPr id="67" name="PlaceHolder 4"/>
+          <p:cNvSpPr>
+            <a:spLocks noGrp="1"/>
+          </p:cNvSpPr>
+          <p:nvPr>
+            <p:ph/>
+          </p:nvPr>
+        </p:nvSpPr>
+        <p:spPr>
+          <a:xfrm>
+            <a:off x="503640" y="3043800"/>
+            <a:ext cx="4426560" cy="1568160"/>
+          </a:xfrm>
+          <a:prstGeom prst="rect">
+            <a:avLst/>
+          </a:prstGeom>
+          <a:noFill/>
+          <a:ln w="0">
+            <a:noFill/>
+          </a:ln>
+        </p:spPr>
+        <p:txBody>
+          <a:bodyPr lIns="0" rIns="0" tIns="0" bIns="0" anchor="t">
+            <a:normAutofit/>
+          </a:bodyPr>
+          <a:p>
+            <a:endParaRPr b="0" lang="en-IN" sz="3200" spc="-1" strike="noStrike">
+              <a:latin typeface="Arial"/>
+            </a:endParaRPr>
+          </a:p>
+        </p:txBody>
+      </p:sp>
+      <p:sp>
+        <p:nvSpPr>
+          <p:cNvPr id="68" name="PlaceHolder 5"/>
+          <p:cNvSpPr>
+            <a:spLocks noGrp="1"/>
+          </p:cNvSpPr>
+          <p:nvPr>
+            <p:ph/>
+          </p:nvPr>
+        </p:nvSpPr>
+        <p:spPr>
+          <a:xfrm>
+            <a:off x="5151960" y="3043800"/>
+            <a:ext cx="4426560" cy="1568160"/>
+          </a:xfrm>
+          <a:prstGeom prst="rect">
+            <a:avLst/>
+          </a:prstGeom>
+          <a:noFill/>
+          <a:ln w="0">
+            <a:noFill/>
+          </a:ln>
+        </p:spPr>
+        <p:txBody>
+          <a:bodyPr lIns="0" rIns="0" tIns="0" bIns="0" anchor="t">
+            <a:normAutofit/>
+          </a:bodyPr>
+          <a:p>
+            <a:endParaRPr b="0" lang="en-IN" sz="3200" spc="-1" strike="noStrike">
+              <a:latin typeface="Arial"/>
+            </a:endParaRPr>
+          </a:p>
+        </p:txBody>
+      </p:sp>
+    </p:spTree>
+  </p:cSld>
+</p:sldLayout>
+</file>
+
+<file path=ppt/slideLayouts/slideLayout24.xml><?xml version="1.0" encoding="utf-8"?>
+<p:sldLayout xmlns:a="http://schemas.openxmlformats.org/drawingml/2006/main" xmlns:p="http://schemas.openxmlformats.org/presentationml/2006/main" xmlns:r="http://schemas.openxmlformats.org/officeDocument/2006/relationships" xmlns:p14="http://schemas.microsoft.com/office/powerpoint/2010/main" xmlns:p15="http://schemas.microsoft.com/office/powerpoint/2012/main" xmlns:mc="http://schemas.openxmlformats.org/markup-compatibility/2006" type="blank" preserve="1">
+  <p:cSld name="Title, 6 Content">
+    <p:spTree>
+      <p:nvGrpSpPr>
+        <p:cNvPr id="1" name=""/>
+        <p:cNvGrpSpPr/>
+        <p:nvPr/>
+      </p:nvGrpSpPr>
+      <p:grpSpPr>
+        <a:xfrm>
+          <a:off x="0" y="0"/>
+          <a:ext cx="0" cy="0"/>
+          <a:chOff x="0" y="0"/>
+          <a:chExt cx="0" cy="0"/>
+        </a:xfrm>
+      </p:grpSpPr>
+      <p:sp>
+        <p:nvSpPr>
+          <p:cNvPr id="69" name="PlaceHolder 1"/>
+          <p:cNvSpPr>
+            <a:spLocks noGrp="1"/>
+          </p:cNvSpPr>
+          <p:nvPr>
+            <p:ph type="title"/>
+          </p:nvPr>
+        </p:nvSpPr>
+        <p:spPr>
+          <a:xfrm>
+            <a:off x="503640" y="225720"/>
+            <a:ext cx="9071280" cy="946440"/>
+          </a:xfrm>
+          <a:prstGeom prst="rect">
+            <a:avLst/>
+          </a:prstGeom>
+          <a:noFill/>
+          <a:ln w="0">
+            <a:noFill/>
+          </a:ln>
+        </p:spPr>
+        <p:txBody>
+          <a:bodyPr lIns="0" rIns="0" tIns="0" bIns="0" anchor="ctr">
+            <a:noAutofit/>
+          </a:bodyPr>
+          <a:p>
+            <a:pPr algn="ctr"/>
+            <a:endParaRPr b="0" lang="en-IN" sz="4400" spc="-1" strike="noStrike">
+              <a:latin typeface="Arial"/>
+            </a:endParaRPr>
+          </a:p>
+        </p:txBody>
+      </p:sp>
+      <p:sp>
+        <p:nvSpPr>
+          <p:cNvPr id="70" name="PlaceHolder 2"/>
+          <p:cNvSpPr>
+            <a:spLocks noGrp="1"/>
+          </p:cNvSpPr>
+          <p:nvPr>
+            <p:ph/>
+          </p:nvPr>
+        </p:nvSpPr>
+        <p:spPr>
+          <a:xfrm>
+            <a:off x="503640" y="1326240"/>
+            <a:ext cx="2920680" cy="1568160"/>
+          </a:xfrm>
+          <a:prstGeom prst="rect">
+            <a:avLst/>
+          </a:prstGeom>
+          <a:noFill/>
+          <a:ln w="0">
+            <a:noFill/>
+          </a:ln>
+        </p:spPr>
+        <p:txBody>
+          <a:bodyPr lIns="0" rIns="0" tIns="0" bIns="0" anchor="t">
+            <a:normAutofit/>
+          </a:bodyPr>
+          <a:p>
+            <a:endParaRPr b="0" lang="en-IN" sz="3200" spc="-1" strike="noStrike">
+              <a:latin typeface="Arial"/>
+            </a:endParaRPr>
+          </a:p>
+        </p:txBody>
+      </p:sp>
+      <p:sp>
+        <p:nvSpPr>
+          <p:cNvPr id="71" name="PlaceHolder 3"/>
+          <p:cNvSpPr>
+            <a:spLocks noGrp="1"/>
+          </p:cNvSpPr>
+          <p:nvPr>
+            <p:ph/>
+          </p:nvPr>
+        </p:nvSpPr>
+        <p:spPr>
+          <a:xfrm>
+            <a:off x="3570840" y="1326240"/>
+            <a:ext cx="2920680" cy="1568160"/>
+          </a:xfrm>
+          <a:prstGeom prst="rect">
+            <a:avLst/>
+          </a:prstGeom>
+          <a:noFill/>
+          <a:ln w="0">
+            <a:noFill/>
+          </a:ln>
+        </p:spPr>
+        <p:txBody>
+          <a:bodyPr lIns="0" rIns="0" tIns="0" bIns="0" anchor="t">
+            <a:normAutofit/>
+          </a:bodyPr>
+          <a:p>
+            <a:endParaRPr b="0" lang="en-IN" sz="3200" spc="-1" strike="noStrike">
+              <a:latin typeface="Arial"/>
+            </a:endParaRPr>
+          </a:p>
+        </p:txBody>
+      </p:sp>
+      <p:sp>
+        <p:nvSpPr>
+          <p:cNvPr id="72" name="PlaceHolder 4"/>
+          <p:cNvSpPr>
+            <a:spLocks noGrp="1"/>
+          </p:cNvSpPr>
+          <p:nvPr>
+            <p:ph/>
+          </p:nvPr>
+        </p:nvSpPr>
+        <p:spPr>
+          <a:xfrm>
+            <a:off x="6637680" y="1326240"/>
+            <a:ext cx="2920680" cy="1568160"/>
+          </a:xfrm>
+          <a:prstGeom prst="rect">
+            <a:avLst/>
+          </a:prstGeom>
+          <a:noFill/>
+          <a:ln w="0">
+            <a:noFill/>
+          </a:ln>
+        </p:spPr>
+        <p:txBody>
+          <a:bodyPr lIns="0" rIns="0" tIns="0" bIns="0" anchor="t">
+            <a:normAutofit/>
+          </a:bodyPr>
+          <a:p>
+            <a:endParaRPr b="0" lang="en-IN" sz="3200" spc="-1" strike="noStrike">
+              <a:latin typeface="Arial"/>
+            </a:endParaRPr>
+          </a:p>
+        </p:txBody>
+      </p:sp>
+      <p:sp>
+        <p:nvSpPr>
+          <p:cNvPr id="73" name="PlaceHolder 5"/>
+          <p:cNvSpPr>
+            <a:spLocks noGrp="1"/>
+          </p:cNvSpPr>
+          <p:nvPr>
+            <p:ph/>
+          </p:nvPr>
+        </p:nvSpPr>
+        <p:spPr>
+          <a:xfrm>
+            <a:off x="503640" y="3043800"/>
+            <a:ext cx="2920680" cy="1568160"/>
+          </a:xfrm>
+          <a:prstGeom prst="rect">
+            <a:avLst/>
+          </a:prstGeom>
+          <a:noFill/>
+          <a:ln w="0">
+            <a:noFill/>
+          </a:ln>
+        </p:spPr>
+        <p:txBody>
+          <a:bodyPr lIns="0" rIns="0" tIns="0" bIns="0" anchor="t">
+            <a:normAutofit/>
+          </a:bodyPr>
+          <a:p>
+            <a:endParaRPr b="0" lang="en-IN" sz="3200" spc="-1" strike="noStrike">
+              <a:latin typeface="Arial"/>
+            </a:endParaRPr>
+          </a:p>
+        </p:txBody>
+      </p:sp>
+      <p:sp>
+        <p:nvSpPr>
+          <p:cNvPr id="74" name="PlaceHolder 6"/>
+          <p:cNvSpPr>
+            <a:spLocks noGrp="1"/>
+          </p:cNvSpPr>
+          <p:nvPr>
+            <p:ph/>
+          </p:nvPr>
+        </p:nvSpPr>
+        <p:spPr>
+          <a:xfrm>
+            <a:off x="3570840" y="3043800"/>
+            <a:ext cx="2920680" cy="1568160"/>
+          </a:xfrm>
+          <a:prstGeom prst="rect">
+            <a:avLst/>
+          </a:prstGeom>
+          <a:noFill/>
+          <a:ln w="0">
+            <a:noFill/>
+          </a:ln>
+        </p:spPr>
+        <p:txBody>
+          <a:bodyPr lIns="0" rIns="0" tIns="0" bIns="0" anchor="t">
+            <a:normAutofit/>
+          </a:bodyPr>
+          <a:p>
+            <a:endParaRPr b="0" lang="en-IN" sz="3200" spc="-1" strike="noStrike">
+              <a:latin typeface="Arial"/>
+            </a:endParaRPr>
+          </a:p>
+        </p:txBody>
+      </p:sp>
+      <p:sp>
+        <p:nvSpPr>
+          <p:cNvPr id="75" name="PlaceHolder 7"/>
+          <p:cNvSpPr>
+            <a:spLocks noGrp="1"/>
+          </p:cNvSpPr>
+          <p:nvPr>
+            <p:ph/>
+          </p:nvPr>
+        </p:nvSpPr>
+        <p:spPr>
+          <a:xfrm>
+            <a:off x="6637680" y="3043800"/>
+            <a:ext cx="2920680" cy="1568160"/>
+          </a:xfrm>
+          <a:prstGeom prst="rect">
+            <a:avLst/>
+          </a:prstGeom>
+          <a:noFill/>
+          <a:ln w="0">
+            <a:noFill/>
+          </a:ln>
+        </p:spPr>
+        <p:txBody>
+          <a:bodyPr lIns="0" rIns="0" tIns="0" bIns="0" anchor="t">
+            <a:normAutofit/>
+          </a:bodyPr>
+          <a:p>
             <a:endParaRPr b="0" lang="en-IN" sz="3200" spc="-1" strike="noStrike">
               <a:latin typeface="Arial"/>
             </a:endParaRPr>
@@ -672,7 +2246,7 @@
       </p:grpSpPr>
       <p:sp>
         <p:nvSpPr>
-          <p:cNvPr id="7" name="PlaceHolder 1"/>
+          <p:cNvPr id="4" name="PlaceHolder 1"/>
           <p:cNvSpPr>
             <a:spLocks noGrp="1"/>
           </p:cNvSpPr>
@@ -682,12 +2256,16 @@
         </p:nvSpPr>
         <p:spPr>
           <a:xfrm>
-            <a:off x="504000" y="226080"/>
-            <a:ext cx="9071640" cy="946440"/>
-          </a:xfrm>
-          <a:prstGeom prst="rect">
-            <a:avLst/>
-          </a:prstGeom>
+            <a:off x="503640" y="225720"/>
+            <a:ext cx="9071280" cy="946440"/>
+          </a:xfrm>
+          <a:prstGeom prst="rect">
+            <a:avLst/>
+          </a:prstGeom>
+          <a:noFill/>
+          <a:ln w="0">
+            <a:noFill/>
+          </a:ln>
         </p:spPr>
         <p:txBody>
           <a:bodyPr lIns="0" rIns="0" tIns="0" bIns="0" anchor="ctr">
@@ -703,25 +2281,29 @@
       </p:sp>
       <p:sp>
         <p:nvSpPr>
-          <p:cNvPr id="8" name="PlaceHolder 2"/>
+          <p:cNvPr id="5" name="PlaceHolder 2"/>
           <p:cNvSpPr>
             <a:spLocks noGrp="1"/>
           </p:cNvSpPr>
           <p:nvPr>
-            <p:ph type="body"/>
+            <p:ph/>
           </p:nvPr>
         </p:nvSpPr>
         <p:spPr>
           <a:xfrm>
-            <a:off x="504000" y="1326600"/>
-            <a:ext cx="9071640" cy="3288240"/>
-          </a:xfrm>
-          <a:prstGeom prst="rect">
-            <a:avLst/>
-          </a:prstGeom>
-        </p:spPr>
-        <p:txBody>
-          <a:bodyPr lIns="0" rIns="0" tIns="0" bIns="0">
+            <a:off x="503640" y="1326240"/>
+            <a:ext cx="9071280" cy="3288240"/>
+          </a:xfrm>
+          <a:prstGeom prst="rect">
+            <a:avLst/>
+          </a:prstGeom>
+          <a:noFill/>
+          <a:ln w="0">
+            <a:noFill/>
+          </a:ln>
+        </p:spPr>
+        <p:txBody>
+          <a:bodyPr lIns="0" rIns="0" tIns="0" bIns="0" anchor="t">
             <a:normAutofit/>
           </a:bodyPr>
           <a:p>
@@ -755,7 +2337,7 @@
       </p:grpSpPr>
       <p:sp>
         <p:nvSpPr>
-          <p:cNvPr id="9" name="PlaceHolder 1"/>
+          <p:cNvPr id="6" name="PlaceHolder 1"/>
           <p:cNvSpPr>
             <a:spLocks noGrp="1"/>
           </p:cNvSpPr>
@@ -765,12 +2347,16 @@
         </p:nvSpPr>
         <p:spPr>
           <a:xfrm>
-            <a:off x="504000" y="226080"/>
-            <a:ext cx="9071640" cy="946440"/>
-          </a:xfrm>
-          <a:prstGeom prst="rect">
-            <a:avLst/>
-          </a:prstGeom>
+            <a:off x="503640" y="225720"/>
+            <a:ext cx="9071280" cy="946440"/>
+          </a:xfrm>
+          <a:prstGeom prst="rect">
+            <a:avLst/>
+          </a:prstGeom>
+          <a:noFill/>
+          <a:ln w="0">
+            <a:noFill/>
+          </a:ln>
         </p:spPr>
         <p:txBody>
           <a:bodyPr lIns="0" rIns="0" tIns="0" bIns="0" anchor="ctr">
@@ -786,25 +2372,29 @@
       </p:sp>
       <p:sp>
         <p:nvSpPr>
-          <p:cNvPr id="10" name="PlaceHolder 2"/>
+          <p:cNvPr id="7" name="PlaceHolder 2"/>
           <p:cNvSpPr>
             <a:spLocks noGrp="1"/>
           </p:cNvSpPr>
           <p:nvPr>
-            <p:ph type="body"/>
+            <p:ph/>
           </p:nvPr>
         </p:nvSpPr>
         <p:spPr>
           <a:xfrm>
-            <a:off x="504000" y="1326600"/>
-            <a:ext cx="4426920" cy="3288240"/>
-          </a:xfrm>
-          <a:prstGeom prst="rect">
-            <a:avLst/>
-          </a:prstGeom>
-        </p:spPr>
-        <p:txBody>
-          <a:bodyPr lIns="0" rIns="0" tIns="0" bIns="0">
+            <a:off x="503640" y="1326240"/>
+            <a:ext cx="4426560" cy="3288240"/>
+          </a:xfrm>
+          <a:prstGeom prst="rect">
+            <a:avLst/>
+          </a:prstGeom>
+          <a:noFill/>
+          <a:ln w="0">
+            <a:noFill/>
+          </a:ln>
+        </p:spPr>
+        <p:txBody>
+          <a:bodyPr lIns="0" rIns="0" tIns="0" bIns="0" anchor="t">
             <a:normAutofit/>
           </a:bodyPr>
           <a:p>
@@ -816,25 +2406,29 @@
       </p:sp>
       <p:sp>
         <p:nvSpPr>
-          <p:cNvPr id="11" name="PlaceHolder 3"/>
+          <p:cNvPr id="8" name="PlaceHolder 3"/>
           <p:cNvSpPr>
             <a:spLocks noGrp="1"/>
           </p:cNvSpPr>
           <p:nvPr>
-            <p:ph type="body"/>
+            <p:ph/>
           </p:nvPr>
         </p:nvSpPr>
         <p:spPr>
           <a:xfrm>
-            <a:off x="5152680" y="1326600"/>
-            <a:ext cx="4426920" cy="3288240"/>
-          </a:xfrm>
-          <a:prstGeom prst="rect">
-            <a:avLst/>
-          </a:prstGeom>
-        </p:spPr>
-        <p:txBody>
-          <a:bodyPr lIns="0" rIns="0" tIns="0" bIns="0">
+            <a:off x="5151960" y="1326240"/>
+            <a:ext cx="4426560" cy="3288240"/>
+          </a:xfrm>
+          <a:prstGeom prst="rect">
+            <a:avLst/>
+          </a:prstGeom>
+          <a:noFill/>
+          <a:ln w="0">
+            <a:noFill/>
+          </a:ln>
+        </p:spPr>
+        <p:txBody>
+          <a:bodyPr lIns="0" rIns="0" tIns="0" bIns="0" anchor="t">
             <a:normAutofit/>
           </a:bodyPr>
           <a:p>
@@ -868,7 +2462,7 @@
       </p:grpSpPr>
       <p:sp>
         <p:nvSpPr>
-          <p:cNvPr id="12" name="PlaceHolder 1"/>
+          <p:cNvPr id="9" name="PlaceHolder 1"/>
           <p:cNvSpPr>
             <a:spLocks noGrp="1"/>
           </p:cNvSpPr>
@@ -878,12 +2472,16 @@
         </p:nvSpPr>
         <p:spPr>
           <a:xfrm>
-            <a:off x="504000" y="226080"/>
-            <a:ext cx="9071640" cy="946440"/>
-          </a:xfrm>
-          <a:prstGeom prst="rect">
-            <a:avLst/>
-          </a:prstGeom>
+            <a:off x="503640" y="225720"/>
+            <a:ext cx="9071280" cy="946440"/>
+          </a:xfrm>
+          <a:prstGeom prst="rect">
+            <a:avLst/>
+          </a:prstGeom>
+          <a:noFill/>
+          <a:ln w="0">
+            <a:noFill/>
+          </a:ln>
         </p:spPr>
         <p:txBody>
           <a:bodyPr lIns="0" rIns="0" tIns="0" bIns="0" anchor="ctr">
@@ -921,7 +2519,7 @@
       </p:grpSpPr>
       <p:sp>
         <p:nvSpPr>
-          <p:cNvPr id="13" name="PlaceHolder 1"/>
+          <p:cNvPr id="10" name="PlaceHolder 1"/>
           <p:cNvSpPr>
             <a:spLocks noGrp="1"/>
           </p:cNvSpPr>
@@ -931,12 +2529,16 @@
         </p:nvSpPr>
         <p:spPr>
           <a:xfrm>
-            <a:off x="504000" y="226080"/>
-            <a:ext cx="9071640" cy="4388400"/>
-          </a:xfrm>
-          <a:prstGeom prst="rect">
-            <a:avLst/>
-          </a:prstGeom>
+            <a:off x="503640" y="225720"/>
+            <a:ext cx="9071280" cy="4388400"/>
+          </a:xfrm>
+          <a:prstGeom prst="rect">
+            <a:avLst/>
+          </a:prstGeom>
+          <a:noFill/>
+          <a:ln w="0">
+            <a:noFill/>
+          </a:ln>
         </p:spPr>
         <p:txBody>
           <a:bodyPr lIns="0" rIns="0" tIns="0" bIns="0" anchor="ctr">
@@ -974,7 +2576,7 @@
       </p:grpSpPr>
       <p:sp>
         <p:nvSpPr>
-          <p:cNvPr id="14" name="PlaceHolder 1"/>
+          <p:cNvPr id="11" name="PlaceHolder 1"/>
           <p:cNvSpPr>
             <a:spLocks noGrp="1"/>
           </p:cNvSpPr>
@@ -984,12 +2586,16 @@
         </p:nvSpPr>
         <p:spPr>
           <a:xfrm>
-            <a:off x="504000" y="226080"/>
-            <a:ext cx="9071640" cy="946440"/>
-          </a:xfrm>
-          <a:prstGeom prst="rect">
-            <a:avLst/>
-          </a:prstGeom>
+            <a:off x="503640" y="225720"/>
+            <a:ext cx="9071280" cy="946440"/>
+          </a:xfrm>
+          <a:prstGeom prst="rect">
+            <a:avLst/>
+          </a:prstGeom>
+          <a:noFill/>
+          <a:ln w="0">
+            <a:noFill/>
+          </a:ln>
         </p:spPr>
         <p:txBody>
           <a:bodyPr lIns="0" rIns="0" tIns="0" bIns="0" anchor="ctr">
@@ -1005,25 +2611,29 @@
       </p:sp>
       <p:sp>
         <p:nvSpPr>
-          <p:cNvPr id="15" name="PlaceHolder 2"/>
+          <p:cNvPr id="12" name="PlaceHolder 2"/>
           <p:cNvSpPr>
             <a:spLocks noGrp="1"/>
           </p:cNvSpPr>
           <p:nvPr>
-            <p:ph type="body"/>
+            <p:ph/>
           </p:nvPr>
         </p:nvSpPr>
         <p:spPr>
           <a:xfrm>
-            <a:off x="504000" y="1326600"/>
-            <a:ext cx="4426920" cy="1568160"/>
-          </a:xfrm>
-          <a:prstGeom prst="rect">
-            <a:avLst/>
-          </a:prstGeom>
-        </p:spPr>
-        <p:txBody>
-          <a:bodyPr lIns="0" rIns="0" tIns="0" bIns="0">
+            <a:off x="503640" y="1326240"/>
+            <a:ext cx="4426560" cy="1568160"/>
+          </a:xfrm>
+          <a:prstGeom prst="rect">
+            <a:avLst/>
+          </a:prstGeom>
+          <a:noFill/>
+          <a:ln w="0">
+            <a:noFill/>
+          </a:ln>
+        </p:spPr>
+        <p:txBody>
+          <a:bodyPr lIns="0" rIns="0" tIns="0" bIns="0" anchor="t">
             <a:normAutofit/>
           </a:bodyPr>
           <a:p>
@@ -1035,25 +2645,29 @@
       </p:sp>
       <p:sp>
         <p:nvSpPr>
-          <p:cNvPr id="16" name="PlaceHolder 3"/>
+          <p:cNvPr id="13" name="PlaceHolder 3"/>
           <p:cNvSpPr>
             <a:spLocks noGrp="1"/>
           </p:cNvSpPr>
           <p:nvPr>
-            <p:ph type="body"/>
+            <p:ph/>
           </p:nvPr>
         </p:nvSpPr>
         <p:spPr>
           <a:xfrm>
-            <a:off x="5152680" y="1326600"/>
-            <a:ext cx="4426920" cy="3288240"/>
-          </a:xfrm>
-          <a:prstGeom prst="rect">
-            <a:avLst/>
-          </a:prstGeom>
-        </p:spPr>
-        <p:txBody>
-          <a:bodyPr lIns="0" rIns="0" tIns="0" bIns="0">
+            <a:off x="5151960" y="1326240"/>
+            <a:ext cx="4426560" cy="3288240"/>
+          </a:xfrm>
+          <a:prstGeom prst="rect">
+            <a:avLst/>
+          </a:prstGeom>
+          <a:noFill/>
+          <a:ln w="0">
+            <a:noFill/>
+          </a:ln>
+        </p:spPr>
+        <p:txBody>
+          <a:bodyPr lIns="0" rIns="0" tIns="0" bIns="0" anchor="t">
             <a:normAutofit/>
           </a:bodyPr>
           <a:p>
@@ -1065,25 +2679,29 @@
       </p:sp>
       <p:sp>
         <p:nvSpPr>
-          <p:cNvPr id="17" name="PlaceHolder 4"/>
+          <p:cNvPr id="14" name="PlaceHolder 4"/>
           <p:cNvSpPr>
             <a:spLocks noGrp="1"/>
           </p:cNvSpPr>
           <p:nvPr>
-            <p:ph type="body"/>
+            <p:ph/>
           </p:nvPr>
         </p:nvSpPr>
         <p:spPr>
           <a:xfrm>
-            <a:off x="504000" y="3044160"/>
-            <a:ext cx="4426920" cy="1568160"/>
-          </a:xfrm>
-          <a:prstGeom prst="rect">
-            <a:avLst/>
-          </a:prstGeom>
-        </p:spPr>
-        <p:txBody>
-          <a:bodyPr lIns="0" rIns="0" tIns="0" bIns="0">
+            <a:off x="503640" y="3043800"/>
+            <a:ext cx="4426560" cy="1568160"/>
+          </a:xfrm>
+          <a:prstGeom prst="rect">
+            <a:avLst/>
+          </a:prstGeom>
+          <a:noFill/>
+          <a:ln w="0">
+            <a:noFill/>
+          </a:ln>
+        </p:spPr>
+        <p:txBody>
+          <a:bodyPr lIns="0" rIns="0" tIns="0" bIns="0" anchor="t">
             <a:normAutofit/>
           </a:bodyPr>
           <a:p>
@@ -1117,7 +2735,7 @@
       </p:grpSpPr>
       <p:sp>
         <p:nvSpPr>
-          <p:cNvPr id="18" name="PlaceHolder 1"/>
+          <p:cNvPr id="15" name="PlaceHolder 1"/>
           <p:cNvSpPr>
             <a:spLocks noGrp="1"/>
           </p:cNvSpPr>
@@ -1127,12 +2745,16 @@
         </p:nvSpPr>
         <p:spPr>
           <a:xfrm>
-            <a:off x="504000" y="226080"/>
-            <a:ext cx="9071640" cy="946440"/>
-          </a:xfrm>
-          <a:prstGeom prst="rect">
-            <a:avLst/>
-          </a:prstGeom>
+            <a:off x="503640" y="225720"/>
+            <a:ext cx="9071280" cy="946440"/>
+          </a:xfrm>
+          <a:prstGeom prst="rect">
+            <a:avLst/>
+          </a:prstGeom>
+          <a:noFill/>
+          <a:ln w="0">
+            <a:noFill/>
+          </a:ln>
         </p:spPr>
         <p:txBody>
           <a:bodyPr lIns="0" rIns="0" tIns="0" bIns="0" anchor="ctr">
@@ -1148,25 +2770,29 @@
       </p:sp>
       <p:sp>
         <p:nvSpPr>
-          <p:cNvPr id="19" name="PlaceHolder 2"/>
+          <p:cNvPr id="16" name="PlaceHolder 2"/>
           <p:cNvSpPr>
             <a:spLocks noGrp="1"/>
           </p:cNvSpPr>
           <p:nvPr>
-            <p:ph type="body"/>
+            <p:ph/>
           </p:nvPr>
         </p:nvSpPr>
         <p:spPr>
           <a:xfrm>
-            <a:off x="504000" y="1326600"/>
-            <a:ext cx="4426920" cy="3288240"/>
-          </a:xfrm>
-          <a:prstGeom prst="rect">
-            <a:avLst/>
-          </a:prstGeom>
-        </p:spPr>
-        <p:txBody>
-          <a:bodyPr lIns="0" rIns="0" tIns="0" bIns="0">
+            <a:off x="503640" y="1326240"/>
+            <a:ext cx="4426560" cy="3288240"/>
+          </a:xfrm>
+          <a:prstGeom prst="rect">
+            <a:avLst/>
+          </a:prstGeom>
+          <a:noFill/>
+          <a:ln w="0">
+            <a:noFill/>
+          </a:ln>
+        </p:spPr>
+        <p:txBody>
+          <a:bodyPr lIns="0" rIns="0" tIns="0" bIns="0" anchor="t">
             <a:normAutofit/>
           </a:bodyPr>
           <a:p>
@@ -1178,25 +2804,29 @@
       </p:sp>
       <p:sp>
         <p:nvSpPr>
-          <p:cNvPr id="20" name="PlaceHolder 3"/>
+          <p:cNvPr id="17" name="PlaceHolder 3"/>
           <p:cNvSpPr>
             <a:spLocks noGrp="1"/>
           </p:cNvSpPr>
           <p:nvPr>
-            <p:ph type="body"/>
+            <p:ph/>
           </p:nvPr>
         </p:nvSpPr>
         <p:spPr>
           <a:xfrm>
-            <a:off x="5152680" y="1326600"/>
-            <a:ext cx="4426920" cy="1568160"/>
-          </a:xfrm>
-          <a:prstGeom prst="rect">
-            <a:avLst/>
-          </a:prstGeom>
-        </p:spPr>
-        <p:txBody>
-          <a:bodyPr lIns="0" rIns="0" tIns="0" bIns="0">
+            <a:off x="5151960" y="1326240"/>
+            <a:ext cx="4426560" cy="1568160"/>
+          </a:xfrm>
+          <a:prstGeom prst="rect">
+            <a:avLst/>
+          </a:prstGeom>
+          <a:noFill/>
+          <a:ln w="0">
+            <a:noFill/>
+          </a:ln>
+        </p:spPr>
+        <p:txBody>
+          <a:bodyPr lIns="0" rIns="0" tIns="0" bIns="0" anchor="t">
             <a:normAutofit/>
           </a:bodyPr>
           <a:p>
@@ -1208,25 +2838,29 @@
       </p:sp>
       <p:sp>
         <p:nvSpPr>
-          <p:cNvPr id="21" name="PlaceHolder 4"/>
+          <p:cNvPr id="18" name="PlaceHolder 4"/>
           <p:cNvSpPr>
             <a:spLocks noGrp="1"/>
           </p:cNvSpPr>
           <p:nvPr>
-            <p:ph type="body"/>
+            <p:ph/>
           </p:nvPr>
         </p:nvSpPr>
         <p:spPr>
           <a:xfrm>
-            <a:off x="5152680" y="3044160"/>
-            <a:ext cx="4426920" cy="1568160"/>
-          </a:xfrm>
-          <a:prstGeom prst="rect">
-            <a:avLst/>
-          </a:prstGeom>
-        </p:spPr>
-        <p:txBody>
-          <a:bodyPr lIns="0" rIns="0" tIns="0" bIns="0">
+            <a:off x="5151960" y="3043800"/>
+            <a:ext cx="4426560" cy="1568160"/>
+          </a:xfrm>
+          <a:prstGeom prst="rect">
+            <a:avLst/>
+          </a:prstGeom>
+          <a:noFill/>
+          <a:ln w="0">
+            <a:noFill/>
+          </a:ln>
+        </p:spPr>
+        <p:txBody>
+          <a:bodyPr lIns="0" rIns="0" tIns="0" bIns="0" anchor="t">
             <a:normAutofit/>
           </a:bodyPr>
           <a:p>
@@ -1260,7 +2894,7 @@
       </p:grpSpPr>
       <p:sp>
         <p:nvSpPr>
-          <p:cNvPr id="22" name="PlaceHolder 1"/>
+          <p:cNvPr id="19" name="PlaceHolder 1"/>
           <p:cNvSpPr>
             <a:spLocks noGrp="1"/>
           </p:cNvSpPr>
@@ -1270,12 +2904,16 @@
         </p:nvSpPr>
         <p:spPr>
           <a:xfrm>
-            <a:off x="504000" y="226080"/>
-            <a:ext cx="9071640" cy="946440"/>
-          </a:xfrm>
-          <a:prstGeom prst="rect">
-            <a:avLst/>
-          </a:prstGeom>
+            <a:off x="503640" y="225720"/>
+            <a:ext cx="9071280" cy="946440"/>
+          </a:xfrm>
+          <a:prstGeom prst="rect">
+            <a:avLst/>
+          </a:prstGeom>
+          <a:noFill/>
+          <a:ln w="0">
+            <a:noFill/>
+          </a:ln>
         </p:spPr>
         <p:txBody>
           <a:bodyPr lIns="0" rIns="0" tIns="0" bIns="0" anchor="ctr">
@@ -1291,25 +2929,29 @@
       </p:sp>
       <p:sp>
         <p:nvSpPr>
-          <p:cNvPr id="23" name="PlaceHolder 2"/>
+          <p:cNvPr id="20" name="PlaceHolder 2"/>
           <p:cNvSpPr>
             <a:spLocks noGrp="1"/>
           </p:cNvSpPr>
           <p:nvPr>
-            <p:ph type="body"/>
+            <p:ph/>
           </p:nvPr>
         </p:nvSpPr>
         <p:spPr>
           <a:xfrm>
-            <a:off x="504000" y="1326600"/>
-            <a:ext cx="4426920" cy="1568160"/>
-          </a:xfrm>
-          <a:prstGeom prst="rect">
-            <a:avLst/>
-          </a:prstGeom>
-        </p:spPr>
-        <p:txBody>
-          <a:bodyPr lIns="0" rIns="0" tIns="0" bIns="0">
+            <a:off x="503640" y="1326240"/>
+            <a:ext cx="4426560" cy="1568160"/>
+          </a:xfrm>
+          <a:prstGeom prst="rect">
+            <a:avLst/>
+          </a:prstGeom>
+          <a:noFill/>
+          <a:ln w="0">
+            <a:noFill/>
+          </a:ln>
+        </p:spPr>
+        <p:txBody>
+          <a:bodyPr lIns="0" rIns="0" tIns="0" bIns="0" anchor="t">
             <a:normAutofit/>
           </a:bodyPr>
           <a:p>
@@ -1321,25 +2963,29 @@
       </p:sp>
       <p:sp>
         <p:nvSpPr>
-          <p:cNvPr id="24" name="PlaceHolder 3"/>
+          <p:cNvPr id="21" name="PlaceHolder 3"/>
           <p:cNvSpPr>
             <a:spLocks noGrp="1"/>
           </p:cNvSpPr>
           <p:nvPr>
-            <p:ph type="body"/>
+            <p:ph/>
           </p:nvPr>
         </p:nvSpPr>
         <p:spPr>
           <a:xfrm>
-            <a:off x="5152680" y="1326600"/>
-            <a:ext cx="4426920" cy="1568160"/>
-          </a:xfrm>
-          <a:prstGeom prst="rect">
-            <a:avLst/>
-          </a:prstGeom>
-        </p:spPr>
-        <p:txBody>
-          <a:bodyPr lIns="0" rIns="0" tIns="0" bIns="0">
+            <a:off x="5151960" y="1326240"/>
+            <a:ext cx="4426560" cy="1568160"/>
+          </a:xfrm>
+          <a:prstGeom prst="rect">
+            <a:avLst/>
+          </a:prstGeom>
+          <a:noFill/>
+          <a:ln w="0">
+            <a:noFill/>
+          </a:ln>
+        </p:spPr>
+        <p:txBody>
+          <a:bodyPr lIns="0" rIns="0" tIns="0" bIns="0" anchor="t">
             <a:normAutofit/>
           </a:bodyPr>
           <a:p>
@@ -1351,25 +2997,29 @@
       </p:sp>
       <p:sp>
         <p:nvSpPr>
-          <p:cNvPr id="25" name="PlaceHolder 4"/>
+          <p:cNvPr id="22" name="PlaceHolder 4"/>
           <p:cNvSpPr>
             <a:spLocks noGrp="1"/>
           </p:cNvSpPr>
           <p:nvPr>
-            <p:ph type="body"/>
+            <p:ph/>
           </p:nvPr>
         </p:nvSpPr>
         <p:spPr>
           <a:xfrm>
-            <a:off x="504000" y="3044160"/>
-            <a:ext cx="9071640" cy="1568160"/>
-          </a:xfrm>
-          <a:prstGeom prst="rect">
-            <a:avLst/>
-          </a:prstGeom>
-        </p:spPr>
-        <p:txBody>
-          <a:bodyPr lIns="0" rIns="0" tIns="0" bIns="0">
+            <a:off x="503640" y="3043800"/>
+            <a:ext cx="9071280" cy="1568160"/>
+          </a:xfrm>
+          <a:prstGeom prst="rect">
+            <a:avLst/>
+          </a:prstGeom>
+          <a:noFill/>
+          <a:ln w="0">
+            <a:noFill/>
+          </a:ln>
+        </p:spPr>
+        <p:txBody>
+          <a:bodyPr lIns="0" rIns="0" tIns="0" bIns="0" anchor="t">
             <a:normAutofit/>
           </a:bodyPr>
           <a:p>
@@ -1413,38 +3063,29 @@
         </p:nvSpPr>
         <p:spPr>
           <a:xfrm>
-            <a:off x="504000" y="226080"/>
-            <a:ext cx="9071640" cy="946440"/>
-          </a:xfrm>
-          <a:prstGeom prst="rect">
-            <a:avLst/>
-          </a:prstGeom>
+            <a:off x="503640" y="225720"/>
+            <a:ext cx="9070560" cy="946080"/>
+          </a:xfrm>
+          <a:prstGeom prst="rect">
+            <a:avLst/>
+          </a:prstGeom>
+          <a:noFill/>
+          <a:ln w="0">
+            <a:noFill/>
+          </a:ln>
         </p:spPr>
         <p:txBody>
           <a:bodyPr lIns="0" rIns="0" tIns="0" bIns="0" anchor="ctr">
             <a:noAutofit/>
           </a:bodyPr>
           <a:p>
-            <a:pPr algn="ctr"/>
-            <a:r>
-              <a:rPr b="0" lang="en-IN" sz="4400" spc="-1" strike="noStrike">
+            <a:r>
+              <a:rPr b="0" lang="en-IN" sz="1800" spc="-1" strike="noStrike">
                 <a:latin typeface="Arial"/>
               </a:rPr>
-              <a:t>Click to edit </a:t>
-            </a:r>
-            <a:r>
-              <a:rPr b="0" lang="en-IN" sz="4400" spc="-1" strike="noStrike">
-                <a:latin typeface="Arial"/>
-              </a:rPr>
-              <a:t>the title text </a:t>
-            </a:r>
-            <a:r>
-              <a:rPr b="0" lang="en-IN" sz="4400" spc="-1" strike="noStrike">
-                <a:latin typeface="Arial"/>
-              </a:rPr>
-              <a:t>format</a:t>
-            </a:r>
-            <a:endParaRPr b="0" lang="en-IN" sz="4400" spc="-1" strike="noStrike">
+              <a:t>Click to edit the title text format</a:t>
+            </a:r>
+            <a:endParaRPr b="0" lang="en-IN" sz="1800" spc="-1" strike="noStrike">
               <a:latin typeface="Arial"/>
             </a:endParaRPr>
           </a:p>
@@ -1462,21 +3103,25 @@
         </p:nvSpPr>
         <p:spPr>
           <a:xfrm>
-            <a:off x="504000" y="1326600"/>
-            <a:ext cx="9071640" cy="3288240"/>
-          </a:xfrm>
-          <a:prstGeom prst="rect">
-            <a:avLst/>
-          </a:prstGeom>
-        </p:spPr>
-        <p:txBody>
-          <a:bodyPr lIns="0" rIns="0" tIns="0" bIns="0">
+            <a:off x="503640" y="1326240"/>
+            <a:ext cx="9071280" cy="3288240"/>
+          </a:xfrm>
+          <a:prstGeom prst="rect">
+            <a:avLst/>
+          </a:prstGeom>
+          <a:noFill/>
+          <a:ln w="0">
+            <a:noFill/>
+          </a:ln>
+        </p:spPr>
+        <p:txBody>
+          <a:bodyPr lIns="0" rIns="0" tIns="0" bIns="0" anchor="t">
             <a:normAutofit/>
           </a:bodyPr>
           <a:p>
             <a:pPr marL="432000" indent="-324000">
               <a:spcBef>
-                <a:spcPts val="1417"/>
+                <a:spcPts val="1414"/>
               </a:spcBef>
               <a:buClr>
                 <a:srgbClr val="000000"/>
@@ -1498,7 +3143,7 @@
           <a:p>
             <a:pPr lvl="1" marL="864000" indent="-324000">
               <a:spcBef>
-                <a:spcPts val="1134"/>
+                <a:spcPts val="1131"/>
               </a:spcBef>
               <a:buClr>
                 <a:srgbClr val="000000"/>
@@ -1520,7 +3165,7 @@
           <a:p>
             <a:pPr lvl="2" marL="1296000" indent="-288000">
               <a:spcBef>
-                <a:spcPts val="850"/>
+                <a:spcPts val="848"/>
               </a:spcBef>
               <a:buClr>
                 <a:srgbClr val="000000"/>
@@ -1542,7 +3187,7 @@
           <a:p>
             <a:pPr lvl="3" marL="1728000" indent="-216000">
               <a:spcBef>
-                <a:spcPts val="567"/>
+                <a:spcPts val="564"/>
               </a:spcBef>
               <a:buClr>
                 <a:srgbClr val="000000"/>
@@ -1564,7 +3209,7 @@
           <a:p>
             <a:pPr lvl="4" marL="2160000" indent="-216000">
               <a:spcBef>
-                <a:spcPts val="283"/>
+                <a:spcPts val="281"/>
               </a:spcBef>
               <a:buClr>
                 <a:srgbClr val="000000"/>
@@ -1586,7 +3231,7 @@
           <a:p>
             <a:pPr lvl="5" marL="2592000" indent="-216000">
               <a:spcBef>
-                <a:spcPts val="283"/>
+                <a:spcPts val="281"/>
               </a:spcBef>
               <a:buClr>
                 <a:srgbClr val="000000"/>
@@ -1608,7 +3253,7 @@
           <a:p>
             <a:pPr lvl="6" marL="3024000" indent="-216000">
               <a:spcBef>
-                <a:spcPts val="283"/>
+                <a:spcPts val="281"/>
               </a:spcBef>
               <a:buClr>
                 <a:srgbClr val="000000"/>
@@ -1625,116 +3270,6 @@
             </a:r>
             <a:endParaRPr b="0" lang="en-IN" sz="2000" spc="-1" strike="noStrike">
               <a:latin typeface="Arial"/>
-            </a:endParaRPr>
-          </a:p>
-        </p:txBody>
-      </p:sp>
-      <p:sp>
-        <p:nvSpPr>
-          <p:cNvPr id="2" name="PlaceHolder 3"/>
-          <p:cNvSpPr>
-            <a:spLocks noGrp="1"/>
-          </p:cNvSpPr>
-          <p:nvPr>
-            <p:ph type="dt"/>
-          </p:nvPr>
-        </p:nvSpPr>
-        <p:spPr>
-          <a:xfrm>
-            <a:off x="504000" y="5165280"/>
-            <a:ext cx="2348280" cy="390600"/>
-          </a:xfrm>
-          <a:prstGeom prst="rect">
-            <a:avLst/>
-          </a:prstGeom>
-        </p:spPr>
-        <p:txBody>
-          <a:bodyPr lIns="0" rIns="0" tIns="0" bIns="0">
-            <a:noAutofit/>
-          </a:bodyPr>
-          <a:p>
-            <a:r>
-              <a:rPr b="0" lang="en-IN" sz="1400" spc="-1" strike="noStrike">
-                <a:latin typeface="Times New Roman"/>
-              </a:rPr>
-              <a:t>&lt;date/time&gt;</a:t>
-            </a:r>
-            <a:endParaRPr b="0" lang="en-IN" sz="1400" spc="-1" strike="noStrike">
-              <a:latin typeface="Times New Roman"/>
-            </a:endParaRPr>
-          </a:p>
-        </p:txBody>
-      </p:sp>
-      <p:sp>
-        <p:nvSpPr>
-          <p:cNvPr id="3" name="PlaceHolder 4"/>
-          <p:cNvSpPr>
-            <a:spLocks noGrp="1"/>
-          </p:cNvSpPr>
-          <p:nvPr>
-            <p:ph type="ftr"/>
-          </p:nvPr>
-        </p:nvSpPr>
-        <p:spPr>
-          <a:xfrm>
-            <a:off x="3447360" y="5165280"/>
-            <a:ext cx="3195000" cy="390600"/>
-          </a:xfrm>
-          <a:prstGeom prst="rect">
-            <a:avLst/>
-          </a:prstGeom>
-        </p:spPr>
-        <p:txBody>
-          <a:bodyPr lIns="0" rIns="0" tIns="0" bIns="0">
-            <a:noAutofit/>
-          </a:bodyPr>
-          <a:p>
-            <a:pPr algn="ctr"/>
-            <a:r>
-              <a:rPr b="0" lang="en-IN" sz="1400" spc="-1" strike="noStrike">
-                <a:latin typeface="Times New Roman"/>
-              </a:rPr>
-              <a:t>&lt;footer&gt;</a:t>
-            </a:r>
-            <a:endParaRPr b="0" lang="en-IN" sz="1400" spc="-1" strike="noStrike">
-              <a:latin typeface="Times New Roman"/>
-            </a:endParaRPr>
-          </a:p>
-        </p:txBody>
-      </p:sp>
-      <p:sp>
-        <p:nvSpPr>
-          <p:cNvPr id="4" name="PlaceHolder 5"/>
-          <p:cNvSpPr>
-            <a:spLocks noGrp="1"/>
-          </p:cNvSpPr>
-          <p:nvPr>
-            <p:ph type="sldNum"/>
-          </p:nvPr>
-        </p:nvSpPr>
-        <p:spPr>
-          <a:xfrm>
-            <a:off x="7227360" y="5165280"/>
-            <a:ext cx="2348280" cy="390600"/>
-          </a:xfrm>
-          <a:prstGeom prst="rect">
-            <a:avLst/>
-          </a:prstGeom>
-        </p:spPr>
-        <p:txBody>
-          <a:bodyPr lIns="0" rIns="0" tIns="0" bIns="0">
-            <a:noAutofit/>
-          </a:bodyPr>
-          <a:p>
-            <a:pPr algn="r"/>
-            <a:fld id="{CE1AEC91-1BF2-4C37-817E-FF86463EC0FC}" type="slidenum">
-              <a:rPr b="0" lang="en-IN" sz="1400" spc="-1" strike="noStrike">
-                <a:latin typeface="Times New Roman"/>
-              </a:rPr>
-              <a:t>&lt;number&gt;</a:t>
-            </a:fld>
-            <a:endParaRPr b="0" lang="en-IN" sz="1400" spc="-1" strike="noStrike">
-              <a:latin typeface="Times New Roman"/>
             </a:endParaRPr>
           </a:p>
         </p:txBody>
@@ -1755,6 +3290,267 @@
     <p:sldLayoutId id="2147483658" r:id="rId11"/>
     <p:sldLayoutId id="2147483659" r:id="rId12"/>
     <p:sldLayoutId id="2147483660" r:id="rId13"/>
+  </p:sldLayoutIdLst>
+</p:sldMaster>
+</file>
+
+<file path=ppt/slideMasters/slideMaster2.xml><?xml version="1.0" encoding="utf-8"?>
+<p:sldMaster xmlns:a="http://schemas.openxmlformats.org/drawingml/2006/main" xmlns:p="http://schemas.openxmlformats.org/presentationml/2006/main" xmlns:r="http://schemas.openxmlformats.org/officeDocument/2006/relationships" xmlns:p14="http://schemas.microsoft.com/office/powerpoint/2010/main" xmlns:p15="http://schemas.microsoft.com/office/powerpoint/2012/main" xmlns:mc="http://schemas.openxmlformats.org/markup-compatibility/2006">
+  <p:cSld>
+    <p:spTree>
+      <p:nvGrpSpPr>
+        <p:cNvPr id="1" name=""/>
+        <p:cNvGrpSpPr/>
+        <p:nvPr/>
+      </p:nvGrpSpPr>
+      <p:grpSpPr>
+        <a:xfrm>
+          <a:off x="0" y="0"/>
+          <a:ext cx="0" cy="0"/>
+          <a:chOff x="0" y="0"/>
+          <a:chExt cx="0" cy="0"/>
+        </a:xfrm>
+      </p:grpSpPr>
+      <p:sp>
+        <p:nvSpPr>
+          <p:cNvPr id="38" name="PlaceHolder 1"/>
+          <p:cNvSpPr>
+            <a:spLocks noGrp="1"/>
+          </p:cNvSpPr>
+          <p:nvPr>
+            <p:ph type="title"/>
+          </p:nvPr>
+        </p:nvSpPr>
+        <p:spPr>
+          <a:xfrm>
+            <a:off x="503640" y="225720"/>
+            <a:ext cx="9071280" cy="946440"/>
+          </a:xfrm>
+          <a:prstGeom prst="rect">
+            <a:avLst/>
+          </a:prstGeom>
+          <a:noFill/>
+          <a:ln w="0">
+            <a:noFill/>
+          </a:ln>
+        </p:spPr>
+        <p:txBody>
+          <a:bodyPr lIns="0" rIns="0" tIns="0" bIns="0" anchor="ctr">
+            <a:noAutofit/>
+          </a:bodyPr>
+          <a:p>
+            <a:pPr algn="ctr"/>
+            <a:r>
+              <a:rPr b="0" lang="en-IN" sz="4400" spc="-1" strike="noStrike">
+                <a:latin typeface="Arial"/>
+              </a:rPr>
+              <a:t>Click to edit the title text format</a:t>
+            </a:r>
+            <a:endParaRPr b="0" lang="en-IN" sz="4400" spc="-1" strike="noStrike">
+              <a:latin typeface="Arial"/>
+            </a:endParaRPr>
+          </a:p>
+        </p:txBody>
+      </p:sp>
+      <p:sp>
+        <p:nvSpPr>
+          <p:cNvPr id="39" name="PlaceHolder 2"/>
+          <p:cNvSpPr>
+            <a:spLocks noGrp="1"/>
+          </p:cNvSpPr>
+          <p:nvPr>
+            <p:ph type="body"/>
+          </p:nvPr>
+        </p:nvSpPr>
+        <p:spPr>
+          <a:xfrm>
+            <a:off x="503640" y="1326240"/>
+            <a:ext cx="9071280" cy="3288240"/>
+          </a:xfrm>
+          <a:prstGeom prst="rect">
+            <a:avLst/>
+          </a:prstGeom>
+          <a:noFill/>
+          <a:ln w="0">
+            <a:noFill/>
+          </a:ln>
+        </p:spPr>
+        <p:txBody>
+          <a:bodyPr lIns="0" rIns="0" tIns="0" bIns="0" anchor="t">
+            <a:normAutofit/>
+          </a:bodyPr>
+          <a:p>
+            <a:pPr marL="432000" indent="-324000">
+              <a:spcBef>
+                <a:spcPts val="1414"/>
+              </a:spcBef>
+              <a:buClr>
+                <a:srgbClr val="000000"/>
+              </a:buClr>
+              <a:buSzPct val="45000"/>
+              <a:buFont typeface="Wingdings" charset="2"/>
+              <a:buChar char=""/>
+            </a:pPr>
+            <a:r>
+              <a:rPr b="0" lang="en-IN" sz="3200" spc="-1" strike="noStrike">
+                <a:latin typeface="Arial"/>
+              </a:rPr>
+              <a:t>Click to edit the outline text format</a:t>
+            </a:r>
+            <a:endParaRPr b="0" lang="en-IN" sz="3200" spc="-1" strike="noStrike">
+              <a:latin typeface="Arial"/>
+            </a:endParaRPr>
+          </a:p>
+          <a:p>
+            <a:pPr lvl="1" marL="864000" indent="-324000">
+              <a:spcBef>
+                <a:spcPts val="1131"/>
+              </a:spcBef>
+              <a:buClr>
+                <a:srgbClr val="000000"/>
+              </a:buClr>
+              <a:buSzPct val="75000"/>
+              <a:buFont typeface="Symbol" charset="2"/>
+              <a:buChar char=""/>
+            </a:pPr>
+            <a:r>
+              <a:rPr b="0" lang="en-IN" sz="2800" spc="-1" strike="noStrike">
+                <a:latin typeface="Arial"/>
+              </a:rPr>
+              <a:t>Second Outline Level</a:t>
+            </a:r>
+            <a:endParaRPr b="0" lang="en-IN" sz="2800" spc="-1" strike="noStrike">
+              <a:latin typeface="Arial"/>
+            </a:endParaRPr>
+          </a:p>
+          <a:p>
+            <a:pPr lvl="2" marL="1296000" indent="-288000">
+              <a:spcBef>
+                <a:spcPts val="848"/>
+              </a:spcBef>
+              <a:buClr>
+                <a:srgbClr val="000000"/>
+              </a:buClr>
+              <a:buSzPct val="45000"/>
+              <a:buFont typeface="Wingdings" charset="2"/>
+              <a:buChar char=""/>
+            </a:pPr>
+            <a:r>
+              <a:rPr b="0" lang="en-IN" sz="2400" spc="-1" strike="noStrike">
+                <a:latin typeface="Arial"/>
+              </a:rPr>
+              <a:t>Third Outline Level</a:t>
+            </a:r>
+            <a:endParaRPr b="0" lang="en-IN" sz="2400" spc="-1" strike="noStrike">
+              <a:latin typeface="Arial"/>
+            </a:endParaRPr>
+          </a:p>
+          <a:p>
+            <a:pPr lvl="3" marL="1728000" indent="-216000">
+              <a:spcBef>
+                <a:spcPts val="564"/>
+              </a:spcBef>
+              <a:buClr>
+                <a:srgbClr val="000000"/>
+              </a:buClr>
+              <a:buSzPct val="75000"/>
+              <a:buFont typeface="Symbol" charset="2"/>
+              <a:buChar char=""/>
+            </a:pPr>
+            <a:r>
+              <a:rPr b="0" lang="en-IN" sz="2000" spc="-1" strike="noStrike">
+                <a:latin typeface="Arial"/>
+              </a:rPr>
+              <a:t>Fourth Outline Level</a:t>
+            </a:r>
+            <a:endParaRPr b="0" lang="en-IN" sz="2000" spc="-1" strike="noStrike">
+              <a:latin typeface="Arial"/>
+            </a:endParaRPr>
+          </a:p>
+          <a:p>
+            <a:pPr lvl="4" marL="2160000" indent="-216000">
+              <a:spcBef>
+                <a:spcPts val="281"/>
+              </a:spcBef>
+              <a:buClr>
+                <a:srgbClr val="000000"/>
+              </a:buClr>
+              <a:buSzPct val="45000"/>
+              <a:buFont typeface="Wingdings" charset="2"/>
+              <a:buChar char=""/>
+            </a:pPr>
+            <a:r>
+              <a:rPr b="0" lang="en-IN" sz="2000" spc="-1" strike="noStrike">
+                <a:latin typeface="Arial"/>
+              </a:rPr>
+              <a:t>Fifth Outline Level</a:t>
+            </a:r>
+            <a:endParaRPr b="0" lang="en-IN" sz="2000" spc="-1" strike="noStrike">
+              <a:latin typeface="Arial"/>
+            </a:endParaRPr>
+          </a:p>
+          <a:p>
+            <a:pPr lvl="5" marL="2592000" indent="-216000">
+              <a:spcBef>
+                <a:spcPts val="281"/>
+              </a:spcBef>
+              <a:buClr>
+                <a:srgbClr val="000000"/>
+              </a:buClr>
+              <a:buSzPct val="45000"/>
+              <a:buFont typeface="Wingdings" charset="2"/>
+              <a:buChar char=""/>
+            </a:pPr>
+            <a:r>
+              <a:rPr b="0" lang="en-IN" sz="2000" spc="-1" strike="noStrike">
+                <a:latin typeface="Arial"/>
+              </a:rPr>
+              <a:t>Sixth Outline Level</a:t>
+            </a:r>
+            <a:endParaRPr b="0" lang="en-IN" sz="2000" spc="-1" strike="noStrike">
+              <a:latin typeface="Arial"/>
+            </a:endParaRPr>
+          </a:p>
+          <a:p>
+            <a:pPr lvl="6" marL="3024000" indent="-216000">
+              <a:spcBef>
+                <a:spcPts val="281"/>
+              </a:spcBef>
+              <a:buClr>
+                <a:srgbClr val="000000"/>
+              </a:buClr>
+              <a:buSzPct val="45000"/>
+              <a:buFont typeface="Wingdings" charset="2"/>
+              <a:buChar char=""/>
+            </a:pPr>
+            <a:r>
+              <a:rPr b="0" lang="en-IN" sz="2000" spc="-1" strike="noStrike">
+                <a:latin typeface="Arial"/>
+              </a:rPr>
+              <a:t>Seventh Outline Level</a:t>
+            </a:r>
+            <a:endParaRPr b="0" lang="en-IN" sz="2000" spc="-1" strike="noStrike">
+              <a:latin typeface="Arial"/>
+            </a:endParaRPr>
+          </a:p>
+        </p:txBody>
+      </p:sp>
+    </p:spTree>
+  </p:cSld>
+  <p:clrMap bg1="lt1" bg2="lt2" tx1="dk1" tx2="dk2" accent1="accent1" accent2="accent2" accent3="accent3" accent4="accent4" accent5="accent5" accent6="accent6" hlink="hlink" folHlink="folHlink"/>
+  <p:sldLayoutIdLst>
+    <p:sldLayoutId id="2147483662" r:id="rId2"/>
+    <p:sldLayoutId id="2147483663" r:id="rId3"/>
+    <p:sldLayoutId id="2147483664" r:id="rId4"/>
+    <p:sldLayoutId id="2147483665" r:id="rId5"/>
+    <p:sldLayoutId id="2147483666" r:id="rId6"/>
+    <p:sldLayoutId id="2147483667" r:id="rId7"/>
+    <p:sldLayoutId id="2147483668" r:id="rId8"/>
+    <p:sldLayoutId id="2147483669" r:id="rId9"/>
+    <p:sldLayoutId id="2147483670" r:id="rId10"/>
+    <p:sldLayoutId id="2147483671" r:id="rId11"/>
+    <p:sldLayoutId id="2147483672" r:id="rId12"/>
+    <p:sldLayoutId id="2147483673" r:id="rId13"/>
   </p:sldLayoutIdLst>
 </p:sldMaster>
 </file>
@@ -1778,65 +3574,55 @@
       </p:grpSpPr>
       <p:sp>
         <p:nvSpPr>
-          <p:cNvPr id="41" name="TextShape 1"/>
-          <p:cNvSpPr txBox="1"/>
+          <p:cNvPr id="76" name="TextShape 1"/>
+          <p:cNvSpPr/>
           <p:nvPr/>
         </p:nvSpPr>
         <p:spPr>
           <a:xfrm>
-            <a:off x="504000" y="226080"/>
-            <a:ext cx="9071640" cy="946440"/>
-          </a:xfrm>
-          <a:prstGeom prst="rect">
-            <a:avLst/>
-          </a:prstGeom>
-          <a:noFill/>
-          <a:ln>
-            <a:noFill/>
-          </a:ln>
-        </p:spPr>
-        <p:txBody>
-          <a:bodyPr lIns="0" rIns="0" tIns="0" bIns="0" anchor="ctr">
-            <a:noAutofit/>
-          </a:bodyPr>
-          <a:p>
-            <a:pPr algn="ctr"/>
-            <a:endParaRPr b="0" lang="en-IN" sz="4400" spc="-1" strike="noStrike">
-              <a:latin typeface="Arial"/>
-            </a:endParaRPr>
-          </a:p>
-        </p:txBody>
-      </p:sp>
-      <p:sp>
-        <p:nvSpPr>
-          <p:cNvPr id="42" name="TextShape 2"/>
-          <p:cNvSpPr txBox="1"/>
+            <a:off x="503640" y="225720"/>
+            <a:ext cx="9070560" cy="946080"/>
+          </a:xfrm>
+          <a:prstGeom prst="rect">
+            <a:avLst/>
+          </a:prstGeom>
+          <a:noFill/>
+          <a:ln w="0">
+            <a:noFill/>
+          </a:ln>
+        </p:spPr>
+        <p:style>
+          <a:lnRef idx="0"/>
+          <a:fillRef idx="0"/>
+          <a:effectRef idx="0"/>
+          <a:fontRef idx="minor"/>
+        </p:style>
+      </p:sp>
+      <p:sp>
+        <p:nvSpPr>
+          <p:cNvPr id="77" name="TextShape 2"/>
+          <p:cNvSpPr/>
           <p:nvPr/>
         </p:nvSpPr>
         <p:spPr>
           <a:xfrm>
-            <a:off x="504000" y="1326600"/>
-            <a:ext cx="9071640" cy="3288240"/>
-          </a:xfrm>
-          <a:prstGeom prst="rect">
-            <a:avLst/>
-          </a:prstGeom>
-          <a:noFill/>
-          <a:ln>
-            <a:noFill/>
-          </a:ln>
-        </p:spPr>
-        <p:txBody>
-          <a:bodyPr lIns="0" rIns="0" tIns="0" bIns="0" anchor="ctr">
-            <a:noAutofit/>
-          </a:bodyPr>
-          <a:p>
-            <a:pPr algn="ctr"/>
-            <a:endParaRPr b="0" lang="en-IN" sz="3200" spc="-1" strike="noStrike">
-              <a:latin typeface="Arial"/>
-            </a:endParaRPr>
-          </a:p>
-        </p:txBody>
+            <a:off x="503640" y="1326240"/>
+            <a:ext cx="9070560" cy="3287520"/>
+          </a:xfrm>
+          <a:prstGeom prst="rect">
+            <a:avLst/>
+          </a:prstGeom>
+          <a:noFill/>
+          <a:ln w="0">
+            <a:noFill/>
+          </a:ln>
+        </p:spPr>
+        <p:style>
+          <a:lnRef idx="0"/>
+          <a:fillRef idx="0"/>
+          <a:effectRef idx="0"/>
+          <a:fontRef idx="minor"/>
+        </p:style>
       </p:sp>
     </p:spTree>
   </p:cSld>
@@ -1870,33 +3656,44 @@
       </p:grpSpPr>
       <p:sp>
         <p:nvSpPr>
-          <p:cNvPr id="65" name="TextShape 1"/>
-          <p:cNvSpPr txBox="1"/>
+          <p:cNvPr id="105" name="TextShape 1"/>
+          <p:cNvSpPr/>
           <p:nvPr/>
         </p:nvSpPr>
         <p:spPr>
           <a:xfrm>
-            <a:off x="1455480" y="805680"/>
-            <a:ext cx="5269320" cy="300600"/>
-          </a:xfrm>
-          <a:prstGeom prst="rect">
-            <a:avLst/>
-          </a:prstGeom>
-          <a:noFill/>
-          <a:ln>
-            <a:noFill/>
-          </a:ln>
-        </p:spPr>
-        <p:txBody>
-          <a:bodyPr lIns="90000" rIns="90000" tIns="45000" bIns="45000">
+            <a:off x="1455120" y="805320"/>
+            <a:ext cx="5268600" cy="300240"/>
+          </a:xfrm>
+          <a:prstGeom prst="rect">
+            <a:avLst/>
+          </a:prstGeom>
+          <a:noFill/>
+          <a:ln w="0">
+            <a:noFill/>
+          </a:ln>
+        </p:spPr>
+        <p:style>
+          <a:lnRef idx="0"/>
+          <a:fillRef idx="0"/>
+          <a:effectRef idx="0"/>
+          <a:fontRef idx="minor"/>
+        </p:style>
+        <p:txBody>
+          <a:bodyPr lIns="90000" rIns="90000" tIns="45000" bIns="45000" anchor="t">
             <a:noAutofit/>
           </a:bodyPr>
           <a:p>
+            <a:pPr>
+              <a:lnSpc>
+                <a:spcPct val="100000"/>
+              </a:lnSpc>
+            </a:pPr>
             <a:r>
               <a:rPr b="0" lang="en-IN" sz="1490" spc="-1" strike="noStrike">
                 <a:latin typeface="Arial"/>
               </a:rPr>
-              <a:t>The Process is reproducible for different datasets.</a:t>
+              <a:t>The process is reproducible for different datasets with varying orientation of kurtosis and variance vectors:-</a:t>
             </a:r>
             <a:endParaRPr b="0" lang="en-IN" sz="1490" spc="-1" strike="noStrike">
               <a:latin typeface="Arial"/>
@@ -1936,7 +3733,7 @@
       </p:grpSpPr>
       <p:pic>
         <p:nvPicPr>
-          <p:cNvPr id="66" name="" descr=""/>
+          <p:cNvPr id="106" name="" descr=""/>
           <p:cNvPicPr/>
           <p:nvPr/>
         </p:nvPicPr>
@@ -1946,38 +3743,155 @@
         </p:blipFill>
         <p:spPr>
           <a:xfrm>
-            <a:off x="864000" y="954720"/>
-            <a:ext cx="3183840" cy="2954520"/>
-          </a:xfrm>
-          <a:prstGeom prst="rect">
-            <a:avLst/>
-          </a:prstGeom>
-          <a:ln>
+            <a:off x="6514560" y="1260000"/>
+            <a:ext cx="2665440" cy="2315520"/>
+          </a:xfrm>
+          <a:prstGeom prst="rect">
+            <a:avLst/>
+          </a:prstGeom>
+          <a:ln w="0">
             <a:noFill/>
           </a:ln>
         </p:spPr>
       </p:pic>
-      <p:sp>
-        <p:nvSpPr>
-          <p:cNvPr id="67" name="TextShape 1"/>
+      <p:pic>
+        <p:nvPicPr>
+          <p:cNvPr id="107" name="" descr=""/>
+          <p:cNvPicPr/>
+          <p:nvPr/>
+        </p:nvPicPr>
+        <p:blipFill>
+          <a:blip r:embed="rId2"/>
+          <a:stretch/>
+        </p:blipFill>
+        <p:spPr>
+          <a:xfrm>
+            <a:off x="3385440" y="1370520"/>
+            <a:ext cx="2794680" cy="2041920"/>
+          </a:xfrm>
+          <a:prstGeom prst="rect">
+            <a:avLst/>
+          </a:prstGeom>
+          <a:ln w="0">
+            <a:noFill/>
+          </a:ln>
+        </p:spPr>
+      </p:pic>
+      <p:sp>
+        <p:nvSpPr>
+          <p:cNvPr id="108" name="TextShape 1"/>
+          <p:cNvSpPr/>
+          <p:nvPr/>
+        </p:nvSpPr>
+        <p:spPr>
+          <a:xfrm>
+            <a:off x="3565440" y="3815280"/>
+            <a:ext cx="3213720" cy="300240"/>
+          </a:xfrm>
+          <a:prstGeom prst="rect">
+            <a:avLst/>
+          </a:prstGeom>
+          <a:noFill/>
+          <a:ln w="0">
+            <a:noFill/>
+          </a:ln>
+        </p:spPr>
+        <p:style>
+          <a:lnRef idx="0"/>
+          <a:fillRef idx="0"/>
+          <a:effectRef idx="0"/>
+          <a:fontRef idx="minor"/>
+        </p:style>
+        <p:txBody>
+          <a:bodyPr lIns="90000" rIns="90000" tIns="45000" bIns="45000" anchor="t">
+            <a:noAutofit/>
+          </a:bodyPr>
+          <a:p>
+            <a:pPr>
+              <a:lnSpc>
+                <a:spcPct val="100000"/>
+              </a:lnSpc>
+            </a:pPr>
+            <a:r>
+              <a:rPr b="0" lang="en-IN" sz="1300" spc="-1" strike="noStrike">
+                <a:latin typeface="Arial"/>
+              </a:rPr>
+              <a:t>Reduced Data at [625,1], R^1</a:t>
+            </a:r>
+            <a:endParaRPr b="0" lang="en-IN" sz="1300" spc="-1" strike="noStrike">
+              <a:latin typeface="Arial"/>
+            </a:endParaRPr>
+          </a:p>
+        </p:txBody>
+      </p:sp>
+      <p:sp>
+        <p:nvSpPr>
+          <p:cNvPr id="109" name="TextShape 2"/>
+          <p:cNvSpPr/>
+          <p:nvPr/>
+        </p:nvSpPr>
+        <p:spPr>
+          <a:xfrm>
+            <a:off x="7245360" y="3815280"/>
+            <a:ext cx="1900080" cy="300240"/>
+          </a:xfrm>
+          <a:prstGeom prst="rect">
+            <a:avLst/>
+          </a:prstGeom>
+          <a:noFill/>
+          <a:ln w="0">
+            <a:noFill/>
+          </a:ln>
+        </p:spPr>
+        <p:style>
+          <a:lnRef idx="0"/>
+          <a:fillRef idx="0"/>
+          <a:effectRef idx="0"/>
+          <a:fontRef idx="minor"/>
+        </p:style>
+        <p:txBody>
+          <a:bodyPr lIns="90000" rIns="90000" tIns="45000" bIns="45000" anchor="t">
+            <a:noAutofit/>
+          </a:bodyPr>
+          <a:p>
+            <a:pPr>
+              <a:lnSpc>
+                <a:spcPct val="100000"/>
+              </a:lnSpc>
+            </a:pPr>
+            <a:r>
+              <a:rPr b="0" lang="en-IN" sz="1300" spc="-1" strike="noStrike">
+                <a:latin typeface="Arial"/>
+              </a:rPr>
+              <a:t>Principle Vectors</a:t>
+            </a:r>
+            <a:endParaRPr b="0" lang="en-IN" sz="1300" spc="-1" strike="noStrike">
+              <a:latin typeface="Arial"/>
+            </a:endParaRPr>
+          </a:p>
+        </p:txBody>
+      </p:sp>
+      <p:sp>
+        <p:nvSpPr>
+          <p:cNvPr id="110" name=""/>
           <p:cNvSpPr txBox="1"/>
           <p:nvPr/>
         </p:nvSpPr>
         <p:spPr>
           <a:xfrm>
-            <a:off x="1455480" y="4506120"/>
-            <a:ext cx="2695320" cy="300600"/>
-          </a:xfrm>
-          <a:prstGeom prst="rect">
-            <a:avLst/>
-          </a:prstGeom>
-          <a:noFill/>
-          <a:ln>
-            <a:noFill/>
-          </a:ln>
-        </p:spPr>
-        <p:txBody>
-          <a:bodyPr lIns="90000" rIns="90000" tIns="45000" bIns="45000">
+            <a:off x="564840" y="419040"/>
+            <a:ext cx="5375880" cy="300960"/>
+          </a:xfrm>
+          <a:prstGeom prst="rect">
+            <a:avLst/>
+          </a:prstGeom>
+          <a:noFill/>
+          <a:ln w="0">
+            <a:noFill/>
+          </a:ln>
+        </p:spPr>
+        <p:txBody>
+          <a:bodyPr lIns="90000" rIns="90000" tIns="45000" bIns="45000" anchor="t">
             <a:noAutofit/>
           </a:bodyPr>
           <a:p>
@@ -1985,7 +3899,43 @@
               <a:rPr b="0" lang="en-IN" sz="1490" spc="-1" strike="noStrike">
                 <a:latin typeface="Arial"/>
               </a:rPr>
-              <a:t>Original Dataset, {625,2}</a:t>
+              <a:t>Dimensionality Reduction – 2D Gaussian</a:t>
+            </a:r>
+            <a:endParaRPr b="0" lang="en-IN" sz="1490" spc="-1" strike="noStrike">
+              <a:latin typeface="Arial"/>
+            </a:endParaRPr>
+          </a:p>
+        </p:txBody>
+      </p:sp>
+      <p:sp>
+        <p:nvSpPr>
+          <p:cNvPr id="111" name=""/>
+          <p:cNvSpPr txBox="1"/>
+          <p:nvPr/>
+        </p:nvSpPr>
+        <p:spPr>
+          <a:xfrm>
+            <a:off x="564840" y="419040"/>
+            <a:ext cx="5375880" cy="300960"/>
+          </a:xfrm>
+          <a:prstGeom prst="rect">
+            <a:avLst/>
+          </a:prstGeom>
+          <a:noFill/>
+          <a:ln w="0">
+            <a:noFill/>
+          </a:ln>
+        </p:spPr>
+        <p:txBody>
+          <a:bodyPr lIns="90000" rIns="90000" tIns="45000" bIns="45000" anchor="t">
+            <a:noAutofit/>
+          </a:bodyPr>
+          <a:p>
+            <a:r>
+              <a:rPr b="0" lang="en-IN" sz="1490" spc="-1" strike="noStrike">
+                <a:latin typeface="Arial"/>
+              </a:rPr>
+              <a:t>Dimensionality Reduction – 2D Gaussian</a:t>
             </a:r>
             <a:endParaRPr b="0" lang="en-IN" sz="1490" spc="-1" strike="noStrike">
               <a:latin typeface="Arial"/>
@@ -2023,9 +3973,45 @@
           <a:chExt cx="0" cy="0"/>
         </a:xfrm>
       </p:grpSpPr>
+      <p:sp>
+        <p:nvSpPr>
+          <p:cNvPr id="112" name=""/>
+          <p:cNvSpPr txBox="1"/>
+          <p:nvPr/>
+        </p:nvSpPr>
+        <p:spPr>
+          <a:xfrm>
+            <a:off x="564840" y="419040"/>
+            <a:ext cx="5375880" cy="300960"/>
+          </a:xfrm>
+          <a:prstGeom prst="rect">
+            <a:avLst/>
+          </a:prstGeom>
+          <a:noFill/>
+          <a:ln w="0">
+            <a:noFill/>
+          </a:ln>
+        </p:spPr>
+        <p:txBody>
+          <a:bodyPr lIns="90000" rIns="90000" tIns="45000" bIns="45000" anchor="t">
+            <a:noAutofit/>
+          </a:bodyPr>
+          <a:p>
+            <a:r>
+              <a:rPr b="0" lang="en-IN" sz="1490" spc="-1" strike="noStrike">
+                <a:latin typeface="Arial"/>
+              </a:rPr>
+              <a:t>Dimensionality Reduction – 2D Gaussian</a:t>
+            </a:r>
+            <a:endParaRPr b="0" lang="en-IN" sz="1490" spc="-1" strike="noStrike">
+              <a:latin typeface="Arial"/>
+            </a:endParaRPr>
+          </a:p>
+        </p:txBody>
+      </p:sp>
       <p:pic>
         <p:nvPicPr>
-          <p:cNvPr id="68" name="" descr=""/>
+          <p:cNvPr id="113" name="" descr=""/>
           <p:cNvPicPr/>
           <p:nvPr/>
         </p:nvPicPr>
@@ -2035,20 +4021,20 @@
         </p:blipFill>
         <p:spPr>
           <a:xfrm>
-            <a:off x="1100520" y="1005480"/>
-            <a:ext cx="3363480" cy="2954520"/>
-          </a:xfrm>
-          <a:prstGeom prst="rect">
-            <a:avLst/>
-          </a:prstGeom>
-          <a:ln>
+            <a:off x="7269480" y="1080000"/>
+            <a:ext cx="2450520" cy="2165400"/>
+          </a:xfrm>
+          <a:prstGeom prst="rect">
+            <a:avLst/>
+          </a:prstGeom>
+          <a:ln w="0">
             <a:noFill/>
           </a:ln>
         </p:spPr>
       </p:pic>
       <p:pic>
         <p:nvPicPr>
-          <p:cNvPr id="69" name="" descr=""/>
+          <p:cNvPr id="114" name="" descr=""/>
           <p:cNvPicPr/>
           <p:nvPr/>
         </p:nvPicPr>
@@ -2058,84 +4044,228 @@
         </p:blipFill>
         <p:spPr>
           <a:xfrm>
-            <a:off x="5256000" y="936000"/>
-            <a:ext cx="3259440" cy="3250080"/>
-          </a:xfrm>
-          <a:prstGeom prst="rect">
-            <a:avLst/>
-          </a:prstGeom>
-          <a:ln>
+            <a:off x="4860000" y="1260000"/>
+            <a:ext cx="2336400" cy="2093040"/>
+          </a:xfrm>
+          <a:prstGeom prst="rect">
+            <a:avLst/>
+          </a:prstGeom>
+          <a:ln w="0">
             <a:noFill/>
           </a:ln>
         </p:spPr>
       </p:pic>
       <p:sp>
         <p:nvSpPr>
-          <p:cNvPr id="70" name="TextShape 1"/>
+          <p:cNvPr id="115" name=""/>
           <p:cNvSpPr txBox="1"/>
           <p:nvPr/>
         </p:nvSpPr>
         <p:spPr>
           <a:xfrm>
-            <a:off x="1455840" y="4506120"/>
-            <a:ext cx="2695320" cy="300600"/>
-          </a:xfrm>
-          <a:prstGeom prst="rect">
-            <a:avLst/>
-          </a:prstGeom>
-          <a:noFill/>
-          <a:ln>
-            <a:noFill/>
-          </a:ln>
-        </p:spPr>
-        <p:txBody>
-          <a:bodyPr lIns="90000" rIns="90000" tIns="45000" bIns="45000">
+            <a:off x="540000" y="1232280"/>
+            <a:ext cx="3710520" cy="2888280"/>
+          </a:xfrm>
+          <a:prstGeom prst="rect">
+            <a:avLst/>
+          </a:prstGeom>
+          <a:noFill/>
+          <a:ln w="0">
+            <a:noFill/>
+          </a:ln>
+        </p:spPr>
+        <p:txBody>
+          <a:bodyPr lIns="90000" rIns="90000" tIns="45000" bIns="45000" anchor="t">
             <a:noAutofit/>
           </a:bodyPr>
           <a:p>
-            <a:r>
-              <a:rPr b="0" lang="en-IN" sz="1490" spc="-1" strike="noStrike">
-                <a:latin typeface="Arial"/>
-              </a:rPr>
-              <a:t>Original Dataset, {625,2}</a:t>
-            </a:r>
-            <a:endParaRPr b="0" lang="en-IN" sz="1490" spc="-1" strike="noStrike">
-              <a:latin typeface="Arial"/>
-            </a:endParaRPr>
-          </a:p>
-        </p:txBody>
-      </p:sp>
-      <p:sp>
-        <p:nvSpPr>
-          <p:cNvPr id="71" name="TextShape 2"/>
-          <p:cNvSpPr txBox="1"/>
-          <p:nvPr/>
-        </p:nvSpPr>
-        <p:spPr>
-          <a:xfrm>
-            <a:off x="6037920" y="4506120"/>
-            <a:ext cx="1900440" cy="300600"/>
-          </a:xfrm>
-          <a:prstGeom prst="rect">
-            <a:avLst/>
-          </a:prstGeom>
-          <a:noFill/>
-          <a:ln>
-            <a:noFill/>
-          </a:ln>
-        </p:spPr>
-        <p:txBody>
-          <a:bodyPr lIns="90000" rIns="90000" tIns="45000" bIns="45000">
-            <a:noAutofit/>
-          </a:bodyPr>
-          <a:p>
-            <a:r>
-              <a:rPr b="0" lang="en-IN" sz="1490" spc="-1" strike="noStrike">
-                <a:latin typeface="Arial"/>
-              </a:rPr>
-              <a:t>Principle Vectors</a:t>
-            </a:r>
-            <a:endParaRPr b="0" lang="en-IN" sz="1490" spc="-1" strike="noStrike">
+            <a:pPr marL="360000">
+              <a:lnSpc>
+                <a:spcPct val="100000"/>
+              </a:lnSpc>
+            </a:pPr>
+            <a:r>
+              <a:rPr b="0" lang="en-IN" sz="1300" spc="-1" strike="noStrike">
+                <a:latin typeface="Abyssinica SIL"/>
+              </a:rPr>
+              <a:t>X: Given 2D dataset </a:t>
+            </a:r>
+            <a:endParaRPr b="0" lang="en-IN" sz="1300" spc="-1" strike="noStrike">
+              <a:latin typeface="Arial"/>
+              <a:ea typeface="Noto Sans CJK SC"/>
+            </a:endParaRPr>
+          </a:p>
+          <a:p>
+            <a:pPr marL="360000">
+              <a:lnSpc>
+                <a:spcPct val="100000"/>
+              </a:lnSpc>
+            </a:pPr>
+            <a:r>
+              <a:rPr b="0" lang="en-IN" sz="1300" spc="-1" strike="noStrike">
+                <a:latin typeface="Abyssinica SIL"/>
+              </a:rPr>
+              <a:t>z: Generate a sourcing term z=f(x1,x2)</a:t>
+            </a:r>
+            <a:endParaRPr b="0" lang="en-IN" sz="1300" spc="-1" strike="noStrike">
+              <a:latin typeface="Arial"/>
+              <a:ea typeface="Noto Sans CJK SC"/>
+            </a:endParaRPr>
+          </a:p>
+          <a:p>
+            <a:pPr marL="360000">
+              <a:lnSpc>
+                <a:spcPct val="100000"/>
+              </a:lnSpc>
+            </a:pPr>
+            <a:endParaRPr b="0" lang="en-IN" sz="1300" spc="-1" strike="noStrike">
+              <a:latin typeface="Arial"/>
+              <a:ea typeface="Noto Sans CJK SC"/>
+            </a:endParaRPr>
+          </a:p>
+          <a:p>
+            <a:pPr marL="360000">
+              <a:lnSpc>
+                <a:spcPct val="100000"/>
+              </a:lnSpc>
+            </a:pPr>
+            <a:r>
+              <a:rPr b="0" lang="en-IN" sz="1300" spc="-1" strike="noStrike">
+                <a:latin typeface="Abyssinica SIL"/>
+              </a:rPr>
+              <a:t>Xp: Project 2D dataset to one dimension*</a:t>
+            </a:r>
+            <a:endParaRPr b="0" lang="en-IN" sz="1300" spc="-1" strike="noStrike">
+              <a:latin typeface="Arial"/>
+              <a:ea typeface="Noto Sans CJK SC"/>
+            </a:endParaRPr>
+          </a:p>
+          <a:p>
+            <a:pPr marL="360000">
+              <a:lnSpc>
+                <a:spcPct val="100000"/>
+              </a:lnSpc>
+            </a:pPr>
+            <a:r>
+              <a:rPr b="0" lang="en-IN" sz="1300" spc="-1" strike="noStrike">
+                <a:latin typeface="Abyssinica SIL"/>
+              </a:rPr>
+              <a:t>(Compressed representation)</a:t>
+            </a:r>
+            <a:endParaRPr b="0" lang="en-IN" sz="1300" spc="-1" strike="noStrike">
+              <a:latin typeface="Arial"/>
+              <a:ea typeface="Noto Sans CJK SC"/>
+            </a:endParaRPr>
+          </a:p>
+          <a:p>
+            <a:pPr marL="360000">
+              <a:lnSpc>
+                <a:spcPct val="100000"/>
+              </a:lnSpc>
+            </a:pPr>
+            <a:r>
+              <a:rPr b="0" lang="en-IN" sz="1300" spc="-1" strike="noStrike">
+                <a:latin typeface="Abyssinica SIL"/>
+              </a:rPr>
+              <a:t>(can be covariance/cokurtosis)</a:t>
+            </a:r>
+            <a:endParaRPr b="0" lang="en-IN" sz="1300" spc="-1" strike="noStrike">
+              <a:latin typeface="Arial"/>
+              <a:ea typeface="Noto Sans CJK SC"/>
+            </a:endParaRPr>
+          </a:p>
+          <a:p>
+            <a:pPr marL="360000">
+              <a:lnSpc>
+                <a:spcPct val="100000"/>
+              </a:lnSpc>
+            </a:pPr>
+            <a:endParaRPr b="0" lang="en-IN" sz="1300" spc="-1" strike="noStrike">
+              <a:latin typeface="Arial"/>
+              <a:ea typeface="Noto Sans CJK SC"/>
+            </a:endParaRPr>
+          </a:p>
+          <a:p>
+            <a:pPr marL="360000">
+              <a:lnSpc>
+                <a:spcPct val="100000"/>
+              </a:lnSpc>
+            </a:pPr>
+            <a:r>
+              <a:rPr b="0" lang="en-IN" sz="1300" spc="-1" strike="noStrike">
+                <a:latin typeface="Abyssinica SIL"/>
+              </a:rPr>
+              <a:t>Learn mapping from projection space Xp</a:t>
+            </a:r>
+            <a:endParaRPr b="0" lang="en-IN" sz="1300" spc="-1" strike="noStrike">
+              <a:latin typeface="Arial"/>
+              <a:ea typeface="Noto Sans CJK SC"/>
+            </a:endParaRPr>
+          </a:p>
+          <a:p>
+            <a:pPr marL="360000">
+              <a:lnSpc>
+                <a:spcPct val="100000"/>
+              </a:lnSpc>
+            </a:pPr>
+            <a:r>
+              <a:rPr b="0" lang="en-IN" sz="1300" spc="-1" strike="noStrike">
+                <a:latin typeface="Abyssinica SIL"/>
+              </a:rPr>
+              <a:t>to source term : g(xp) ---&gt; z</a:t>
+            </a:r>
+            <a:endParaRPr b="0" lang="en-IN" sz="1300" spc="-1" strike="noStrike">
+              <a:latin typeface="Arial"/>
+              <a:ea typeface="Noto Sans CJK SC"/>
+            </a:endParaRPr>
+          </a:p>
+          <a:p>
+            <a:pPr marL="360000">
+              <a:lnSpc>
+                <a:spcPct val="100000"/>
+              </a:lnSpc>
+            </a:pPr>
+            <a:endParaRPr b="0" lang="en-IN" sz="1300" spc="-1" strike="noStrike">
+              <a:latin typeface="Arial"/>
+              <a:ea typeface="Noto Sans CJK SC"/>
+            </a:endParaRPr>
+          </a:p>
+          <a:p>
+            <a:pPr marL="360000">
+              <a:lnSpc>
+                <a:spcPct val="100000"/>
+              </a:lnSpc>
+            </a:pPr>
+            <a:r>
+              <a:rPr b="0" lang="en-IN" sz="1300" spc="-1" strike="noStrike">
+                <a:latin typeface="Abyssinica SIL"/>
+              </a:rPr>
+              <a:t>Predict z^ using regression models </a:t>
+            </a:r>
+            <a:endParaRPr b="0" lang="en-IN" sz="1300" spc="-1" strike="noStrike">
+              <a:latin typeface="Arial"/>
+              <a:ea typeface="Noto Sans CJK SC"/>
+            </a:endParaRPr>
+          </a:p>
+          <a:p>
+            <a:pPr marL="360000">
+              <a:lnSpc>
+                <a:spcPct val="100000"/>
+              </a:lnSpc>
+            </a:pPr>
+            <a:r>
+              <a:rPr b="0" lang="en-IN" sz="1300" spc="-1" strike="noStrike">
+                <a:latin typeface="Abyssinica SIL"/>
+              </a:rPr>
+              <a:t>(shown in red colour points)</a:t>
+            </a:r>
+            <a:endParaRPr b="0" lang="en-IN" sz="1300" spc="-1" strike="noStrike">
+              <a:latin typeface="Arial"/>
+              <a:ea typeface="Noto Sans CJK SC"/>
+            </a:endParaRPr>
+          </a:p>
+          <a:p>
+            <a:endParaRPr b="0" lang="en-IN" sz="1300" spc="-1" strike="noStrike">
               <a:latin typeface="Arial"/>
             </a:endParaRPr>
           </a:p>
@@ -2171,9 +4301,104 @@
           <a:chExt cx="0" cy="0"/>
         </a:xfrm>
       </p:grpSpPr>
+      <p:sp>
+        <p:nvSpPr>
+          <p:cNvPr id="116" name=""/>
+          <p:cNvSpPr txBox="1"/>
+          <p:nvPr/>
+        </p:nvSpPr>
+        <p:spPr>
+          <a:xfrm>
+            <a:off x="564840" y="419040"/>
+            <a:ext cx="5375880" cy="300960"/>
+          </a:xfrm>
+          <a:prstGeom prst="rect">
+            <a:avLst/>
+          </a:prstGeom>
+          <a:noFill/>
+          <a:ln w="0">
+            <a:noFill/>
+          </a:ln>
+        </p:spPr>
+        <p:txBody>
+          <a:bodyPr lIns="90000" rIns="90000" tIns="45000" bIns="45000" anchor="t">
+            <a:noAutofit/>
+          </a:bodyPr>
+          <a:p>
+            <a:r>
+              <a:rPr b="0" lang="en-IN" sz="1490" spc="-1" strike="noStrike">
+                <a:latin typeface="Arial"/>
+              </a:rPr>
+              <a:t>Dimensionality Reduction – 2D Gaussian</a:t>
+            </a:r>
+            <a:endParaRPr b="0" lang="en-IN" sz="1490" spc="-1" strike="noStrike">
+              <a:latin typeface="Arial"/>
+            </a:endParaRPr>
+          </a:p>
+        </p:txBody>
+      </p:sp>
+      <p:sp>
+        <p:nvSpPr>
+          <p:cNvPr id="117" name=""/>
+          <p:cNvSpPr txBox="1"/>
+          <p:nvPr/>
+        </p:nvSpPr>
+        <p:spPr>
+          <a:xfrm>
+            <a:off x="720000" y="1260000"/>
+            <a:ext cx="3350520" cy="2704320"/>
+          </a:xfrm>
+          <a:prstGeom prst="rect">
+            <a:avLst/>
+          </a:prstGeom>
+          <a:noFill/>
+          <a:ln w="0">
+            <a:noFill/>
+          </a:ln>
+        </p:spPr>
+        <p:txBody>
+          <a:bodyPr lIns="90000" rIns="90000" tIns="45000" bIns="45000" anchor="t">
+            <a:noAutofit/>
+          </a:bodyPr>
+          <a:p>
+            <a:r>
+              <a:rPr b="0" lang="en-IN" sz="1300" spc="-1" strike="noStrike">
+                <a:latin typeface="Abyssinica SIL"/>
+                <a:ea typeface="Noto Sans CJK SC"/>
+              </a:rPr>
+              <a:t>Error comparison of different regression models for covariance and cokurtosis projections: </a:t>
+            </a:r>
+            <a:endParaRPr b="0" lang="en-IN" sz="1300" spc="-1" strike="noStrike">
+              <a:latin typeface="Arial"/>
+            </a:endParaRPr>
+          </a:p>
+          <a:p>
+            <a:endParaRPr b="0" lang="en-IN" sz="1300" spc="-1" strike="noStrike">
+              <a:latin typeface="Arial"/>
+            </a:endParaRPr>
+          </a:p>
+          <a:p>
+            <a:endParaRPr b="0" lang="en-IN" sz="1300" spc="-1" strike="noStrike">
+              <a:latin typeface="Arial"/>
+            </a:endParaRPr>
+          </a:p>
+          <a:p>
+            <a:r>
+              <a:rPr b="0" lang="en-IN" sz="1300" spc="-1" strike="noStrike">
+                <a:latin typeface="Abyssinica SIL"/>
+                <a:ea typeface="Noto Sans CJK SC"/>
+              </a:rPr>
+              <a:t>Error in x-coordinate reconstruction</a:t>
+            </a:r>
+            <a:endParaRPr b="0" lang="en-IN" sz="1300" spc="-1" strike="noStrike">
+              <a:latin typeface="Arial"/>
+            </a:endParaRPr>
+          </a:p>
+        </p:txBody>
+      </p:sp>
       <p:pic>
         <p:nvPicPr>
-          <p:cNvPr id="72" name="" descr=""/>
+          <p:cNvPr id="118" name="" descr=""/>
           <p:cNvPicPr/>
           <p:nvPr/>
         </p:nvPicPr>
@@ -2183,108 +4408,13 @@
         </p:blipFill>
         <p:spPr>
           <a:xfrm>
-            <a:off x="5328000" y="997920"/>
-            <a:ext cx="3526560" cy="3250080"/>
-          </a:xfrm>
-          <a:prstGeom prst="rect">
-            <a:avLst/>
-          </a:prstGeom>
-          <a:ln>
-            <a:noFill/>
-          </a:ln>
-        </p:spPr>
-      </p:pic>
-      <p:sp>
-        <p:nvSpPr>
-          <p:cNvPr id="73" name="TextShape 1"/>
-          <p:cNvSpPr txBox="1"/>
-          <p:nvPr/>
-        </p:nvSpPr>
-        <p:spPr>
-          <a:xfrm>
-            <a:off x="1455840" y="4506120"/>
-            <a:ext cx="2655360" cy="300600"/>
-          </a:xfrm>
-          <a:prstGeom prst="rect">
-            <a:avLst/>
-          </a:prstGeom>
-          <a:noFill/>
-          <a:ln>
-            <a:noFill/>
-          </a:ln>
-        </p:spPr>
-        <p:txBody>
-          <a:bodyPr lIns="90000" rIns="90000" tIns="45000" bIns="45000">
-            <a:noAutofit/>
-          </a:bodyPr>
-          <a:p>
-            <a:r>
-              <a:rPr b="0" lang="en-IN" sz="1490" spc="-1" strike="noStrike">
-                <a:latin typeface="Arial"/>
-              </a:rPr>
-              <a:t>Adoptive Dim Reduction</a:t>
-            </a:r>
-            <a:endParaRPr b="0" lang="en-IN" sz="1490" spc="-1" strike="noStrike">
-              <a:latin typeface="Arial"/>
-            </a:endParaRPr>
-          </a:p>
-        </p:txBody>
-      </p:sp>
-      <p:sp>
-        <p:nvSpPr>
-          <p:cNvPr id="74" name="TextShape 2"/>
-          <p:cNvSpPr txBox="1"/>
-          <p:nvPr/>
-        </p:nvSpPr>
-        <p:spPr>
-          <a:xfrm>
-            <a:off x="6037920" y="4506120"/>
-            <a:ext cx="1900440" cy="300600"/>
-          </a:xfrm>
-          <a:prstGeom prst="rect">
-            <a:avLst/>
-          </a:prstGeom>
-          <a:noFill/>
-          <a:ln>
-            <a:noFill/>
-          </a:ln>
-        </p:spPr>
-        <p:txBody>
-          <a:bodyPr lIns="90000" rIns="90000" tIns="45000" bIns="45000">
-            <a:noAutofit/>
-          </a:bodyPr>
-          <a:p>
-            <a:r>
-              <a:rPr b="0" lang="en-IN" sz="1490" spc="-1" strike="noStrike">
-                <a:latin typeface="Arial"/>
-              </a:rPr>
-              <a:t>Principle Vectors</a:t>
-            </a:r>
-            <a:endParaRPr b="0" lang="en-IN" sz="1490" spc="-1" strike="noStrike">
-              <a:latin typeface="Arial"/>
-            </a:endParaRPr>
-          </a:p>
-        </p:txBody>
-      </p:sp>
-      <p:pic>
-        <p:nvPicPr>
-          <p:cNvPr id="75" name="" descr=""/>
-          <p:cNvPicPr/>
-          <p:nvPr/>
-        </p:nvPicPr>
-        <p:blipFill>
-          <a:blip r:embed="rId2"/>
-          <a:stretch/>
-        </p:blipFill>
-        <p:spPr>
-          <a:xfrm>
-            <a:off x="1086840" y="1065240"/>
-            <a:ext cx="3521160" cy="2894760"/>
-          </a:xfrm>
-          <a:prstGeom prst="rect">
-            <a:avLst/>
-          </a:prstGeom>
-          <a:ln>
+            <a:off x="5220000" y="1620000"/>
+            <a:ext cx="3427200" cy="2514960"/>
+          </a:xfrm>
+          <a:prstGeom prst="rect">
+            <a:avLst/>
+          </a:prstGeom>
+          <a:ln w="0">
             <a:noFill/>
           </a:ln>
         </p:spPr>
@@ -2319,9 +4449,106 @@
           <a:chExt cx="0" cy="0"/>
         </a:xfrm>
       </p:grpSpPr>
+      <p:sp>
+        <p:nvSpPr>
+          <p:cNvPr id="119" name=""/>
+          <p:cNvSpPr txBox="1"/>
+          <p:nvPr/>
+        </p:nvSpPr>
+        <p:spPr>
+          <a:xfrm>
+            <a:off x="564840" y="419040"/>
+            <a:ext cx="5375880" cy="300960"/>
+          </a:xfrm>
+          <a:prstGeom prst="rect">
+            <a:avLst/>
+          </a:prstGeom>
+          <a:noFill/>
+          <a:ln w="0">
+            <a:noFill/>
+          </a:ln>
+        </p:spPr>
+        <p:txBody>
+          <a:bodyPr lIns="90000" rIns="90000" tIns="45000" bIns="45000" anchor="t">
+            <a:noAutofit/>
+          </a:bodyPr>
+          <a:p>
+            <a:r>
+              <a:rPr b="0" lang="en-IN" sz="1490" spc="-1" strike="noStrike">
+                <a:latin typeface="Arial"/>
+              </a:rPr>
+              <a:t>Dimensionality Reduction – 2D Gaussian</a:t>
+            </a:r>
+            <a:endParaRPr b="0" lang="en-IN" sz="1490" spc="-1" strike="noStrike">
+              <a:latin typeface="Arial"/>
+            </a:endParaRPr>
+          </a:p>
+        </p:txBody>
+      </p:sp>
+      <p:sp>
+        <p:nvSpPr>
+          <p:cNvPr id="120" name=""/>
+          <p:cNvSpPr txBox="1"/>
+          <p:nvPr/>
+        </p:nvSpPr>
+        <p:spPr>
+          <a:xfrm>
+            <a:off x="720000" y="1260000"/>
+            <a:ext cx="3350520" cy="2704320"/>
+          </a:xfrm>
+          <a:prstGeom prst="rect">
+            <a:avLst/>
+          </a:prstGeom>
+          <a:noFill/>
+          <a:ln w="0">
+            <a:noFill/>
+          </a:ln>
+        </p:spPr>
+        <p:txBody>
+          <a:bodyPr lIns="90000" rIns="90000" tIns="45000" bIns="45000" anchor="t">
+            <a:noAutofit/>
+          </a:bodyPr>
+          <a:p>
+            <a:r>
+              <a:rPr b="0" lang="en-IN" sz="1300" spc="-1" strike="noStrike">
+                <a:latin typeface="Abyssinica SIL"/>
+                <a:ea typeface="Noto Sans CJK SC"/>
+              </a:rPr>
+              <a:t>Error comparison of different regression models for covariance and </a:t>
+            </a:r>
+            <a:r>
+              <a:rPr b="0" lang="en-IN" sz="1300" spc="-1" strike="noStrike">
+                <a:latin typeface="Abyssinica SIL"/>
+                <a:ea typeface="Noto Sans CJK SC"/>
+              </a:rPr>
+              <a:t>cokurtosis projections:-</a:t>
+            </a:r>
+            <a:endParaRPr b="0" lang="en-IN" sz="1300" spc="-1" strike="noStrike">
+              <a:latin typeface="Arial"/>
+            </a:endParaRPr>
+          </a:p>
+          <a:p>
+            <a:endParaRPr b="0" lang="en-IN" sz="1300" spc="-1" strike="noStrike">
+              <a:latin typeface="Arial"/>
+            </a:endParaRPr>
+          </a:p>
+          <a:p>
+            <a:r>
+              <a:rPr b="0" lang="en-IN" sz="1300" spc="-1" strike="noStrike">
+                <a:latin typeface="Abyssinica SIL"/>
+                <a:ea typeface="Noto Sans CJK SC"/>
+              </a:rPr>
+              <a:t>Error in source term f(x1,x2)</a:t>
+            </a:r>
+            <a:endParaRPr b="0" lang="en-IN" sz="1300" spc="-1" strike="noStrike">
+              <a:latin typeface="Arial"/>
+            </a:endParaRPr>
+          </a:p>
+        </p:txBody>
+      </p:sp>
       <p:pic>
         <p:nvPicPr>
-          <p:cNvPr id="76" name="" descr=""/>
+          <p:cNvPr id="121" name="" descr=""/>
           <p:cNvPicPr/>
           <p:nvPr/>
         </p:nvPicPr>
@@ -2331,112 +4558,17 @@
         </p:blipFill>
         <p:spPr>
           <a:xfrm>
-            <a:off x="5212800" y="924840"/>
-            <a:ext cx="3643200" cy="3250080"/>
-          </a:xfrm>
-          <a:prstGeom prst="rect">
-            <a:avLst/>
-          </a:prstGeom>
-          <a:ln>
+            <a:off x="5105880" y="1080000"/>
+            <a:ext cx="3714120" cy="2880000"/>
+          </a:xfrm>
+          <a:prstGeom prst="rect">
+            <a:avLst/>
+          </a:prstGeom>
+          <a:ln w="0">
             <a:noFill/>
           </a:ln>
         </p:spPr>
       </p:pic>
-      <p:pic>
-        <p:nvPicPr>
-          <p:cNvPr id="77" name="" descr=""/>
-          <p:cNvPicPr/>
-          <p:nvPr/>
-        </p:nvPicPr>
-        <p:blipFill>
-          <a:blip r:embed="rId2"/>
-          <a:stretch/>
-        </p:blipFill>
-        <p:spPr>
-          <a:xfrm>
-            <a:off x="936000" y="1080000"/>
-            <a:ext cx="3819960" cy="2865960"/>
-          </a:xfrm>
-          <a:prstGeom prst="rect">
-            <a:avLst/>
-          </a:prstGeom>
-          <a:ln>
-            <a:noFill/>
-          </a:ln>
-        </p:spPr>
-      </p:pic>
-      <p:sp>
-        <p:nvSpPr>
-          <p:cNvPr id="78" name="TextShape 1"/>
-          <p:cNvSpPr txBox="1"/>
-          <p:nvPr/>
-        </p:nvSpPr>
-        <p:spPr>
-          <a:xfrm>
-            <a:off x="1455840" y="4506120"/>
-            <a:ext cx="3214440" cy="300600"/>
-          </a:xfrm>
-          <a:prstGeom prst="rect">
-            <a:avLst/>
-          </a:prstGeom>
-          <a:noFill/>
-          <a:ln>
-            <a:noFill/>
-          </a:ln>
-        </p:spPr>
-        <p:txBody>
-          <a:bodyPr lIns="90000" rIns="90000" tIns="45000" bIns="45000">
-            <a:noAutofit/>
-          </a:bodyPr>
-          <a:p>
-            <a:r>
-              <a:rPr b="0" lang="en-IN" sz="1490" spc="-1" strike="noStrike">
-                <a:latin typeface="Arial"/>
-              </a:rPr>
-              <a:t>Reduced Data at [625,1], R^1</a:t>
-            </a:r>
-            <a:endParaRPr b="0" lang="en-IN" sz="1490" spc="-1" strike="noStrike">
-              <a:latin typeface="Arial"/>
-            </a:endParaRPr>
-          </a:p>
-        </p:txBody>
-      </p:sp>
-      <p:sp>
-        <p:nvSpPr>
-          <p:cNvPr id="79" name="TextShape 2"/>
-          <p:cNvSpPr txBox="1"/>
-          <p:nvPr/>
-        </p:nvSpPr>
-        <p:spPr>
-          <a:xfrm>
-            <a:off x="6037920" y="4506120"/>
-            <a:ext cx="1900440" cy="300600"/>
-          </a:xfrm>
-          <a:prstGeom prst="rect">
-            <a:avLst/>
-          </a:prstGeom>
-          <a:noFill/>
-          <a:ln>
-            <a:noFill/>
-          </a:ln>
-        </p:spPr>
-        <p:txBody>
-          <a:bodyPr lIns="90000" rIns="90000" tIns="45000" bIns="45000">
-            <a:noAutofit/>
-          </a:bodyPr>
-          <a:p>
-            <a:r>
-              <a:rPr b="0" lang="en-IN" sz="1490" spc="-1" strike="noStrike">
-                <a:latin typeface="Arial"/>
-              </a:rPr>
-              <a:t>Principle Vectors</a:t>
-            </a:r>
-            <a:endParaRPr b="0" lang="en-IN" sz="1490" spc="-1" strike="noStrike">
-              <a:latin typeface="Arial"/>
-            </a:endParaRPr>
-          </a:p>
-        </p:txBody>
-      </p:sp>
     </p:spTree>
   </p:cSld>
   <mc:AlternateContent>
@@ -2467,9 +4599,139 @@
           <a:chExt cx="0" cy="0"/>
         </a:xfrm>
       </p:grpSpPr>
+      <p:sp>
+        <p:nvSpPr>
+          <p:cNvPr id="122" name=""/>
+          <p:cNvSpPr txBox="1"/>
+          <p:nvPr/>
+        </p:nvSpPr>
+        <p:spPr>
+          <a:xfrm>
+            <a:off x="564840" y="419040"/>
+            <a:ext cx="5375880" cy="300960"/>
+          </a:xfrm>
+          <a:prstGeom prst="rect">
+            <a:avLst/>
+          </a:prstGeom>
+          <a:noFill/>
+          <a:ln w="0">
+            <a:noFill/>
+          </a:ln>
+        </p:spPr>
+        <p:txBody>
+          <a:bodyPr lIns="90000" rIns="90000" tIns="45000" bIns="45000" anchor="t">
+            <a:noAutofit/>
+          </a:bodyPr>
+          <a:p>
+            <a:r>
+              <a:rPr b="0" lang="en-IN" sz="1490" spc="-1" strike="noStrike">
+                <a:latin typeface="Arial"/>
+              </a:rPr>
+              <a:t>Dimensionality </a:t>
+            </a:r>
+            <a:r>
+              <a:rPr b="0" lang="en-IN" sz="1490" spc="-1" strike="noStrike">
+                <a:latin typeface="Arial"/>
+              </a:rPr>
+              <a:t>Reduction – 2D </a:t>
+            </a:r>
+            <a:r>
+              <a:rPr b="0" lang="en-IN" sz="1490" spc="-1" strike="noStrike">
+                <a:latin typeface="Arial"/>
+              </a:rPr>
+              <a:t>Gaussian</a:t>
+            </a:r>
+            <a:endParaRPr b="0" lang="en-IN" sz="1490" spc="-1" strike="noStrike">
+              <a:latin typeface="Arial"/>
+            </a:endParaRPr>
+          </a:p>
+        </p:txBody>
+      </p:sp>
+      <p:sp>
+        <p:nvSpPr>
+          <p:cNvPr id="123" name=""/>
+          <p:cNvSpPr txBox="1"/>
+          <p:nvPr/>
+        </p:nvSpPr>
+        <p:spPr>
+          <a:xfrm>
+            <a:off x="720000" y="1260000"/>
+            <a:ext cx="3350520" cy="2704320"/>
+          </a:xfrm>
+          <a:prstGeom prst="rect">
+            <a:avLst/>
+          </a:prstGeom>
+          <a:noFill/>
+          <a:ln w="0">
+            <a:noFill/>
+          </a:ln>
+        </p:spPr>
+        <p:txBody>
+          <a:bodyPr lIns="90000" rIns="90000" tIns="45000" bIns="45000" anchor="t">
+            <a:noAutofit/>
+          </a:bodyPr>
+          <a:p>
+            <a:r>
+              <a:rPr b="0" lang="en-IN" sz="1300" spc="-1" strike="noStrike">
+                <a:latin typeface="Abyssinica SIL"/>
+                <a:ea typeface="Noto Sans CJK SC"/>
+              </a:rPr>
+              <a:t>Error comparison </a:t>
+            </a:r>
+            <a:r>
+              <a:rPr b="0" lang="en-IN" sz="1300" spc="-1" strike="noStrike">
+                <a:latin typeface="Abyssinica SIL"/>
+                <a:ea typeface="Noto Sans CJK SC"/>
+              </a:rPr>
+              <a:t>of different </a:t>
+            </a:r>
+            <a:r>
+              <a:rPr b="0" lang="en-IN" sz="1300" spc="-1" strike="noStrike">
+                <a:latin typeface="Abyssinica SIL"/>
+                <a:ea typeface="Noto Sans CJK SC"/>
+              </a:rPr>
+              <a:t>regression models </a:t>
+            </a:r>
+            <a:r>
+              <a:rPr b="0" lang="en-IN" sz="1300" spc="-1" strike="noStrike">
+                <a:latin typeface="Abyssinica SIL"/>
+                <a:ea typeface="Noto Sans CJK SC"/>
+              </a:rPr>
+              <a:t>for covariance and </a:t>
+            </a:r>
+            <a:r>
+              <a:rPr b="0" lang="en-IN" sz="1300" spc="-1" strike="noStrike">
+                <a:latin typeface="Abyssinica SIL"/>
+                <a:ea typeface="Noto Sans CJK SC"/>
+              </a:rPr>
+              <a:t>cokurtosis </a:t>
+            </a:r>
+            <a:r>
+              <a:rPr b="0" lang="en-IN" sz="1300" spc="-1" strike="noStrike">
+                <a:latin typeface="Abyssinica SIL"/>
+                <a:ea typeface="Noto Sans CJK SC"/>
+              </a:rPr>
+              <a:t>projections:-</a:t>
+            </a:r>
+            <a:endParaRPr b="0" lang="en-IN" sz="1300" spc="-1" strike="noStrike">
+              <a:latin typeface="Arial"/>
+            </a:endParaRPr>
+          </a:p>
+          <a:p>
+            <a:endParaRPr b="0" lang="en-IN" sz="1300" spc="-1" strike="noStrike">
+              <a:latin typeface="Arial"/>
+            </a:endParaRPr>
+          </a:p>
+          <a:p>
+            <a:endParaRPr b="0" lang="en-IN" sz="1300" spc="-1" strike="noStrike">
+              <a:latin typeface="Arial"/>
+            </a:endParaRPr>
+          </a:p>
+        </p:txBody>
+      </p:sp>
       <p:pic>
         <p:nvPicPr>
-          <p:cNvPr id="80" name="" descr=""/>
+          <p:cNvPr id="124" name="" descr=""/>
           <p:cNvPicPr/>
           <p:nvPr/>
         </p:nvPicPr>
@@ -2479,152 +4741,88 @@
         </p:blipFill>
         <p:spPr>
           <a:xfrm>
-            <a:off x="936000" y="576000"/>
-            <a:ext cx="4474080" cy="2444400"/>
-          </a:xfrm>
-          <a:prstGeom prst="rect">
-            <a:avLst/>
-          </a:prstGeom>
-          <a:ln>
+            <a:off x="5105880" y="1080000"/>
+            <a:ext cx="3714120" cy="2880000"/>
+          </a:xfrm>
+          <a:prstGeom prst="rect">
+            <a:avLst/>
+          </a:prstGeom>
+          <a:ln w="0">
             <a:noFill/>
           </a:ln>
         </p:spPr>
       </p:pic>
-      <p:pic>
-        <p:nvPicPr>
-          <p:cNvPr id="81" name="" descr=""/>
-          <p:cNvPicPr/>
-          <p:nvPr/>
-        </p:nvPicPr>
-        <p:blipFill>
-          <a:blip r:embed="rId2"/>
-          <a:srcRect l="23886" t="0" r="10503" b="0"/>
-          <a:stretch/>
-        </p:blipFill>
-        <p:spPr>
-          <a:xfrm>
-            <a:off x="2286360" y="1090800"/>
-            <a:ext cx="2935440" cy="2444400"/>
-          </a:xfrm>
-          <a:prstGeom prst="rect">
-            <a:avLst/>
-          </a:prstGeom>
-          <a:ln>
-            <a:noFill/>
-          </a:ln>
-        </p:spPr>
-      </p:pic>
-      <p:sp>
-        <p:nvSpPr>
-          <p:cNvPr id="82" name="TextShape 1"/>
+      <p:sp>
+        <p:nvSpPr>
+          <p:cNvPr id="125" name=""/>
           <p:cNvSpPr txBox="1"/>
           <p:nvPr/>
         </p:nvSpPr>
         <p:spPr>
           <a:xfrm>
-            <a:off x="1746360" y="4268880"/>
-            <a:ext cx="4417920" cy="931320"/>
-          </a:xfrm>
-          <a:prstGeom prst="rect">
-            <a:avLst/>
-          </a:prstGeom>
-          <a:noFill/>
-          <a:ln>
-            <a:noFill/>
-          </a:ln>
-        </p:spPr>
-        <p:txBody>
-          <a:bodyPr lIns="90000" rIns="90000" tIns="45000" bIns="45000">
+            <a:off x="720000" y="2520000"/>
+            <a:ext cx="3420000" cy="1397160"/>
+          </a:xfrm>
+          <a:prstGeom prst="rect">
+            <a:avLst/>
+          </a:prstGeom>
+          <a:noFill/>
+          <a:ln w="0">
+            <a:noFill/>
+          </a:ln>
+        </p:spPr>
+        <p:txBody>
+          <a:bodyPr lIns="90000" rIns="90000" tIns="45000" bIns="45000" anchor="t">
             <a:noAutofit/>
           </a:bodyPr>
           <a:p>
             <a:r>
-              <a:rPr b="0" lang="en-IN" sz="1490" spc="-1" strike="noStrike">
-                <a:latin typeface="Arial"/>
-              </a:rPr>
-              <a:t>Conclusion: </a:t>
-            </a:r>
-            <a:endParaRPr b="0" lang="en-IN" sz="1490" spc="-1" strike="noStrike">
-              <a:latin typeface="Arial"/>
-            </a:endParaRPr>
-          </a:p>
-          <a:p>
-            <a:r>
-              <a:rPr b="0" lang="en-IN" sz="1490" spc="-1" strike="noStrike">
-                <a:latin typeface="Arial"/>
-              </a:rPr>
-              <a:t>	</a:t>
-            </a:r>
-            <a:r>
-              <a:rPr b="0" lang="en-IN" sz="1490" spc="-1" strike="noStrike">
-                <a:latin typeface="Arial"/>
-              </a:rPr>
-              <a:t>Tests on HCCI Datasets</a:t>
-            </a:r>
-            <a:endParaRPr b="0" lang="en-IN" sz="1490" spc="-1" strike="noStrike">
-              <a:latin typeface="Arial"/>
-            </a:endParaRPr>
-          </a:p>
-          <a:p>
-            <a:r>
-              <a:rPr b="0" lang="en-IN" sz="1490" spc="-1" strike="noStrike">
-                <a:latin typeface="Arial"/>
-              </a:rPr>
-              <a:t>	</a:t>
-            </a:r>
-            <a:r>
-              <a:rPr b="0" lang="en-IN" sz="1490" spc="-1" strike="noStrike">
-                <a:latin typeface="Arial"/>
-              </a:rPr>
-              <a:t>Accuracy on Reconstructed Data</a:t>
-            </a:r>
-            <a:endParaRPr b="0" lang="en-IN" sz="1490" spc="-1" strike="noStrike">
-              <a:latin typeface="Arial"/>
-            </a:endParaRPr>
-          </a:p>
-          <a:p>
-            <a:r>
-              <a:rPr b="0" lang="en-IN" sz="1490" spc="-1" strike="noStrike">
-                <a:latin typeface="Arial"/>
-              </a:rPr>
-              <a:t>	</a:t>
-            </a:r>
-            <a:r>
-              <a:rPr b="0" lang="en-IN" sz="1490" spc="-1" strike="noStrike">
-                <a:latin typeface="Arial"/>
-              </a:rPr>
-              <a:t>Accuracy on Chemical Computations</a:t>
-            </a:r>
-            <a:endParaRPr b="0" lang="en-IN" sz="1490" spc="-1" strike="noStrike">
-              <a:latin typeface="Arial"/>
-            </a:endParaRPr>
-          </a:p>
-        </p:txBody>
-      </p:sp>
-      <p:pic>
-        <p:nvPicPr>
-          <p:cNvPr id="83" name="" descr=""/>
-          <p:cNvPicPr/>
-          <p:nvPr/>
-        </p:nvPicPr>
-        <p:blipFill>
-          <a:blip r:embed="rId3"/>
-          <a:srcRect l="17966" t="0" r="7881" b="0"/>
-          <a:stretch/>
-        </p:blipFill>
-        <p:spPr>
-          <a:xfrm>
-            <a:off x="5574240" y="898560"/>
-            <a:ext cx="3316680" cy="2444040"/>
-          </a:xfrm>
-          <a:prstGeom prst="rect">
-            <a:avLst/>
-          </a:prstGeom>
-          <a:ln>
-            <a:noFill/>
-          </a:ln>
-        </p:spPr>
-      </p:pic>
+              <a:rPr b="0" lang="en-IN" sz="1300" spc="-1" strike="noStrike">
+                <a:latin typeface="Abyssinica SIL"/>
+                <a:ea typeface="Noto Sans CJK SC"/>
+              </a:rPr>
+              <a:t>Error in source term f(x1,x2):</a:t>
+            </a:r>
+            <a:endParaRPr b="0" lang="en-IN" sz="1300" spc="-1" strike="noStrike">
+              <a:latin typeface="Arial"/>
+            </a:endParaRPr>
+          </a:p>
+          <a:p>
+            <a:endParaRPr b="0" lang="en-IN" sz="1300" spc="-1" strike="noStrike">
+              <a:latin typeface="Arial"/>
+            </a:endParaRPr>
+          </a:p>
+          <a:p>
+            <a:r>
+              <a:rPr b="0" lang="en-IN" sz="1300" spc="-1" strike="noStrike">
+                <a:latin typeface="Abyssinica SIL"/>
+                <a:ea typeface="Noto Sans CJK SC"/>
+              </a:rPr>
+              <a:t>Kurtosis performs better than covariance</a:t>
+            </a:r>
+            <a:endParaRPr b="0" lang="en-IN" sz="1300" spc="-1" strike="noStrike">
+              <a:latin typeface="Arial"/>
+            </a:endParaRPr>
+          </a:p>
+          <a:p>
+            <a:r>
+              <a:rPr b="0" lang="en-IN" sz="1300" spc="-1" strike="noStrike">
+                <a:latin typeface="Abyssinica SIL"/>
+                <a:ea typeface="Noto Sans CJK SC"/>
+              </a:rPr>
+              <a:t>As the value of source term depends strongly on outlier cluster</a:t>
+            </a:r>
+            <a:endParaRPr b="0" lang="en-IN" sz="1300" spc="-1" strike="noStrike">
+              <a:latin typeface="Arial"/>
+            </a:endParaRPr>
+          </a:p>
+          <a:p>
+            <a:endParaRPr b="0" lang="en-IN" sz="1300" spc="-1" strike="noStrike">
+              <a:latin typeface="Arial"/>
+            </a:endParaRPr>
+          </a:p>
+        </p:txBody>
+      </p:sp>
     </p:spTree>
   </p:cSld>
   <mc:AlternateContent>
@@ -2657,25 +4855,25 @@
       </p:grpSpPr>
       <p:sp>
         <p:nvSpPr>
-          <p:cNvPr id="84" name="TextShape 1"/>
+          <p:cNvPr id="126" name=""/>
           <p:cNvSpPr txBox="1"/>
           <p:nvPr/>
         </p:nvSpPr>
         <p:spPr>
           <a:xfrm>
-            <a:off x="1637280" y="1402560"/>
-            <a:ext cx="4417920" cy="931320"/>
-          </a:xfrm>
-          <a:prstGeom prst="rect">
-            <a:avLst/>
-          </a:prstGeom>
-          <a:noFill/>
-          <a:ln>
-            <a:noFill/>
-          </a:ln>
-        </p:spPr>
-        <p:txBody>
-          <a:bodyPr lIns="90000" rIns="90000" tIns="45000" bIns="45000">
+            <a:off x="564840" y="419040"/>
+            <a:ext cx="5375880" cy="300960"/>
+          </a:xfrm>
+          <a:prstGeom prst="rect">
+            <a:avLst/>
+          </a:prstGeom>
+          <a:noFill/>
+          <a:ln w="0">
+            <a:noFill/>
+          </a:ln>
+        </p:spPr>
+        <p:txBody>
+          <a:bodyPr lIns="90000" rIns="90000" tIns="45000" bIns="45000" anchor="t">
             <a:noAutofit/>
           </a:bodyPr>
           <a:p>
@@ -2683,65 +4881,98 @@
               <a:rPr b="0" lang="en-IN" sz="1490" spc="-1" strike="noStrike">
                 <a:latin typeface="Arial"/>
               </a:rPr>
-              <a:t>Conclusion: </a:t>
-            </a:r>
-            <a:endParaRPr b="0" lang="en-IN" sz="1490" spc="-1" strike="noStrike">
-              <a:latin typeface="Arial"/>
-            </a:endParaRPr>
-          </a:p>
-          <a:p>
-            <a:r>
-              <a:rPr b="0" lang="en-IN" sz="1490" spc="-1" strike="noStrike">
-                <a:latin typeface="Arial"/>
-              </a:rPr>
-              <a:t>	</a:t>
-            </a:r>
-            <a:r>
-              <a:rPr b="0" lang="en-IN" sz="1490" spc="-1" strike="noStrike">
-                <a:latin typeface="Arial"/>
-              </a:rPr>
-              <a:t>Tests on HCCI Datasets</a:t>
-            </a:r>
-            <a:endParaRPr b="0" lang="en-IN" sz="1490" spc="-1" strike="noStrike">
-              <a:latin typeface="Arial"/>
-            </a:endParaRPr>
-          </a:p>
-          <a:p>
-            <a:r>
-              <a:rPr b="0" lang="en-IN" sz="1490" spc="-1" strike="noStrike">
-                <a:latin typeface="Arial"/>
-              </a:rPr>
-              <a:t>	</a:t>
-            </a:r>
-            <a:r>
-              <a:rPr b="0" lang="en-IN" sz="1490" spc="-1" strike="noStrike">
-                <a:latin typeface="Arial"/>
-              </a:rPr>
-              <a:t>Accuracy on Reconstructed Data</a:t>
-            </a:r>
-            <a:endParaRPr b="0" lang="en-IN" sz="1490" spc="-1" strike="noStrike">
-              <a:latin typeface="Arial"/>
-            </a:endParaRPr>
-          </a:p>
-          <a:p>
-            <a:r>
-              <a:rPr b="0" lang="en-IN" sz="1490" spc="-1" strike="noStrike">
-                <a:latin typeface="Arial"/>
-              </a:rPr>
-              <a:t>	</a:t>
-            </a:r>
-            <a:r>
-              <a:rPr b="0" lang="en-IN" sz="1490" spc="-1" strike="noStrike">
-                <a:latin typeface="Arial"/>
-              </a:rPr>
-              <a:t>Accuracy on Chemical Computations</a:t>
-            </a:r>
-            <a:endParaRPr b="0" lang="en-IN" sz="1490" spc="-1" strike="noStrike">
-              <a:latin typeface="Arial"/>
-            </a:endParaRPr>
-          </a:p>
-        </p:txBody>
-      </p:sp>
+              <a:t>Dimensionality Reduction – 2D Gaussian</a:t>
+            </a:r>
+            <a:endParaRPr b="0" lang="en-IN" sz="1490" spc="-1" strike="noStrike">
+              <a:latin typeface="Arial"/>
+            </a:endParaRPr>
+          </a:p>
+        </p:txBody>
+      </p:sp>
+      <p:sp>
+        <p:nvSpPr>
+          <p:cNvPr id="127" name=""/>
+          <p:cNvSpPr txBox="1"/>
+          <p:nvPr/>
+        </p:nvSpPr>
+        <p:spPr>
+          <a:xfrm>
+            <a:off x="720000" y="1260000"/>
+            <a:ext cx="3350520" cy="2704320"/>
+          </a:xfrm>
+          <a:prstGeom prst="rect">
+            <a:avLst/>
+          </a:prstGeom>
+          <a:noFill/>
+          <a:ln w="0">
+            <a:noFill/>
+          </a:ln>
+        </p:spPr>
+        <p:txBody>
+          <a:bodyPr lIns="90000" rIns="90000" tIns="45000" bIns="45000" anchor="t">
+            <a:noAutofit/>
+          </a:bodyPr>
+          <a:p>
+            <a:r>
+              <a:rPr b="0" lang="en-IN" sz="1300" spc="-1" strike="noStrike">
+                <a:latin typeface="Abyssinica SIL"/>
+                <a:ea typeface="Noto Sans CJK SC"/>
+              </a:rPr>
+              <a:t>Error comparison of different regression models for covariance and </a:t>
+            </a:r>
+            <a:r>
+              <a:rPr b="0" lang="en-IN" sz="1300" spc="-1" strike="noStrike">
+                <a:latin typeface="Abyssinica SIL"/>
+                <a:ea typeface="Noto Sans CJK SC"/>
+              </a:rPr>
+              <a:t>cokurtosis projections:-</a:t>
+            </a:r>
+            <a:endParaRPr b="0" lang="en-IN" sz="1300" spc="-1" strike="noStrike">
+              <a:latin typeface="Arial"/>
+            </a:endParaRPr>
+          </a:p>
+          <a:p>
+            <a:endParaRPr b="0" lang="en-IN" sz="1300" spc="-1" strike="noStrike">
+              <a:latin typeface="Arial"/>
+            </a:endParaRPr>
+          </a:p>
+          <a:p>
+            <a:r>
+              <a:rPr b="0" lang="en-IN" sz="1300" spc="-1" strike="noStrike">
+                <a:latin typeface="Abyssinica SIL"/>
+                <a:ea typeface="Noto Sans CJK SC"/>
+              </a:rPr>
+              <a:t>Error in source term f(x1,x2)</a:t>
+            </a:r>
+            <a:endParaRPr b="0" lang="en-IN" sz="1300" spc="-1" strike="noStrike">
+              <a:latin typeface="Arial"/>
+            </a:endParaRPr>
+          </a:p>
+        </p:txBody>
+      </p:sp>
+      <p:pic>
+        <p:nvPicPr>
+          <p:cNvPr id="128" name="" descr=""/>
+          <p:cNvPicPr/>
+          <p:nvPr/>
+        </p:nvPicPr>
+        <p:blipFill>
+          <a:blip r:embed="rId1"/>
+          <a:stretch/>
+        </p:blipFill>
+        <p:spPr>
+          <a:xfrm>
+            <a:off x="5105880" y="1080000"/>
+            <a:ext cx="3714120" cy="2880000"/>
+          </a:xfrm>
+          <a:prstGeom prst="rect">
+            <a:avLst/>
+          </a:prstGeom>
+          <a:ln w="0">
+            <a:noFill/>
+          </a:ln>
+        </p:spPr>
+      </p:pic>
     </p:spTree>
   </p:cSld>
   <mc:AlternateContent>
@@ -2772,9 +5003,117 @@
           <a:chExt cx="0" cy="0"/>
         </a:xfrm>
       </p:grpSpPr>
+      <p:sp>
+        <p:nvSpPr>
+          <p:cNvPr id="129" name=""/>
+          <p:cNvSpPr txBox="1"/>
+          <p:nvPr/>
+        </p:nvSpPr>
+        <p:spPr>
+          <a:xfrm>
+            <a:off x="564840" y="419040"/>
+            <a:ext cx="5375880" cy="300960"/>
+          </a:xfrm>
+          <a:prstGeom prst="rect">
+            <a:avLst/>
+          </a:prstGeom>
+          <a:noFill/>
+          <a:ln w="0">
+            <a:noFill/>
+          </a:ln>
+        </p:spPr>
+        <p:txBody>
+          <a:bodyPr lIns="90000" rIns="90000" tIns="45000" bIns="45000" anchor="t">
+            <a:noAutofit/>
+          </a:bodyPr>
+          <a:p>
+            <a:r>
+              <a:rPr b="0" lang="en-IN" sz="1490" spc="-1" strike="noStrike">
+                <a:latin typeface="Arial"/>
+              </a:rPr>
+              <a:t>Dimensionality Reduction – Syngas combustion </a:t>
+            </a:r>
+            <a:endParaRPr b="0" lang="en-IN" sz="1490" spc="-1" strike="noStrike">
+              <a:latin typeface="Arial"/>
+            </a:endParaRPr>
+          </a:p>
+        </p:txBody>
+      </p:sp>
+    </p:spTree>
+  </p:cSld>
+  <mc:AlternateContent>
+    <mc:Choice Requires="p14">
+      <p:transition spd="slow" p14:dur="2000"/>
+    </mc:Choice>
+    <mc:Fallback>
+      <p:transition spd="slow"/>
+    </mc:Fallback>
+  </mc:AlternateContent>
+</p:sld>
+</file>
+
+<file path=ppt/slides/slide18.xml><?xml version="1.0" encoding="utf-8"?>
+<p:sld xmlns:a="http://schemas.openxmlformats.org/drawingml/2006/main" xmlns:p="http://schemas.openxmlformats.org/presentationml/2006/main" xmlns:r="http://schemas.openxmlformats.org/officeDocument/2006/relationships" xmlns:p14="http://schemas.microsoft.com/office/powerpoint/2010/main" xmlns:p15="http://schemas.microsoft.com/office/powerpoint/2012/main" xmlns:mc="http://schemas.openxmlformats.org/markup-compatibility/2006">
+  <p:cSld>
+    <p:spTree>
+      <p:nvGrpSpPr>
+        <p:cNvPr id="1" name=""/>
+        <p:cNvGrpSpPr/>
+        <p:nvPr/>
+      </p:nvGrpSpPr>
+      <p:grpSpPr>
+        <a:xfrm>
+          <a:off x="0" y="0"/>
+          <a:ext cx="0" cy="0"/>
+          <a:chOff x="0" y="0"/>
+          <a:chExt cx="0" cy="0"/>
+        </a:xfrm>
+      </p:grpSpPr>
+      <p:sp>
+        <p:nvSpPr>
+          <p:cNvPr id="130" name=""/>
+          <p:cNvSpPr txBox="1"/>
+          <p:nvPr/>
+        </p:nvSpPr>
+        <p:spPr>
+          <a:xfrm>
+            <a:off x="564840" y="419040"/>
+            <a:ext cx="5375880" cy="300960"/>
+          </a:xfrm>
+          <a:prstGeom prst="rect">
+            <a:avLst/>
+          </a:prstGeom>
+          <a:noFill/>
+          <a:ln w="0">
+            <a:noFill/>
+          </a:ln>
+        </p:spPr>
+        <p:txBody>
+          <a:bodyPr lIns="90000" rIns="90000" tIns="45000" bIns="45000" anchor="t">
+            <a:noAutofit/>
+          </a:bodyPr>
+          <a:p>
+            <a:r>
+              <a:rPr b="0" lang="en-IN" sz="1490" spc="-1" strike="noStrike">
+                <a:latin typeface="Arial"/>
+              </a:rPr>
+              <a:t>Dimensionality Reduction – Syngas </a:t>
+            </a:r>
+            <a:r>
+              <a:rPr b="0" lang="en-IN" sz="1490" spc="-1" strike="noStrike">
+                <a:latin typeface="Arial"/>
+              </a:rPr>
+              <a:t>combustion </a:t>
+            </a:r>
+            <a:endParaRPr b="0" lang="en-IN" sz="1490" spc="-1" strike="noStrike">
+              <a:latin typeface="Arial"/>
+            </a:endParaRPr>
+          </a:p>
+        </p:txBody>
+      </p:sp>
       <p:pic>
         <p:nvPicPr>
-          <p:cNvPr id="85" name="" descr=""/>
+          <p:cNvPr id="131" name="" descr=""/>
           <p:cNvPicPr/>
           <p:nvPr/>
         </p:nvPicPr>
@@ -2784,20 +5123,109 @@
         </p:blipFill>
         <p:spPr>
           <a:xfrm>
-            <a:off x="5312880" y="1283040"/>
-            <a:ext cx="3956760" cy="2976480"/>
-          </a:xfrm>
-          <a:prstGeom prst="rect">
-            <a:avLst/>
-          </a:prstGeom>
-          <a:ln>
+            <a:off x="4976280" y="1224360"/>
+            <a:ext cx="3514320" cy="3186720"/>
+          </a:xfrm>
+          <a:prstGeom prst="rect">
+            <a:avLst/>
+          </a:prstGeom>
+          <a:ln w="0">
+            <a:noFill/>
+          </a:ln>
+        </p:spPr>
+      </p:pic>
+    </p:spTree>
+  </p:cSld>
+  <mc:AlternateContent>
+    <mc:Choice Requires="p14">
+      <p:transition spd="slow" p14:dur="2000"/>
+    </mc:Choice>
+    <mc:Fallback>
+      <p:transition spd="slow"/>
+    </mc:Fallback>
+  </mc:AlternateContent>
+</p:sld>
+</file>
+
+<file path=ppt/slides/slide19.xml><?xml version="1.0" encoding="utf-8"?>
+<p:sld xmlns:a="http://schemas.openxmlformats.org/drawingml/2006/main" xmlns:p="http://schemas.openxmlformats.org/presentationml/2006/main" xmlns:r="http://schemas.openxmlformats.org/officeDocument/2006/relationships" xmlns:p14="http://schemas.microsoft.com/office/powerpoint/2010/main" xmlns:p15="http://schemas.microsoft.com/office/powerpoint/2012/main" xmlns:mc="http://schemas.openxmlformats.org/markup-compatibility/2006">
+  <p:cSld>
+    <p:spTree>
+      <p:nvGrpSpPr>
+        <p:cNvPr id="1" name=""/>
+        <p:cNvGrpSpPr/>
+        <p:nvPr/>
+      </p:nvGrpSpPr>
+      <p:grpSpPr>
+        <a:xfrm>
+          <a:off x="0" y="0"/>
+          <a:ext cx="0" cy="0"/>
+          <a:chOff x="0" y="0"/>
+          <a:chExt cx="0" cy="0"/>
+        </a:xfrm>
+      </p:grpSpPr>
+      <p:sp>
+        <p:nvSpPr>
+          <p:cNvPr id="132" name=""/>
+          <p:cNvSpPr txBox="1"/>
+          <p:nvPr/>
+        </p:nvSpPr>
+        <p:spPr>
+          <a:xfrm>
+            <a:off x="564840" y="419040"/>
+            <a:ext cx="5375880" cy="300960"/>
+          </a:xfrm>
+          <a:prstGeom prst="rect">
+            <a:avLst/>
+          </a:prstGeom>
+          <a:noFill/>
+          <a:ln w="0">
+            <a:noFill/>
+          </a:ln>
+        </p:spPr>
+        <p:txBody>
+          <a:bodyPr lIns="90000" rIns="90000" tIns="45000" bIns="45000" anchor="t">
+            <a:noAutofit/>
+          </a:bodyPr>
+          <a:p>
+            <a:r>
+              <a:rPr b="0" lang="en-IN" sz="1490" spc="-1" strike="noStrike">
+                <a:latin typeface="Arial"/>
+              </a:rPr>
+              <a:t>Dimensionality Reduction – Syngas combustion </a:t>
+            </a:r>
+            <a:endParaRPr b="0" lang="en-IN" sz="1490" spc="-1" strike="noStrike">
+              <a:latin typeface="Arial"/>
+            </a:endParaRPr>
+          </a:p>
+        </p:txBody>
+      </p:sp>
+      <p:pic>
+        <p:nvPicPr>
+          <p:cNvPr id="133" name="" descr=""/>
+          <p:cNvPicPr/>
+          <p:nvPr/>
+        </p:nvPicPr>
+        <p:blipFill>
+          <a:blip r:embed="rId1"/>
+          <a:stretch/>
+        </p:blipFill>
+        <p:spPr>
+          <a:xfrm>
+            <a:off x="6480000" y="1440000"/>
+            <a:ext cx="2826720" cy="2419920"/>
+          </a:xfrm>
+          <a:prstGeom prst="rect">
+            <a:avLst/>
+          </a:prstGeom>
+          <a:ln w="0">
             <a:noFill/>
           </a:ln>
         </p:spPr>
       </p:pic>
       <p:pic>
         <p:nvPicPr>
-          <p:cNvPr id="86" name="" descr=""/>
+          <p:cNvPr id="134" name="" descr=""/>
           <p:cNvPicPr/>
           <p:nvPr/>
         </p:nvPicPr>
@@ -2807,17 +5235,89 @@
         </p:blipFill>
         <p:spPr>
           <a:xfrm>
-            <a:off x="727560" y="1223280"/>
-            <a:ext cx="3956760" cy="2976480"/>
-          </a:xfrm>
-          <a:prstGeom prst="rect">
-            <a:avLst/>
-          </a:prstGeom>
-          <a:ln>
+            <a:off x="3233520" y="1440000"/>
+            <a:ext cx="2886480" cy="2425680"/>
+          </a:xfrm>
+          <a:prstGeom prst="rect">
+            <a:avLst/>
+          </a:prstGeom>
+          <a:ln w="0">
             <a:noFill/>
           </a:ln>
         </p:spPr>
       </p:pic>
+      <p:sp>
+        <p:nvSpPr>
+          <p:cNvPr id="135" name=""/>
+          <p:cNvSpPr txBox="1"/>
+          <p:nvPr/>
+        </p:nvSpPr>
+        <p:spPr>
+          <a:xfrm>
+            <a:off x="3960000" y="3879000"/>
+            <a:ext cx="2035440" cy="261000"/>
+          </a:xfrm>
+          <a:prstGeom prst="rect">
+            <a:avLst/>
+          </a:prstGeom>
+          <a:noFill/>
+          <a:ln w="0">
+            <a:noFill/>
+          </a:ln>
+        </p:spPr>
+        <p:txBody>
+          <a:bodyPr lIns="90000" rIns="90000" tIns="45000" bIns="45000" anchor="t">
+            <a:noAutofit/>
+          </a:bodyPr>
+          <a:p>
+            <a:r>
+              <a:rPr b="0" lang="en-IN" sz="1200" spc="-1" strike="noStrike">
+                <a:latin typeface="Arial"/>
+              </a:rPr>
+              <a:t>Representation in 2D plane</a:t>
+            </a:r>
+            <a:endParaRPr b="0" lang="en-IN" sz="1200" spc="-1" strike="noStrike">
+              <a:latin typeface="Arial"/>
+            </a:endParaRPr>
+          </a:p>
+        </p:txBody>
+      </p:sp>
+      <p:sp>
+        <p:nvSpPr>
+          <p:cNvPr id="136" name=""/>
+          <p:cNvSpPr txBox="1"/>
+          <p:nvPr/>
+        </p:nvSpPr>
+        <p:spPr>
+          <a:xfrm>
+            <a:off x="6964560" y="3879000"/>
+            <a:ext cx="1564560" cy="261000"/>
+          </a:xfrm>
+          <a:prstGeom prst="rect">
+            <a:avLst/>
+          </a:prstGeom>
+          <a:noFill/>
+          <a:ln w="0">
+            <a:noFill/>
+          </a:ln>
+        </p:spPr>
+        <p:txBody>
+          <a:bodyPr lIns="90000" rIns="90000" tIns="45000" bIns="45000" anchor="t">
+            <a:noAutofit/>
+          </a:bodyPr>
+          <a:p>
+            <a:r>
+              <a:rPr b="0" lang="en-IN" sz="1200" spc="-1" strike="noStrike">
+                <a:latin typeface="Arial"/>
+              </a:rPr>
+              <a:t>Reconstruction error</a:t>
+            </a:r>
+            <a:endParaRPr b="0" lang="en-IN" sz="1200" spc="-1" strike="noStrike">
+              <a:latin typeface="Arial"/>
+            </a:endParaRPr>
+          </a:p>
+        </p:txBody>
+      </p:sp>
     </p:spTree>
   </p:cSld>
   <mc:AlternateContent>
@@ -2850,28 +5350,39 @@
       </p:grpSpPr>
       <p:sp>
         <p:nvSpPr>
-          <p:cNvPr id="43" name="TextShape 1"/>
-          <p:cNvSpPr txBox="1"/>
+          <p:cNvPr id="78" name="TextShape 1"/>
+          <p:cNvSpPr/>
           <p:nvPr/>
         </p:nvSpPr>
         <p:spPr>
           <a:xfrm>
-            <a:off x="4806720" y="4248720"/>
-            <a:ext cx="3017160" cy="300600"/>
-          </a:xfrm>
-          <a:prstGeom prst="rect">
-            <a:avLst/>
-          </a:prstGeom>
-          <a:noFill/>
-          <a:ln>
-            <a:noFill/>
-          </a:ln>
-        </p:spPr>
-        <p:txBody>
-          <a:bodyPr lIns="90000" rIns="90000" tIns="45000" bIns="45000">
+            <a:off x="4806360" y="4248000"/>
+            <a:ext cx="3016440" cy="300240"/>
+          </a:xfrm>
+          <a:prstGeom prst="rect">
+            <a:avLst/>
+          </a:prstGeom>
+          <a:noFill/>
+          <a:ln w="0">
+            <a:noFill/>
+          </a:ln>
+        </p:spPr>
+        <p:style>
+          <a:lnRef idx="0"/>
+          <a:fillRef idx="0"/>
+          <a:effectRef idx="0"/>
+          <a:fontRef idx="minor"/>
+        </p:style>
+        <p:txBody>
+          <a:bodyPr lIns="90000" rIns="90000" tIns="45000" bIns="45000" anchor="t">
             <a:noAutofit/>
           </a:bodyPr>
           <a:p>
+            <a:pPr>
+              <a:lnSpc>
+                <a:spcPct val="100000"/>
+              </a:lnSpc>
+            </a:pPr>
             <a:r>
               <a:rPr b="0" lang="en-IN" sz="1490" spc="-1" strike="noStrike">
                 <a:latin typeface="Arial"/>
@@ -2886,28 +5397,39 @@
       </p:sp>
       <p:sp>
         <p:nvSpPr>
-          <p:cNvPr id="44" name="TextShape 2"/>
-          <p:cNvSpPr txBox="1"/>
+          <p:cNvPr id="79" name="TextShape 2"/>
+          <p:cNvSpPr/>
           <p:nvPr/>
         </p:nvSpPr>
         <p:spPr>
           <a:xfrm>
-            <a:off x="545760" y="1402560"/>
-            <a:ext cx="2781720" cy="300600"/>
-          </a:xfrm>
-          <a:prstGeom prst="rect">
-            <a:avLst/>
-          </a:prstGeom>
-          <a:noFill/>
-          <a:ln>
-            <a:noFill/>
-          </a:ln>
-        </p:spPr>
-        <p:txBody>
-          <a:bodyPr lIns="90000" rIns="90000" tIns="45000" bIns="45000">
+            <a:off x="545400" y="1402200"/>
+            <a:ext cx="2781000" cy="300240"/>
+          </a:xfrm>
+          <a:prstGeom prst="rect">
+            <a:avLst/>
+          </a:prstGeom>
+          <a:noFill/>
+          <a:ln w="0">
+            <a:noFill/>
+          </a:ln>
+        </p:spPr>
+        <p:style>
+          <a:lnRef idx="0"/>
+          <a:fillRef idx="0"/>
+          <a:effectRef idx="0"/>
+          <a:fontRef idx="minor"/>
+        </p:style>
+        <p:txBody>
+          <a:bodyPr lIns="90000" rIns="90000" tIns="45000" bIns="45000" anchor="t">
             <a:noAutofit/>
           </a:bodyPr>
           <a:p>
+            <a:pPr>
+              <a:lnSpc>
+                <a:spcPct val="100000"/>
+              </a:lnSpc>
+            </a:pPr>
             <a:r>
               <a:rPr b="0" lang="en-IN" sz="1490" spc="-1" strike="noStrike">
                 <a:latin typeface="Arial"/>
@@ -2922,7 +5444,7 @@
       </p:sp>
       <p:pic>
         <p:nvPicPr>
-          <p:cNvPr id="45" name="" descr=""/>
+          <p:cNvPr id="80" name="" descr=""/>
           <p:cNvPicPr/>
           <p:nvPr/>
         </p:nvPicPr>
@@ -2932,13 +5454,393 @@
         </p:blipFill>
         <p:spPr>
           <a:xfrm>
-            <a:off x="4290120" y="943200"/>
-            <a:ext cx="4133880" cy="3088800"/>
-          </a:xfrm>
-          <a:prstGeom prst="rect">
-            <a:avLst/>
-          </a:prstGeom>
-          <a:ln>
+            <a:off x="4289760" y="942840"/>
+            <a:ext cx="4133160" cy="3088080"/>
+          </a:xfrm>
+          <a:prstGeom prst="rect">
+            <a:avLst/>
+          </a:prstGeom>
+          <a:ln w="0">
+            <a:noFill/>
+          </a:ln>
+        </p:spPr>
+      </p:pic>
+    </p:spTree>
+  </p:cSld>
+  <mc:AlternateContent>
+    <mc:Choice Requires="p14">
+      <p:transition spd="slow" p14:dur="2000"/>
+    </mc:Choice>
+    <mc:Fallback>
+      <p:transition spd="slow"/>
+    </mc:Fallback>
+  </mc:AlternateContent>
+</p:sld>
+</file>
+
+<file path=ppt/slides/slide20.xml><?xml version="1.0" encoding="utf-8"?>
+<p:sld xmlns:a="http://schemas.openxmlformats.org/drawingml/2006/main" xmlns:p="http://schemas.openxmlformats.org/presentationml/2006/main" xmlns:r="http://schemas.openxmlformats.org/officeDocument/2006/relationships" xmlns:p14="http://schemas.microsoft.com/office/powerpoint/2010/main" xmlns:p15="http://schemas.microsoft.com/office/powerpoint/2012/main" xmlns:mc="http://schemas.openxmlformats.org/markup-compatibility/2006">
+  <p:cSld>
+    <p:spTree>
+      <p:nvGrpSpPr>
+        <p:cNvPr id="1" name=""/>
+        <p:cNvGrpSpPr/>
+        <p:nvPr/>
+      </p:nvGrpSpPr>
+      <p:grpSpPr>
+        <a:xfrm>
+          <a:off x="0" y="0"/>
+          <a:ext cx="0" cy="0"/>
+          <a:chOff x="0" y="0"/>
+          <a:chExt cx="0" cy="0"/>
+        </a:xfrm>
+      </p:grpSpPr>
+      <p:sp>
+        <p:nvSpPr>
+          <p:cNvPr id="137" name=""/>
+          <p:cNvSpPr txBox="1"/>
+          <p:nvPr/>
+        </p:nvSpPr>
+        <p:spPr>
+          <a:xfrm>
+            <a:off x="564840" y="419040"/>
+            <a:ext cx="5375880" cy="300960"/>
+          </a:xfrm>
+          <a:prstGeom prst="rect">
+            <a:avLst/>
+          </a:prstGeom>
+          <a:noFill/>
+          <a:ln w="0">
+            <a:noFill/>
+          </a:ln>
+        </p:spPr>
+        <p:txBody>
+          <a:bodyPr lIns="90000" rIns="90000" tIns="45000" bIns="45000" anchor="t">
+            <a:noAutofit/>
+          </a:bodyPr>
+          <a:p>
+            <a:r>
+              <a:rPr b="0" lang="en-IN" sz="1490" spc="-1" strike="noStrike">
+                <a:latin typeface="Arial"/>
+              </a:rPr>
+              <a:t>Dimensionality Reduction – Syngas combustion </a:t>
+            </a:r>
+            <a:endParaRPr b="0" lang="en-IN" sz="1490" spc="-1" strike="noStrike">
+              <a:latin typeface="Arial"/>
+            </a:endParaRPr>
+          </a:p>
+        </p:txBody>
+      </p:sp>
+      <p:pic>
+        <p:nvPicPr>
+          <p:cNvPr id="138" name="" descr=""/>
+          <p:cNvPicPr/>
+          <p:nvPr/>
+        </p:nvPicPr>
+        <p:blipFill>
+          <a:blip r:embed="rId1"/>
+          <a:stretch/>
+        </p:blipFill>
+        <p:spPr>
+          <a:xfrm>
+            <a:off x="4976280" y="1224360"/>
+            <a:ext cx="3514320" cy="3186720"/>
+          </a:xfrm>
+          <a:prstGeom prst="rect">
+            <a:avLst/>
+          </a:prstGeom>
+          <a:ln w="0">
+            <a:noFill/>
+          </a:ln>
+        </p:spPr>
+      </p:pic>
+    </p:spTree>
+  </p:cSld>
+  <mc:AlternateContent>
+    <mc:Choice Requires="p14">
+      <p:transition spd="slow" p14:dur="2000"/>
+    </mc:Choice>
+    <mc:Fallback>
+      <p:transition spd="slow"/>
+    </mc:Fallback>
+  </mc:AlternateContent>
+</p:sld>
+</file>
+
+<file path=ppt/slides/slide21.xml><?xml version="1.0" encoding="utf-8"?>
+<p:sld xmlns:a="http://schemas.openxmlformats.org/drawingml/2006/main" xmlns:p="http://schemas.openxmlformats.org/presentationml/2006/main" xmlns:r="http://schemas.openxmlformats.org/officeDocument/2006/relationships" xmlns:p14="http://schemas.microsoft.com/office/powerpoint/2010/main" xmlns:p15="http://schemas.microsoft.com/office/powerpoint/2012/main" xmlns:mc="http://schemas.openxmlformats.org/markup-compatibility/2006">
+  <p:cSld>
+    <p:spTree>
+      <p:nvGrpSpPr>
+        <p:cNvPr id="1" name=""/>
+        <p:cNvGrpSpPr/>
+        <p:nvPr/>
+      </p:nvGrpSpPr>
+      <p:grpSpPr>
+        <a:xfrm>
+          <a:off x="0" y="0"/>
+          <a:ext cx="0" cy="0"/>
+          <a:chOff x="0" y="0"/>
+          <a:chExt cx="0" cy="0"/>
+        </a:xfrm>
+      </p:grpSpPr>
+      <p:sp>
+        <p:nvSpPr>
+          <p:cNvPr id="139" name="TextShape 3"/>
+          <p:cNvSpPr/>
+          <p:nvPr/>
+        </p:nvSpPr>
+        <p:spPr>
+          <a:xfrm>
+            <a:off x="1455120" y="805320"/>
+            <a:ext cx="5268600" cy="300240"/>
+          </a:xfrm>
+          <a:prstGeom prst="rect">
+            <a:avLst/>
+          </a:prstGeom>
+          <a:noFill/>
+          <a:ln w="0">
+            <a:noFill/>
+          </a:ln>
+        </p:spPr>
+        <p:style>
+          <a:lnRef idx="0"/>
+          <a:fillRef idx="0"/>
+          <a:effectRef idx="0"/>
+          <a:fontRef idx="minor"/>
+        </p:style>
+        <p:txBody>
+          <a:bodyPr lIns="90000" rIns="90000" tIns="45000" bIns="45000" anchor="t">
+            <a:noAutofit/>
+          </a:bodyPr>
+          <a:p>
+            <a:pPr>
+              <a:lnSpc>
+                <a:spcPct val="100000"/>
+              </a:lnSpc>
+            </a:pPr>
+            <a:r>
+              <a:rPr b="0" lang="en-IN" sz="1490" spc="-1" strike="noStrike">
+                <a:latin typeface="Arial"/>
+              </a:rPr>
+              <a:t>The Process is reproducible for different datasets.</a:t>
+            </a:r>
+            <a:endParaRPr b="0" lang="en-IN" sz="1490" spc="-1" strike="noStrike">
+              <a:latin typeface="Arial"/>
+            </a:endParaRPr>
+          </a:p>
+        </p:txBody>
+      </p:sp>
+    </p:spTree>
+  </p:cSld>
+  <mc:AlternateContent>
+    <mc:Choice Requires="p14">
+      <p:transition spd="slow" p14:dur="2000"/>
+    </mc:Choice>
+    <mc:Fallback>
+      <p:transition spd="slow"/>
+    </mc:Fallback>
+  </mc:AlternateContent>
+</p:sld>
+</file>
+
+<file path=ppt/slides/slide22.xml><?xml version="1.0" encoding="utf-8"?>
+<p:sld xmlns:a="http://schemas.openxmlformats.org/drawingml/2006/main" xmlns:p="http://schemas.openxmlformats.org/presentationml/2006/main" xmlns:r="http://schemas.openxmlformats.org/officeDocument/2006/relationships" xmlns:p14="http://schemas.microsoft.com/office/powerpoint/2010/main" xmlns:p15="http://schemas.microsoft.com/office/powerpoint/2012/main" xmlns:mc="http://schemas.openxmlformats.org/markup-compatibility/2006">
+  <p:cSld>
+    <p:spTree>
+      <p:nvGrpSpPr>
+        <p:cNvPr id="1" name=""/>
+        <p:cNvGrpSpPr/>
+        <p:nvPr/>
+      </p:nvGrpSpPr>
+      <p:grpSpPr>
+        <a:xfrm>
+          <a:off x="0" y="0"/>
+          <a:ext cx="0" cy="0"/>
+          <a:chOff x="0" y="0"/>
+          <a:chExt cx="0" cy="0"/>
+        </a:xfrm>
+      </p:grpSpPr>
+      <p:pic>
+        <p:nvPicPr>
+          <p:cNvPr id="140" name="" descr=""/>
+          <p:cNvPicPr/>
+          <p:nvPr/>
+        </p:nvPicPr>
+        <p:blipFill>
+          <a:blip r:embed="rId1"/>
+          <a:stretch/>
+        </p:blipFill>
+        <p:spPr>
+          <a:xfrm>
+            <a:off x="935640" y="575640"/>
+            <a:ext cx="4473360" cy="2443680"/>
+          </a:xfrm>
+          <a:prstGeom prst="rect">
+            <a:avLst/>
+          </a:prstGeom>
+          <a:ln w="0">
+            <a:noFill/>
+          </a:ln>
+        </p:spPr>
+      </p:pic>
+      <p:pic>
+        <p:nvPicPr>
+          <p:cNvPr id="141" name="" descr=""/>
+          <p:cNvPicPr/>
+          <p:nvPr/>
+        </p:nvPicPr>
+        <p:blipFill>
+          <a:blip r:embed="rId2"/>
+          <a:srcRect l="23886" t="0" r="10503" b="0"/>
+          <a:stretch/>
+        </p:blipFill>
+        <p:spPr>
+          <a:xfrm>
+            <a:off x="2286000" y="1090440"/>
+            <a:ext cx="2934720" cy="2443680"/>
+          </a:xfrm>
+          <a:prstGeom prst="rect">
+            <a:avLst/>
+          </a:prstGeom>
+          <a:ln w="0">
+            <a:noFill/>
+          </a:ln>
+        </p:spPr>
+      </p:pic>
+      <p:sp>
+        <p:nvSpPr>
+          <p:cNvPr id="142" name="TextShape 1"/>
+          <p:cNvSpPr/>
+          <p:nvPr/>
+        </p:nvSpPr>
+        <p:spPr>
+          <a:xfrm>
+            <a:off x="1746000" y="4268160"/>
+            <a:ext cx="4417200" cy="930960"/>
+          </a:xfrm>
+          <a:prstGeom prst="rect">
+            <a:avLst/>
+          </a:prstGeom>
+          <a:noFill/>
+          <a:ln w="0">
+            <a:noFill/>
+          </a:ln>
+        </p:spPr>
+        <p:style>
+          <a:lnRef idx="0"/>
+          <a:fillRef idx="0"/>
+          <a:effectRef idx="0"/>
+          <a:fontRef idx="minor"/>
+        </p:style>
+        <p:txBody>
+          <a:bodyPr lIns="90000" rIns="90000" tIns="45000" bIns="45000" anchor="t">
+            <a:noAutofit/>
+          </a:bodyPr>
+          <a:p>
+            <a:pPr>
+              <a:lnSpc>
+                <a:spcPct val="100000"/>
+              </a:lnSpc>
+            </a:pPr>
+            <a:r>
+              <a:rPr b="0" lang="en-IN" sz="1490" spc="-1" strike="noStrike">
+                <a:latin typeface="Arial"/>
+              </a:rPr>
+              <a:t>Further:- </a:t>
+            </a:r>
+            <a:endParaRPr b="0" lang="en-IN" sz="1490" spc="-1" strike="noStrike">
+              <a:latin typeface="Arial"/>
+            </a:endParaRPr>
+          </a:p>
+          <a:p>
+            <a:pPr>
+              <a:lnSpc>
+                <a:spcPct val="100000"/>
+              </a:lnSpc>
+            </a:pPr>
+            <a:r>
+              <a:rPr b="0" lang="en-IN" sz="1490" spc="-1" strike="noStrike">
+                <a:latin typeface="Arial"/>
+              </a:rPr>
+              <a:t>	</a:t>
+            </a:r>
+            <a:r>
+              <a:rPr b="0" lang="en-IN" sz="1490" spc="-1" strike="noStrike">
+                <a:latin typeface="Arial"/>
+              </a:rPr>
+              <a:t>Tests on HCCI Datasets</a:t>
+            </a:r>
+            <a:endParaRPr b="0" lang="en-IN" sz="1490" spc="-1" strike="noStrike">
+              <a:latin typeface="Arial"/>
+            </a:endParaRPr>
+          </a:p>
+          <a:p>
+            <a:pPr>
+              <a:lnSpc>
+                <a:spcPct val="100000"/>
+              </a:lnSpc>
+            </a:pPr>
+            <a:r>
+              <a:rPr b="0" lang="en-IN" sz="1490" spc="-1" strike="noStrike">
+                <a:latin typeface="Arial"/>
+              </a:rPr>
+              <a:t>	</a:t>
+            </a:r>
+            <a:r>
+              <a:rPr b="0" lang="en-IN" sz="1490" spc="-1" strike="noStrike">
+                <a:latin typeface="Arial"/>
+              </a:rPr>
+              <a:t>Accuracy on Reconstructed Data</a:t>
+            </a:r>
+            <a:endParaRPr b="0" lang="en-IN" sz="1490" spc="-1" strike="noStrike">
+              <a:latin typeface="Arial"/>
+            </a:endParaRPr>
+          </a:p>
+          <a:p>
+            <a:pPr>
+              <a:lnSpc>
+                <a:spcPct val="100000"/>
+              </a:lnSpc>
+            </a:pPr>
+            <a:r>
+              <a:rPr b="0" lang="en-IN" sz="1490" spc="-1" strike="noStrike">
+                <a:latin typeface="Arial"/>
+              </a:rPr>
+              <a:t>	</a:t>
+            </a:r>
+            <a:r>
+              <a:rPr b="0" lang="en-IN" sz="1490" spc="-1" strike="noStrike">
+                <a:latin typeface="Arial"/>
+              </a:rPr>
+              <a:t>Accuracy on Chemical Computations</a:t>
+            </a:r>
+            <a:endParaRPr b="0" lang="en-IN" sz="1490" spc="-1" strike="noStrike">
+              <a:latin typeface="Arial"/>
+            </a:endParaRPr>
+          </a:p>
+        </p:txBody>
+      </p:sp>
+      <p:pic>
+        <p:nvPicPr>
+          <p:cNvPr id="143" name="" descr=""/>
+          <p:cNvPicPr/>
+          <p:nvPr/>
+        </p:nvPicPr>
+        <p:blipFill>
+          <a:blip r:embed="rId3"/>
+          <a:srcRect l="17966" t="0" r="7881" b="0"/>
+          <a:stretch/>
+        </p:blipFill>
+        <p:spPr>
+          <a:xfrm>
+            <a:off x="5573520" y="898200"/>
+            <a:ext cx="3315960" cy="2443320"/>
+          </a:xfrm>
+          <a:prstGeom prst="rect">
+            <a:avLst/>
+          </a:prstGeom>
+          <a:ln w="0">
             <a:noFill/>
           </a:ln>
         </p:spPr>
@@ -2975,7 +5877,7 @@
       </p:grpSpPr>
       <p:pic>
         <p:nvPicPr>
-          <p:cNvPr id="46" name="" descr=""/>
+          <p:cNvPr id="81" name="" descr=""/>
           <p:cNvPicPr/>
           <p:nvPr/>
         </p:nvPicPr>
@@ -2985,38 +5887,269 @@
         </p:blipFill>
         <p:spPr>
           <a:xfrm>
-            <a:off x="4469040" y="1137240"/>
-            <a:ext cx="4026960" cy="2894760"/>
-          </a:xfrm>
-          <a:prstGeom prst="rect">
-            <a:avLst/>
-          </a:prstGeom>
-          <a:ln>
+            <a:off x="4468680" y="1136880"/>
+            <a:ext cx="4026240" cy="2894040"/>
+          </a:xfrm>
+          <a:prstGeom prst="rect">
+            <a:avLst/>
+          </a:prstGeom>
+          <a:ln w="0">
             <a:noFill/>
           </a:ln>
         </p:spPr>
       </p:pic>
       <p:sp>
         <p:nvSpPr>
-          <p:cNvPr id="47" name="TextShape 1"/>
+          <p:cNvPr id="82" name="TextShape 4"/>
+          <p:cNvSpPr/>
+          <p:nvPr/>
+        </p:nvSpPr>
+        <p:spPr>
+          <a:xfrm>
+            <a:off x="4806720" y="4248000"/>
+            <a:ext cx="3399840" cy="300240"/>
+          </a:xfrm>
+          <a:prstGeom prst="rect">
+            <a:avLst/>
+          </a:prstGeom>
+          <a:noFill/>
+          <a:ln w="0">
+            <a:noFill/>
+          </a:ln>
+        </p:spPr>
+        <p:style>
+          <a:lnRef idx="0"/>
+          <a:fillRef idx="0"/>
+          <a:effectRef idx="0"/>
+          <a:fontRef idx="minor"/>
+        </p:style>
+        <p:txBody>
+          <a:bodyPr lIns="90000" rIns="90000" tIns="45000" bIns="45000" anchor="t">
+            <a:noAutofit/>
+          </a:bodyPr>
+          <a:p>
+            <a:pPr>
+              <a:lnSpc>
+                <a:spcPct val="100000"/>
+              </a:lnSpc>
+            </a:pPr>
+            <a:r>
+              <a:rPr b="0" lang="en-IN" sz="1490" spc="-1" strike="noStrike">
+                <a:latin typeface="Arial"/>
+              </a:rPr>
+              <a:t>Reduced Dataset= [625,1]  R^1</a:t>
+            </a:r>
+            <a:endParaRPr b="0" lang="en-IN" sz="1490" spc="-1" strike="noStrike">
+              <a:latin typeface="Arial"/>
+            </a:endParaRPr>
+          </a:p>
+        </p:txBody>
+      </p:sp>
+      <p:sp>
+        <p:nvSpPr>
+          <p:cNvPr id="83" name="TextShape 5"/>
+          <p:cNvSpPr/>
+          <p:nvPr/>
+        </p:nvSpPr>
+        <p:spPr>
+          <a:xfrm>
+            <a:off x="545400" y="1402200"/>
+            <a:ext cx="3233880" cy="1141200"/>
+          </a:xfrm>
+          <a:prstGeom prst="rect">
+            <a:avLst/>
+          </a:prstGeom>
+          <a:noFill/>
+          <a:ln w="0">
+            <a:noFill/>
+          </a:ln>
+        </p:spPr>
+        <p:style>
+          <a:lnRef idx="0"/>
+          <a:fillRef idx="0"/>
+          <a:effectRef idx="0"/>
+          <a:fontRef idx="minor"/>
+        </p:style>
+        <p:txBody>
+          <a:bodyPr lIns="90000" rIns="90000" tIns="45000" bIns="45000" anchor="t">
+            <a:noAutofit/>
+          </a:bodyPr>
+          <a:p>
+            <a:pPr>
+              <a:lnSpc>
+                <a:spcPct val="100000"/>
+              </a:lnSpc>
+            </a:pPr>
+            <a:endParaRPr b="0" lang="en-IN" sz="1800" spc="-1" strike="noStrike">
+              <a:latin typeface="Arial"/>
+            </a:endParaRPr>
+          </a:p>
+          <a:p>
+            <a:pPr>
+              <a:lnSpc>
+                <a:spcPct val="100000"/>
+              </a:lnSpc>
+            </a:pPr>
+            <a:r>
+              <a:rPr b="0" lang="en-IN" sz="1490" spc="-1" strike="noStrike">
+                <a:latin typeface="Arial"/>
+              </a:rPr>
+              <a:t>	</a:t>
+            </a:r>
+            <a:r>
+              <a:rPr b="0" lang="en-IN" sz="1490" spc="-1" strike="noStrike">
+                <a:latin typeface="Arial"/>
+              </a:rPr>
+              <a:t>Using Direction -1</a:t>
+            </a:r>
+            <a:endParaRPr b="0" lang="en-IN" sz="1490" spc="-1" strike="noStrike">
+              <a:latin typeface="Arial"/>
+            </a:endParaRPr>
+          </a:p>
+          <a:p>
+            <a:pPr>
+              <a:lnSpc>
+                <a:spcPct val="100000"/>
+              </a:lnSpc>
+            </a:pPr>
+            <a:endParaRPr b="0" lang="en-IN" sz="1490" spc="-1" strike="noStrike">
+              <a:latin typeface="Arial"/>
+            </a:endParaRPr>
+          </a:p>
+          <a:p>
+            <a:pPr>
+              <a:lnSpc>
+                <a:spcPct val="100000"/>
+              </a:lnSpc>
+            </a:pPr>
+            <a:r>
+              <a:rPr b="0" lang="en-IN" sz="1490" spc="-1" strike="noStrike">
+                <a:latin typeface="Arial"/>
+              </a:rPr>
+              <a:t>Direction of maximum Variance</a:t>
+            </a:r>
+            <a:endParaRPr b="0" lang="en-IN" sz="1490" spc="-1" strike="noStrike">
+              <a:latin typeface="Arial"/>
+            </a:endParaRPr>
+          </a:p>
+          <a:p>
+            <a:pPr>
+              <a:lnSpc>
+                <a:spcPct val="100000"/>
+              </a:lnSpc>
+            </a:pPr>
+            <a:r>
+              <a:rPr b="0" lang="en-IN" sz="1490" spc="-1" strike="noStrike">
+                <a:latin typeface="Arial"/>
+              </a:rPr>
+              <a:t>Eigen vector of </a:t>
+            </a:r>
+            <a:endParaRPr b="0" lang="en-IN" sz="1490" spc="-1" strike="noStrike">
+              <a:latin typeface="Arial"/>
+            </a:endParaRPr>
+          </a:p>
+          <a:p>
+            <a:pPr>
+              <a:lnSpc>
+                <a:spcPct val="100000"/>
+              </a:lnSpc>
+            </a:pPr>
+            <a:r>
+              <a:rPr b="0" lang="en-IN" sz="1490" spc="-1" strike="noStrike">
+                <a:latin typeface="Arial"/>
+              </a:rPr>
+              <a:t>Co-variance matrix</a:t>
+            </a:r>
+            <a:endParaRPr b="0" lang="en-IN" sz="1490" spc="-1" strike="noStrike">
+              <a:latin typeface="Arial"/>
+            </a:endParaRPr>
+          </a:p>
+        </p:txBody>
+      </p:sp>
+      <p:sp>
+        <p:nvSpPr>
+          <p:cNvPr id="84" name="TextShape 6"/>
+          <p:cNvSpPr/>
+          <p:nvPr/>
+        </p:nvSpPr>
+        <p:spPr>
+          <a:xfrm>
+            <a:off x="799920" y="3699360"/>
+            <a:ext cx="2490120" cy="510480"/>
+          </a:xfrm>
+          <a:prstGeom prst="rect">
+            <a:avLst/>
+          </a:prstGeom>
+          <a:noFill/>
+          <a:ln w="0">
+            <a:noFill/>
+          </a:ln>
+        </p:spPr>
+        <p:style>
+          <a:lnRef idx="0"/>
+          <a:fillRef idx="0"/>
+          <a:effectRef idx="0"/>
+          <a:fontRef idx="minor"/>
+        </p:style>
+        <p:txBody>
+          <a:bodyPr lIns="90000" rIns="90000" tIns="45000" bIns="45000" anchor="t">
+            <a:noAutofit/>
+          </a:bodyPr>
+          <a:p>
+            <a:pPr>
+              <a:lnSpc>
+                <a:spcPct val="100000"/>
+              </a:lnSpc>
+            </a:pPr>
+            <a:r>
+              <a:rPr b="0" lang="en-IN" sz="1490" spc="-1" strike="noStrike">
+                <a:latin typeface="Arial"/>
+              </a:rPr>
+              <a:t>Green segments show</a:t>
+            </a:r>
+            <a:endParaRPr b="0" lang="en-IN" sz="1490" spc="-1" strike="noStrike">
+              <a:latin typeface="Arial"/>
+            </a:endParaRPr>
+          </a:p>
+          <a:p>
+            <a:pPr>
+              <a:lnSpc>
+                <a:spcPct val="100000"/>
+              </a:lnSpc>
+            </a:pPr>
+            <a:r>
+              <a:rPr b="0" lang="en-IN" sz="1490" spc="-1" strike="noStrike">
+                <a:latin typeface="Arial"/>
+              </a:rPr>
+              <a:t>Reconstruction Error</a:t>
+            </a:r>
+            <a:endParaRPr b="0" lang="en-IN" sz="1490" spc="-1" strike="noStrike">
+              <a:latin typeface="Arial"/>
+            </a:endParaRPr>
+          </a:p>
+        </p:txBody>
+      </p:sp>
+      <p:sp>
+        <p:nvSpPr>
+          <p:cNvPr id="85" name=""/>
           <p:cNvSpPr txBox="1"/>
           <p:nvPr/>
         </p:nvSpPr>
         <p:spPr>
           <a:xfrm>
-            <a:off x="4807080" y="4248720"/>
-            <a:ext cx="3400560" cy="300600"/>
-          </a:xfrm>
-          <a:prstGeom prst="rect">
-            <a:avLst/>
-          </a:prstGeom>
-          <a:noFill/>
-          <a:ln>
-            <a:noFill/>
-          </a:ln>
-        </p:spPr>
-        <p:txBody>
-          <a:bodyPr lIns="90000" rIns="90000" tIns="45000" bIns="45000">
+            <a:off x="564120" y="419040"/>
+            <a:ext cx="5375880" cy="300960"/>
+          </a:xfrm>
+          <a:prstGeom prst="rect">
+            <a:avLst/>
+          </a:prstGeom>
+          <a:noFill/>
+          <a:ln w="0">
+            <a:noFill/>
+          </a:ln>
+        </p:spPr>
+        <p:txBody>
+          <a:bodyPr lIns="90000" rIns="90000" tIns="45000" bIns="45000" anchor="t">
             <a:noAutofit/>
           </a:bodyPr>
           <a:p>
@@ -3024,146 +6157,7 @@
               <a:rPr b="0" lang="en-IN" sz="1490" spc="-1" strike="noStrike">
                 <a:latin typeface="Arial"/>
               </a:rPr>
-              <a:t>Reduced Dataset= [625,1]  R^1</a:t>
-            </a:r>
-            <a:endParaRPr b="0" lang="en-IN" sz="1490" spc="-1" strike="noStrike">
-              <a:latin typeface="Arial"/>
-            </a:endParaRPr>
-          </a:p>
-        </p:txBody>
-      </p:sp>
-      <p:sp>
-        <p:nvSpPr>
-          <p:cNvPr id="48" name="TextShape 2"/>
-          <p:cNvSpPr txBox="1"/>
-          <p:nvPr/>
-        </p:nvSpPr>
-        <p:spPr>
-          <a:xfrm>
-            <a:off x="545760" y="1402560"/>
-            <a:ext cx="3234600" cy="1141560"/>
-          </a:xfrm>
-          <a:prstGeom prst="rect">
-            <a:avLst/>
-          </a:prstGeom>
-          <a:noFill/>
-          <a:ln>
-            <a:noFill/>
-          </a:ln>
-        </p:spPr>
-        <p:txBody>
-          <a:bodyPr lIns="90000" rIns="90000" tIns="45000" bIns="45000">
-            <a:noAutofit/>
-          </a:bodyPr>
-          <a:p>
-            <a:r>
-              <a:rPr b="0" lang="en-IN" sz="1490" spc="-1" strike="noStrike">
-                <a:latin typeface="Arial"/>
-              </a:rPr>
-              <a:t>Dimensionality Reduction</a:t>
-            </a:r>
-            <a:endParaRPr b="0" lang="en-IN" sz="1490" spc="-1" strike="noStrike">
-              <a:latin typeface="Arial"/>
-            </a:endParaRPr>
-          </a:p>
-          <a:p>
-            <a:r>
-              <a:rPr b="0" lang="en-IN" sz="1490" spc="-1" strike="noStrike">
-                <a:latin typeface="Arial"/>
-              </a:rPr>
-              <a:t>	</a:t>
-            </a:r>
-            <a:r>
-              <a:rPr b="0" lang="en-IN" sz="1490" spc="-1" strike="noStrike">
-                <a:latin typeface="Arial"/>
-              </a:rPr>
-              <a:t>Using Direction -1</a:t>
-            </a:r>
-            <a:endParaRPr b="0" lang="en-IN" sz="1490" spc="-1" strike="noStrike">
-              <a:latin typeface="Arial"/>
-            </a:endParaRPr>
-          </a:p>
-          <a:p>
-            <a:endParaRPr b="0" lang="en-IN" sz="1490" spc="-1" strike="noStrike">
-              <a:latin typeface="Arial"/>
-            </a:endParaRPr>
-          </a:p>
-          <a:p>
-            <a:r>
-              <a:rPr b="0" lang="en-IN" sz="1490" spc="-1" strike="noStrike">
-                <a:latin typeface="Arial"/>
-              </a:rPr>
-              <a:t>	</a:t>
-            </a:r>
-            <a:r>
-              <a:rPr b="0" lang="en-IN" sz="1490" spc="-1" strike="noStrike">
-                <a:latin typeface="Arial"/>
-              </a:rPr>
-              <a:t>Maximum Variance</a:t>
-            </a:r>
-            <a:endParaRPr b="0" lang="en-IN" sz="1490" spc="-1" strike="noStrike">
-              <a:latin typeface="Arial"/>
-            </a:endParaRPr>
-          </a:p>
-          <a:p>
-            <a:r>
-              <a:rPr b="0" lang="en-IN" sz="1490" spc="-1" strike="noStrike">
-                <a:latin typeface="Arial"/>
-              </a:rPr>
-              <a:t>	</a:t>
-            </a:r>
-            <a:r>
-              <a:rPr b="0" lang="en-IN" sz="1490" spc="-1" strike="noStrike">
-                <a:latin typeface="Arial"/>
-              </a:rPr>
-              <a:t>Eigen vec of Co-Variance</a:t>
-            </a:r>
-            <a:endParaRPr b="0" lang="en-IN" sz="1490" spc="-1" strike="noStrike">
-              <a:latin typeface="Arial"/>
-            </a:endParaRPr>
-          </a:p>
-        </p:txBody>
-      </p:sp>
-      <p:sp>
-        <p:nvSpPr>
-          <p:cNvPr id="49" name="TextShape 3"/>
-          <p:cNvSpPr txBox="1"/>
-          <p:nvPr/>
-        </p:nvSpPr>
-        <p:spPr>
-          <a:xfrm>
-            <a:off x="800280" y="3700080"/>
-            <a:ext cx="2490480" cy="510840"/>
-          </a:xfrm>
-          <a:prstGeom prst="rect">
-            <a:avLst/>
-          </a:prstGeom>
-          <a:noFill/>
-          <a:ln>
-            <a:noFill/>
-          </a:ln>
-        </p:spPr>
-        <p:txBody>
-          <a:bodyPr lIns="90000" rIns="90000" tIns="45000" bIns="45000">
-            <a:noAutofit/>
-          </a:bodyPr>
-          <a:p>
-            <a:r>
-              <a:rPr b="0" lang="en-IN" sz="1490" spc="-1" strike="noStrike">
-                <a:latin typeface="Arial"/>
-              </a:rPr>
-              <a:t>Green segments show</a:t>
-            </a:r>
-            <a:endParaRPr b="0" lang="en-IN" sz="1490" spc="-1" strike="noStrike">
-              <a:latin typeface="Arial"/>
-            </a:endParaRPr>
-          </a:p>
-          <a:p>
-            <a:r>
-              <a:rPr b="0" lang="en-IN" sz="1490" spc="-1" strike="noStrike">
-                <a:latin typeface="Arial"/>
-              </a:rPr>
-              <a:t>Reconstruction Error</a:t>
+              <a:t>Dimensionality Reduction – 2D Gaussian</a:t>
             </a:r>
             <a:endParaRPr b="0" lang="en-IN" sz="1490" spc="-1" strike="noStrike">
               <a:latin typeface="Arial"/>
@@ -3203,7 +6197,7 @@
       </p:grpSpPr>
       <p:pic>
         <p:nvPicPr>
-          <p:cNvPr id="50" name="" descr=""/>
+          <p:cNvPr id="86" name="" descr=""/>
           <p:cNvPicPr/>
           <p:nvPr/>
         </p:nvPicPr>
@@ -3213,38 +6207,190 @@
         </p:blipFill>
         <p:spPr>
           <a:xfrm>
-            <a:off x="4248000" y="954000"/>
-            <a:ext cx="4176000" cy="3078000"/>
-          </a:xfrm>
-          <a:prstGeom prst="rect">
-            <a:avLst/>
-          </a:prstGeom>
-          <a:ln>
+            <a:off x="4247640" y="953640"/>
+            <a:ext cx="4175280" cy="3077280"/>
+          </a:xfrm>
+          <a:prstGeom prst="rect">
+            <a:avLst/>
+          </a:prstGeom>
+          <a:ln w="0">
             <a:noFill/>
           </a:ln>
         </p:spPr>
       </p:pic>
       <p:sp>
         <p:nvSpPr>
-          <p:cNvPr id="51" name="TextShape 1"/>
+          <p:cNvPr id="87" name="TextShape 1"/>
+          <p:cNvSpPr/>
+          <p:nvPr/>
+        </p:nvSpPr>
+        <p:spPr>
+          <a:xfrm>
+            <a:off x="4807080" y="4248000"/>
+            <a:ext cx="3399840" cy="300240"/>
+          </a:xfrm>
+          <a:prstGeom prst="rect">
+            <a:avLst/>
+          </a:prstGeom>
+          <a:noFill/>
+          <a:ln w="0">
+            <a:noFill/>
+          </a:ln>
+        </p:spPr>
+        <p:style>
+          <a:lnRef idx="0"/>
+          <a:fillRef idx="0"/>
+          <a:effectRef idx="0"/>
+          <a:fontRef idx="minor"/>
+        </p:style>
+        <p:txBody>
+          <a:bodyPr lIns="90000" rIns="90000" tIns="45000" bIns="45000" anchor="t">
+            <a:noAutofit/>
+          </a:bodyPr>
+          <a:p>
+            <a:pPr>
+              <a:lnSpc>
+                <a:spcPct val="100000"/>
+              </a:lnSpc>
+            </a:pPr>
+            <a:r>
+              <a:rPr b="0" lang="en-IN" sz="1490" spc="-1" strike="noStrike">
+                <a:latin typeface="Arial"/>
+              </a:rPr>
+              <a:t>Reduced Dataset= [625,1]  R^1</a:t>
+            </a:r>
+            <a:endParaRPr b="0" lang="en-IN" sz="1490" spc="-1" strike="noStrike">
+              <a:latin typeface="Arial"/>
+            </a:endParaRPr>
+          </a:p>
+        </p:txBody>
+      </p:sp>
+      <p:sp>
+        <p:nvSpPr>
+          <p:cNvPr id="88" name="TextShape 2"/>
+          <p:cNvSpPr/>
+          <p:nvPr/>
+        </p:nvSpPr>
+        <p:spPr>
+          <a:xfrm>
+            <a:off x="545400" y="1402200"/>
+            <a:ext cx="2781000" cy="1351440"/>
+          </a:xfrm>
+          <a:prstGeom prst="rect">
+            <a:avLst/>
+          </a:prstGeom>
+          <a:noFill/>
+          <a:ln w="0">
+            <a:noFill/>
+          </a:ln>
+        </p:spPr>
+        <p:style>
+          <a:lnRef idx="0"/>
+          <a:fillRef idx="0"/>
+          <a:effectRef idx="0"/>
+          <a:fontRef idx="minor"/>
+        </p:style>
+        <p:txBody>
+          <a:bodyPr lIns="90000" rIns="90000" tIns="45000" bIns="45000" anchor="t">
+            <a:noAutofit/>
+          </a:bodyPr>
+          <a:p>
+            <a:pPr>
+              <a:lnSpc>
+                <a:spcPct val="100000"/>
+              </a:lnSpc>
+            </a:pPr>
+            <a:endParaRPr b="0" lang="en-IN" sz="1800" spc="-1" strike="noStrike">
+              <a:latin typeface="Arial"/>
+            </a:endParaRPr>
+          </a:p>
+          <a:p>
+            <a:pPr>
+              <a:lnSpc>
+                <a:spcPct val="100000"/>
+              </a:lnSpc>
+            </a:pPr>
+            <a:r>
+              <a:rPr b="0" lang="en-IN" sz="1490" spc="-1" strike="noStrike">
+                <a:latin typeface="Arial"/>
+              </a:rPr>
+              <a:t>	</a:t>
+            </a:r>
+            <a:r>
+              <a:rPr b="0" lang="en-IN" sz="1490" spc="-1" strike="noStrike">
+                <a:latin typeface="Arial"/>
+              </a:rPr>
+              <a:t>using Direction-2</a:t>
+            </a:r>
+            <a:endParaRPr b="0" lang="en-IN" sz="1490" spc="-1" strike="noStrike">
+              <a:latin typeface="Arial"/>
+            </a:endParaRPr>
+          </a:p>
+          <a:p>
+            <a:pPr>
+              <a:lnSpc>
+                <a:spcPct val="100000"/>
+              </a:lnSpc>
+            </a:pPr>
+            <a:endParaRPr b="0" lang="en-IN" sz="1490" spc="-1" strike="noStrike">
+              <a:latin typeface="Arial"/>
+            </a:endParaRPr>
+          </a:p>
+          <a:p>
+            <a:pPr>
+              <a:lnSpc>
+                <a:spcPct val="100000"/>
+              </a:lnSpc>
+            </a:pPr>
+            <a:r>
+              <a:rPr b="0" lang="en-IN" sz="1490" spc="-1" strike="noStrike">
+                <a:latin typeface="Arial"/>
+              </a:rPr>
+              <a:t>Singular vectors of co-kurtosis</a:t>
+            </a:r>
+            <a:endParaRPr b="0" lang="en-IN" sz="1490" spc="-1" strike="noStrike">
+              <a:latin typeface="Arial"/>
+            </a:endParaRPr>
+          </a:p>
+          <a:p>
+            <a:pPr>
+              <a:lnSpc>
+                <a:spcPct val="100000"/>
+              </a:lnSpc>
+            </a:pPr>
+            <a:r>
+              <a:rPr b="0" lang="en-IN" sz="1490" spc="-1" strike="noStrike">
+                <a:latin typeface="Arial"/>
+              </a:rPr>
+              <a:t>Cumulant tensor of fourth order moment</a:t>
+            </a:r>
+            <a:endParaRPr b="0" lang="en-IN" sz="1490" spc="-1" strike="noStrike">
+              <a:latin typeface="Arial"/>
+            </a:endParaRPr>
+          </a:p>
+        </p:txBody>
+      </p:sp>
+      <p:sp>
+        <p:nvSpPr>
+          <p:cNvPr id="89" name=""/>
           <p:cNvSpPr txBox="1"/>
           <p:nvPr/>
         </p:nvSpPr>
         <p:spPr>
           <a:xfrm>
-            <a:off x="4807440" y="4248720"/>
-            <a:ext cx="3400560" cy="300600"/>
-          </a:xfrm>
-          <a:prstGeom prst="rect">
-            <a:avLst/>
-          </a:prstGeom>
-          <a:noFill/>
-          <a:ln>
-            <a:noFill/>
-          </a:ln>
-        </p:spPr>
-        <p:txBody>
-          <a:bodyPr lIns="90000" rIns="90000" tIns="45000" bIns="45000">
+            <a:off x="564480" y="419040"/>
+            <a:ext cx="5375880" cy="300960"/>
+          </a:xfrm>
+          <a:prstGeom prst="rect">
+            <a:avLst/>
+          </a:prstGeom>
+          <a:noFill/>
+          <a:ln w="0">
+            <a:noFill/>
+          </a:ln>
+        </p:spPr>
+        <p:txBody>
+          <a:bodyPr lIns="90000" rIns="90000" tIns="45000" bIns="45000" anchor="t">
             <a:noAutofit/>
           </a:bodyPr>
           <a:p>
@@ -3252,35 +6398,35 @@
               <a:rPr b="0" lang="en-IN" sz="1490" spc="-1" strike="noStrike">
                 <a:latin typeface="Arial"/>
               </a:rPr>
-              <a:t>Reduced Dataset= [625,1]  R^1</a:t>
-            </a:r>
-            <a:endParaRPr b="0" lang="en-IN" sz="1490" spc="-1" strike="noStrike">
-              <a:latin typeface="Arial"/>
-            </a:endParaRPr>
-          </a:p>
-        </p:txBody>
-      </p:sp>
-      <p:sp>
-        <p:nvSpPr>
-          <p:cNvPr id="52" name="TextShape 2"/>
+              <a:t>Dimensionality Reduction – 2D Gaussian</a:t>
+            </a:r>
+            <a:endParaRPr b="0" lang="en-IN" sz="1490" spc="-1" strike="noStrike">
+              <a:latin typeface="Arial"/>
+            </a:endParaRPr>
+          </a:p>
+        </p:txBody>
+      </p:sp>
+      <p:sp>
+        <p:nvSpPr>
+          <p:cNvPr id="90" name=""/>
           <p:cNvSpPr txBox="1"/>
           <p:nvPr/>
         </p:nvSpPr>
         <p:spPr>
           <a:xfrm>
-            <a:off x="545760" y="1402560"/>
-            <a:ext cx="2781720" cy="1351800"/>
-          </a:xfrm>
-          <a:prstGeom prst="rect">
-            <a:avLst/>
-          </a:prstGeom>
-          <a:noFill/>
-          <a:ln>
-            <a:noFill/>
-          </a:ln>
-        </p:spPr>
-        <p:txBody>
-          <a:bodyPr lIns="90000" rIns="90000" tIns="45000" bIns="45000">
+            <a:off x="991080" y="3960000"/>
+            <a:ext cx="2068920" cy="721080"/>
+          </a:xfrm>
+          <a:prstGeom prst="rect">
+            <a:avLst/>
+          </a:prstGeom>
+          <a:noFill/>
+          <a:ln w="0">
+            <a:noFill/>
+          </a:ln>
+        </p:spPr>
+        <p:txBody>
+          <a:bodyPr lIns="90000" rIns="90000" tIns="45000" bIns="45000" anchor="t">
             <a:noAutofit/>
           </a:bodyPr>
           <a:p>
@@ -3288,80 +6434,7 @@
               <a:rPr b="0" lang="en-IN" sz="1490" spc="-1" strike="noStrike">
                 <a:latin typeface="Arial"/>
               </a:rPr>
-              <a:t>Dimensionality Reduction</a:t>
-            </a:r>
-            <a:endParaRPr b="0" lang="en-IN" sz="1490" spc="-1" strike="noStrike">
-              <a:latin typeface="Arial"/>
-            </a:endParaRPr>
-          </a:p>
-          <a:p>
-            <a:r>
-              <a:rPr b="0" lang="en-IN" sz="1490" spc="-1" strike="noStrike">
-                <a:latin typeface="Arial"/>
-              </a:rPr>
-              <a:t>	</a:t>
-            </a:r>
-            <a:r>
-              <a:rPr b="0" lang="en-IN" sz="1490" spc="-1" strike="noStrike">
-                <a:latin typeface="Arial"/>
-              </a:rPr>
-              <a:t>using Direction-2</a:t>
-            </a:r>
-            <a:endParaRPr b="0" lang="en-IN" sz="1490" spc="-1" strike="noStrike">
-              <a:latin typeface="Arial"/>
-            </a:endParaRPr>
-          </a:p>
-          <a:p>
-            <a:endParaRPr b="0" lang="en-IN" sz="1490" spc="-1" strike="noStrike">
-              <a:latin typeface="Arial"/>
-            </a:endParaRPr>
-          </a:p>
-          <a:p>
-            <a:r>
-              <a:rPr b="0" lang="en-IN" sz="1490" spc="-1" strike="noStrike">
-                <a:latin typeface="Arial"/>
-              </a:rPr>
-              <a:t>	</a:t>
-            </a:r>
-            <a:r>
-              <a:rPr b="0" lang="en-IN" sz="1490" spc="-1" strike="noStrike">
-                <a:latin typeface="Arial"/>
-              </a:rPr>
-              <a:t>co-Kurtosis</a:t>
-            </a:r>
-            <a:endParaRPr b="0" lang="en-IN" sz="1490" spc="-1" strike="noStrike">
-              <a:latin typeface="Arial"/>
-            </a:endParaRPr>
-          </a:p>
-          <a:p>
-            <a:r>
-              <a:rPr b="0" lang="en-IN" sz="1490" spc="-1" strike="noStrike">
-                <a:latin typeface="Arial"/>
-              </a:rPr>
-              <a:t>	</a:t>
-            </a:r>
-            <a:r>
-              <a:rPr b="0" lang="en-IN" sz="1490" spc="-1" strike="noStrike">
-                <a:latin typeface="Arial"/>
-              </a:rPr>
-              <a:t>Comulant tensor of </a:t>
-            </a:r>
-            <a:endParaRPr b="0" lang="en-IN" sz="1490" spc="-1" strike="noStrike">
-              <a:latin typeface="Arial"/>
-            </a:endParaRPr>
-          </a:p>
-          <a:p>
-            <a:r>
-              <a:rPr b="0" lang="en-IN" sz="1490" spc="-1" strike="noStrike">
-                <a:latin typeface="Arial"/>
-              </a:rPr>
-              <a:t>	</a:t>
-            </a:r>
-            <a:r>
-              <a:rPr b="0" lang="en-IN" sz="1490" spc="-1" strike="noStrike">
-                <a:latin typeface="Arial"/>
-              </a:rPr>
-              <a:t>Fourth Moment</a:t>
+              <a:t>Notice shorter error segments for outlier cluster</a:t>
             </a:r>
             <a:endParaRPr b="0" lang="en-IN" sz="1490" spc="-1" strike="noStrike">
               <a:latin typeface="Arial"/>
@@ -3401,100 +6474,149 @@
       </p:grpSpPr>
       <p:sp>
         <p:nvSpPr>
-          <p:cNvPr id="53" name="TextShape 1"/>
-          <p:cNvSpPr txBox="1"/>
+          <p:cNvPr id="91" name="TextShape 1"/>
+          <p:cNvSpPr/>
           <p:nvPr/>
         </p:nvSpPr>
         <p:spPr>
           <a:xfrm>
-            <a:off x="654840" y="1342800"/>
-            <a:ext cx="2529000" cy="1351800"/>
-          </a:xfrm>
-          <a:prstGeom prst="rect">
-            <a:avLst/>
-          </a:prstGeom>
-          <a:noFill/>
-          <a:ln>
-            <a:noFill/>
-          </a:ln>
-        </p:spPr>
-        <p:txBody>
-          <a:bodyPr lIns="90000" rIns="90000" tIns="45000" bIns="45000">
+            <a:off x="654480" y="1342440"/>
+            <a:ext cx="2945520" cy="1351440"/>
+          </a:xfrm>
+          <a:prstGeom prst="rect">
+            <a:avLst/>
+          </a:prstGeom>
+          <a:noFill/>
+          <a:ln w="0">
+            <a:noFill/>
+          </a:ln>
+        </p:spPr>
+        <p:style>
+          <a:lnRef idx="0"/>
+          <a:fillRef idx="0"/>
+          <a:effectRef idx="0"/>
+          <a:fontRef idx="minor"/>
+        </p:style>
+        <p:txBody>
+          <a:bodyPr lIns="90000" rIns="90000" tIns="45000" bIns="45000" anchor="t">
             <a:noAutofit/>
           </a:bodyPr>
           <a:p>
+            <a:pPr>
+              <a:lnSpc>
+                <a:spcPct val="100000"/>
+              </a:lnSpc>
+            </a:pPr>
             <a:r>
               <a:rPr b="0" lang="en-IN" sz="1490" spc="-1" strike="noStrike">
                 <a:latin typeface="Arial"/>
               </a:rPr>
-              <a:t>- Priciple Vectors for</a:t>
-            </a:r>
-            <a:endParaRPr b="0" lang="en-IN" sz="1490" spc="-1" strike="noStrike">
-              <a:latin typeface="Arial"/>
-            </a:endParaRPr>
-          </a:p>
-          <a:p>
+              <a:t>- Two possible directions are principle Vectors for</a:t>
+            </a:r>
+            <a:endParaRPr b="0" lang="en-IN" sz="1490" spc="-1" strike="noStrike">
+              <a:latin typeface="Arial"/>
+            </a:endParaRPr>
+          </a:p>
+          <a:p>
+            <a:pPr marL="216000" indent="-216000">
+              <a:lnSpc>
+                <a:spcPct val="100000"/>
+              </a:lnSpc>
+              <a:buClr>
+                <a:srgbClr val="000000"/>
+              </a:buClr>
+              <a:buFont typeface="Wingdings" charset="2"/>
+              <a:buChar char=""/>
+            </a:pPr>
             <a:r>
               <a:rPr b="0" lang="en-IN" sz="1490" spc="-1" strike="noStrike">
                 <a:latin typeface="Arial"/>
               </a:rPr>
-              <a:t>	</a:t>
-            </a:r>
+              <a:t>Second Moment</a:t>
+            </a:r>
+            <a:endParaRPr b="0" lang="en-IN" sz="1490" spc="-1" strike="noStrike">
+              <a:latin typeface="Arial"/>
+            </a:endParaRPr>
+          </a:p>
+          <a:p>
+            <a:pPr marL="216000" indent="-216000">
+              <a:lnSpc>
+                <a:spcPct val="100000"/>
+              </a:lnSpc>
+              <a:buClr>
+                <a:srgbClr val="000000"/>
+              </a:buClr>
+              <a:buFont typeface="Wingdings" charset="2"/>
+              <a:buChar char=""/>
+            </a:pPr>
             <a:r>
               <a:rPr b="0" lang="en-IN" sz="1490" spc="-1" strike="noStrike">
                 <a:latin typeface="Arial"/>
               </a:rPr>
-              <a:t>Second Moment</a:t>
-            </a:r>
-            <a:endParaRPr b="0" lang="en-IN" sz="1490" spc="-1" strike="noStrike">
-              <a:latin typeface="Arial"/>
-            </a:endParaRPr>
-          </a:p>
-          <a:p>
+              <a:t>Fourth Moment</a:t>
+            </a:r>
+            <a:endParaRPr b="0" lang="en-IN" sz="1490" spc="-1" strike="noStrike">
+              <a:latin typeface="Arial"/>
+            </a:endParaRPr>
+          </a:p>
+          <a:p>
+            <a:pPr marL="216000" indent="-216000">
+              <a:lnSpc>
+                <a:spcPct val="100000"/>
+              </a:lnSpc>
+              <a:buClr>
+                <a:srgbClr val="000000"/>
+              </a:buClr>
+              <a:buFont typeface="Wingdings" charset="2"/>
+              <a:buChar char=""/>
+            </a:pPr>
+            <a:endParaRPr b="0" lang="en-IN" sz="1490" spc="-1" strike="noStrike">
+              <a:latin typeface="Arial"/>
+            </a:endParaRPr>
+          </a:p>
+          <a:p>
+            <a:pPr>
+              <a:lnSpc>
+                <a:spcPct val="100000"/>
+              </a:lnSpc>
+            </a:pPr>
             <a:r>
               <a:rPr b="0" lang="en-IN" sz="1490" spc="-1" strike="noStrike">
                 <a:latin typeface="Arial"/>
               </a:rPr>
-              <a:t>	</a:t>
-            </a:r>
+              <a:t>- Choose optimal direction for</a:t>
+            </a:r>
+            <a:endParaRPr b="0" lang="en-IN" sz="1490" spc="-1" strike="noStrike">
+              <a:latin typeface="Arial"/>
+            </a:endParaRPr>
+          </a:p>
+          <a:p>
+            <a:pPr>
+              <a:lnSpc>
+                <a:spcPct val="100000"/>
+              </a:lnSpc>
+            </a:pPr>
             <a:r>
               <a:rPr b="0" lang="en-IN" sz="1490" spc="-1" strike="noStrike">
                 <a:latin typeface="Arial"/>
               </a:rPr>
-              <a:t>Fourth Moment</a:t>
-            </a:r>
-            <a:endParaRPr b="0" lang="en-IN" sz="1490" spc="-1" strike="noStrike">
-              <a:latin typeface="Arial"/>
-            </a:endParaRPr>
-          </a:p>
-          <a:p>
-            <a:endParaRPr b="0" lang="en-IN" sz="1490" spc="-1" strike="noStrike">
-              <a:latin typeface="Arial"/>
-            </a:endParaRPr>
-          </a:p>
-          <a:p>
+              <a:t>Anomalous cluster</a:t>
+            </a:r>
+            <a:endParaRPr b="0" lang="en-IN" sz="1490" spc="-1" strike="noStrike">
+              <a:latin typeface="Arial"/>
+            </a:endParaRPr>
+          </a:p>
+          <a:p>
+            <a:pPr>
+              <a:lnSpc>
+                <a:spcPct val="100000"/>
+              </a:lnSpc>
+            </a:pPr>
             <a:r>
               <a:rPr b="0" lang="en-IN" sz="1490" spc="-1" strike="noStrike">
                 <a:latin typeface="Arial"/>
               </a:rPr>
-              <a:t>- Optimal Direction </a:t>
-            </a:r>
-            <a:endParaRPr b="0" lang="en-IN" sz="1490" spc="-1" strike="noStrike">
-              <a:latin typeface="Arial"/>
-            </a:endParaRPr>
-          </a:p>
-          <a:p>
-            <a:r>
-              <a:rPr b="0" lang="en-IN" sz="1490" spc="-1" strike="noStrike">
-                <a:latin typeface="Arial"/>
-              </a:rPr>
-              <a:t> </a:t>
-            </a:r>
-            <a:r>
-              <a:rPr b="0" lang="en-IN" sz="1490" spc="-1" strike="noStrike">
-                <a:latin typeface="Arial"/>
-              </a:rPr>
-              <a:t>For anomalous cluster</a:t>
+              <a:t>Majority cluster</a:t>
             </a:r>
             <a:endParaRPr b="0" lang="en-IN" sz="1490" spc="-1" strike="noStrike">
               <a:latin typeface="Arial"/>
@@ -3504,7 +6626,7 @@
       </p:sp>
       <p:pic>
         <p:nvPicPr>
-          <p:cNvPr id="54" name="" descr=""/>
+          <p:cNvPr id="92" name="" descr=""/>
           <p:cNvPicPr/>
           <p:nvPr/>
         </p:nvPicPr>
@@ -3514,17 +6636,53 @@
         </p:blipFill>
         <p:spPr>
           <a:xfrm>
-            <a:off x="4103280" y="864000"/>
-            <a:ext cx="4176720" cy="3312000"/>
-          </a:xfrm>
-          <a:prstGeom prst="rect">
-            <a:avLst/>
-          </a:prstGeom>
-          <a:ln>
+            <a:off x="4102920" y="863640"/>
+            <a:ext cx="4176000" cy="3311280"/>
+          </a:xfrm>
+          <a:prstGeom prst="rect">
+            <a:avLst/>
+          </a:prstGeom>
+          <a:ln w="0">
             <a:noFill/>
           </a:ln>
         </p:spPr>
       </p:pic>
+      <p:sp>
+        <p:nvSpPr>
+          <p:cNvPr id="93" name=""/>
+          <p:cNvSpPr txBox="1"/>
+          <p:nvPr/>
+        </p:nvSpPr>
+        <p:spPr>
+          <a:xfrm>
+            <a:off x="564480" y="419040"/>
+            <a:ext cx="5375880" cy="300960"/>
+          </a:xfrm>
+          <a:prstGeom prst="rect">
+            <a:avLst/>
+          </a:prstGeom>
+          <a:noFill/>
+          <a:ln w="0">
+            <a:noFill/>
+          </a:ln>
+        </p:spPr>
+        <p:txBody>
+          <a:bodyPr lIns="90000" rIns="90000" tIns="45000" bIns="45000" anchor="t">
+            <a:noAutofit/>
+          </a:bodyPr>
+          <a:p>
+            <a:r>
+              <a:rPr b="0" lang="en-IN" sz="1490" spc="-1" strike="noStrike">
+                <a:latin typeface="Arial"/>
+              </a:rPr>
+              <a:t>Dimensionality Reduction – 2D Gaussian</a:t>
+            </a:r>
+            <a:endParaRPr b="0" lang="en-IN" sz="1490" spc="-1" strike="noStrike">
+              <a:latin typeface="Arial"/>
+            </a:endParaRPr>
+          </a:p>
+        </p:txBody>
+      </p:sp>
     </p:spTree>
   </p:cSld>
   <mc:AlternateContent>
@@ -3557,7 +6715,7 @@
       </p:grpSpPr>
       <p:pic>
         <p:nvPicPr>
-          <p:cNvPr id="55" name="" descr=""/>
+          <p:cNvPr id="94" name="" descr=""/>
           <p:cNvPicPr/>
           <p:nvPr/>
         </p:nvPicPr>
@@ -3567,41 +6725,52 @@
         </p:blipFill>
         <p:spPr>
           <a:xfrm>
-            <a:off x="4608000" y="1150560"/>
-            <a:ext cx="3416400" cy="2809440"/>
-          </a:xfrm>
-          <a:prstGeom prst="rect">
-            <a:avLst/>
-          </a:prstGeom>
-          <a:ln>
+            <a:off x="4607640" y="1150200"/>
+            <a:ext cx="3415680" cy="2808720"/>
+          </a:xfrm>
+          <a:prstGeom prst="rect">
+            <a:avLst/>
+          </a:prstGeom>
+          <a:ln w="0">
             <a:noFill/>
           </a:ln>
         </p:spPr>
       </p:pic>
       <p:sp>
         <p:nvSpPr>
-          <p:cNvPr id="56" name="TextShape 1"/>
-          <p:cNvSpPr txBox="1"/>
+          <p:cNvPr id="95" name="TextShape 1"/>
+          <p:cNvSpPr/>
           <p:nvPr/>
         </p:nvSpPr>
         <p:spPr>
           <a:xfrm>
-            <a:off x="654840" y="1343160"/>
-            <a:ext cx="2579760" cy="1562040"/>
-          </a:xfrm>
-          <a:prstGeom prst="rect">
-            <a:avLst/>
-          </a:prstGeom>
-          <a:noFill/>
-          <a:ln>
-            <a:noFill/>
-          </a:ln>
-        </p:spPr>
-        <p:txBody>
-          <a:bodyPr lIns="90000" rIns="90000" tIns="45000" bIns="45000">
+            <a:off x="654480" y="1342800"/>
+            <a:ext cx="2579040" cy="1561320"/>
+          </a:xfrm>
+          <a:prstGeom prst="rect">
+            <a:avLst/>
+          </a:prstGeom>
+          <a:noFill/>
+          <a:ln w="0">
+            <a:noFill/>
+          </a:ln>
+        </p:spPr>
+        <p:style>
+          <a:lnRef idx="0"/>
+          <a:fillRef idx="0"/>
+          <a:effectRef idx="0"/>
+          <a:fontRef idx="minor"/>
+        </p:style>
+        <p:txBody>
+          <a:bodyPr lIns="90000" rIns="90000" tIns="45000" bIns="45000" anchor="t">
             <a:noAutofit/>
           </a:bodyPr>
           <a:p>
+            <a:pPr>
+              <a:lnSpc>
+                <a:spcPct val="100000"/>
+              </a:lnSpc>
+            </a:pPr>
             <a:r>
               <a:rPr b="0" lang="en-IN" sz="1490" spc="-1" strike="noStrike">
                 <a:latin typeface="Arial"/>
@@ -3613,55 +6782,85 @@
             </a:endParaRPr>
           </a:p>
           <a:p>
+            <a:pPr>
+              <a:lnSpc>
+                <a:spcPct val="100000"/>
+              </a:lnSpc>
+            </a:pPr>
             <a:r>
               <a:rPr b="0" lang="en-IN" sz="1490" spc="-1" strike="noStrike">
                 <a:latin typeface="Arial"/>
               </a:rPr>
-              <a:t>1. Anomalous Cluster</a:t>
-            </a:r>
-            <a:endParaRPr b="0" lang="en-IN" sz="1490" spc="-1" strike="noStrike">
-              <a:latin typeface="Arial"/>
-            </a:endParaRPr>
-          </a:p>
-          <a:p>
+              <a:t>1. Normal Datapoints</a:t>
+            </a:r>
+            <a:endParaRPr b="0" lang="en-IN" sz="1490" spc="-1" strike="noStrike">
+              <a:latin typeface="Arial"/>
+            </a:endParaRPr>
+          </a:p>
+          <a:p>
+            <a:pPr>
+              <a:lnSpc>
+                <a:spcPct val="100000"/>
+              </a:lnSpc>
+            </a:pPr>
             <a:r>
               <a:rPr b="0" lang="en-IN" sz="1490" spc="-1" strike="noStrike">
                 <a:latin typeface="Arial"/>
               </a:rPr>
-              <a:t>Using Red Vector</a:t>
-            </a:r>
-            <a:endParaRPr b="0" lang="en-IN" sz="1490" spc="-1" strike="noStrike">
-              <a:latin typeface="Arial"/>
-            </a:endParaRPr>
-          </a:p>
-          <a:p>
-            <a:endParaRPr b="0" lang="en-IN" sz="1490" spc="-1" strike="noStrike">
-              <a:latin typeface="Arial"/>
-            </a:endParaRPr>
-          </a:p>
-          <a:p>
+              <a:t>Using Black Vector</a:t>
+            </a:r>
+            <a:endParaRPr b="0" lang="en-IN" sz="1490" spc="-1" strike="noStrike">
+              <a:latin typeface="Arial"/>
+            </a:endParaRPr>
+          </a:p>
+          <a:p>
+            <a:pPr>
+              <a:lnSpc>
+                <a:spcPct val="100000"/>
+              </a:lnSpc>
+            </a:pPr>
+            <a:endParaRPr b="0" lang="en-IN" sz="1490" spc="-1" strike="noStrike">
+              <a:latin typeface="Arial"/>
+            </a:endParaRPr>
+          </a:p>
+          <a:p>
+            <a:pPr>
+              <a:lnSpc>
+                <a:spcPct val="100000"/>
+              </a:lnSpc>
+            </a:pPr>
             <a:r>
               <a:rPr b="0" lang="en-IN" sz="1490" spc="-1" strike="noStrike">
-                <a:latin typeface="Arial"/>
-              </a:rPr>
-              <a:t>2. Normal Datapoints</a:t>
-            </a:r>
-            <a:endParaRPr b="0" lang="en-IN" sz="1490" spc="-1" strike="noStrike">
-              <a:latin typeface="Arial"/>
-            </a:endParaRPr>
-          </a:p>
-          <a:p>
+                <a:latin typeface="Abyssinica SIL"/>
+              </a:rPr>
+              <a:t>Minimise:</a:t>
+            </a:r>
+            <a:endParaRPr b="0" lang="en-IN" sz="1490" spc="-1" strike="noStrike">
+              <a:latin typeface="Arial"/>
+            </a:endParaRPr>
+          </a:p>
+          <a:p>
+            <a:pPr>
+              <a:lnSpc>
+                <a:spcPct val="100000"/>
+              </a:lnSpc>
+            </a:pPr>
             <a:r>
               <a:rPr b="0" lang="en-IN" sz="1490" spc="-1" strike="noStrike">
-                <a:latin typeface="Arial"/>
-              </a:rPr>
-              <a:t>Using Black Vector</a:t>
-            </a:r>
-            <a:endParaRPr b="0" lang="en-IN" sz="1490" spc="-1" strike="noStrike">
-              <a:latin typeface="Arial"/>
-            </a:endParaRPr>
-          </a:p>
-          <a:p>
+                <a:latin typeface="Abyssinica SIL"/>
+              </a:rPr>
+              <a:t>Total reconstruction error</a:t>
+            </a:r>
+            <a:endParaRPr b="0" lang="en-IN" sz="1490" spc="-1" strike="noStrike">
+              <a:latin typeface="Arial"/>
+            </a:endParaRPr>
+          </a:p>
+          <a:p>
+            <a:pPr>
+              <a:lnSpc>
+                <a:spcPct val="100000"/>
+              </a:lnSpc>
+            </a:pPr>
             <a:endParaRPr b="0" lang="en-IN" sz="1490" spc="-1" strike="noStrike">
               <a:latin typeface="Arial"/>
             </a:endParaRPr>
@@ -3700,28 +6899,39 @@
       </p:grpSpPr>
       <p:sp>
         <p:nvSpPr>
-          <p:cNvPr id="57" name="TextShape 1"/>
-          <p:cNvSpPr txBox="1"/>
+          <p:cNvPr id="96" name="TextShape 1"/>
+          <p:cNvSpPr/>
           <p:nvPr/>
         </p:nvSpPr>
         <p:spPr>
           <a:xfrm>
-            <a:off x="654840" y="1343160"/>
-            <a:ext cx="2579760" cy="1562040"/>
-          </a:xfrm>
-          <a:prstGeom prst="rect">
-            <a:avLst/>
-          </a:prstGeom>
-          <a:noFill/>
-          <a:ln>
-            <a:noFill/>
-          </a:ln>
-        </p:spPr>
-        <p:txBody>
-          <a:bodyPr lIns="90000" rIns="90000" tIns="45000" bIns="45000">
+            <a:off x="654480" y="1342800"/>
+            <a:ext cx="2579040" cy="1561320"/>
+          </a:xfrm>
+          <a:prstGeom prst="rect">
+            <a:avLst/>
+          </a:prstGeom>
+          <a:noFill/>
+          <a:ln w="0">
+            <a:noFill/>
+          </a:ln>
+        </p:spPr>
+        <p:style>
+          <a:lnRef idx="0"/>
+          <a:fillRef idx="0"/>
+          <a:effectRef idx="0"/>
+          <a:fontRef idx="minor"/>
+        </p:style>
+        <p:txBody>
+          <a:bodyPr lIns="90000" rIns="90000" tIns="45000" bIns="45000" anchor="t">
             <a:noAutofit/>
           </a:bodyPr>
           <a:p>
+            <a:pPr>
+              <a:lnSpc>
+                <a:spcPct val="100000"/>
+              </a:lnSpc>
+            </a:pPr>
             <a:r>
               <a:rPr b="0" lang="en-IN" sz="1490" spc="-1" strike="noStrike">
                 <a:latin typeface="Arial"/>
@@ -3733,107 +6943,134 @@
             </a:endParaRPr>
           </a:p>
           <a:p>
+            <a:pPr>
+              <a:lnSpc>
+                <a:spcPct val="100000"/>
+              </a:lnSpc>
+            </a:pPr>
             <a:r>
               <a:rPr b="0" lang="en-IN" sz="1490" spc="-1" strike="noStrike">
                 <a:latin typeface="Arial"/>
               </a:rPr>
-              <a:t>1. Anomalous Cluster</a:t>
-            </a:r>
-            <a:endParaRPr b="0" lang="en-IN" sz="1490" spc="-1" strike="noStrike">
-              <a:latin typeface="Arial"/>
-            </a:endParaRPr>
-          </a:p>
-          <a:p>
+              <a:t>1. Normal Datapoints</a:t>
+            </a:r>
+            <a:endParaRPr b="0" lang="en-IN" sz="1490" spc="-1" strike="noStrike">
+              <a:latin typeface="Arial"/>
+            </a:endParaRPr>
+          </a:p>
+          <a:p>
+            <a:pPr>
+              <a:lnSpc>
+                <a:spcPct val="100000"/>
+              </a:lnSpc>
+            </a:pPr>
             <a:r>
               <a:rPr b="0" lang="en-IN" sz="1490" spc="-1" strike="noStrike">
                 <a:latin typeface="Arial"/>
               </a:rPr>
-              <a:t>Using Red Vector</a:t>
-            </a:r>
-            <a:endParaRPr b="0" lang="en-IN" sz="1490" spc="-1" strike="noStrike">
-              <a:latin typeface="Arial"/>
-            </a:endParaRPr>
-          </a:p>
-          <a:p>
-            <a:endParaRPr b="0" lang="en-IN" sz="1490" spc="-1" strike="noStrike">
-              <a:latin typeface="Arial"/>
-            </a:endParaRPr>
-          </a:p>
-          <a:p>
+              <a:t>Using Black Vector</a:t>
+            </a:r>
+            <a:endParaRPr b="0" lang="en-IN" sz="1490" spc="-1" strike="noStrike">
+              <a:latin typeface="Arial"/>
+            </a:endParaRPr>
+          </a:p>
+          <a:p>
+            <a:pPr>
+              <a:lnSpc>
+                <a:spcPct val="100000"/>
+              </a:lnSpc>
+            </a:pPr>
+            <a:endParaRPr b="0" lang="en-IN" sz="1490" spc="-1" strike="noStrike">
+              <a:latin typeface="Arial"/>
+            </a:endParaRPr>
+          </a:p>
+          <a:p>
+            <a:pPr>
+              <a:lnSpc>
+                <a:spcPct val="100000"/>
+              </a:lnSpc>
+            </a:pPr>
+            <a:r>
+              <a:rPr b="0" lang="en-IN" sz="1800" spc="-1" strike="noStrike">
+                <a:latin typeface="Arial"/>
+                <a:ea typeface="Noto Sans CJK SC"/>
+              </a:rPr>
+              <a:t>2. </a:t>
+            </a:r>
             <a:r>
               <a:rPr b="0" lang="en-IN" sz="1490" spc="-1" strike="noStrike">
                 <a:latin typeface="Arial"/>
               </a:rPr>
-              <a:t>2. Normal Datapoints</a:t>
-            </a:r>
-            <a:endParaRPr b="0" lang="en-IN" sz="1490" spc="-1" strike="noStrike">
-              <a:latin typeface="Arial"/>
-            </a:endParaRPr>
-          </a:p>
-          <a:p>
+              <a:t>Anomalous Cluster</a:t>
+            </a:r>
+            <a:endParaRPr b="0" lang="en-IN" sz="1490" spc="-1" strike="noStrike">
+              <a:latin typeface="Arial"/>
+            </a:endParaRPr>
+          </a:p>
+          <a:p>
+            <a:pPr>
+              <a:lnSpc>
+                <a:spcPct val="100000"/>
+              </a:lnSpc>
+            </a:pPr>
             <a:r>
               <a:rPr b="0" lang="en-IN" sz="1490" spc="-1" strike="noStrike">
                 <a:latin typeface="Arial"/>
               </a:rPr>
-              <a:t>Using Black Vector</a:t>
-            </a:r>
-            <a:endParaRPr b="0" lang="en-IN" sz="1490" spc="-1" strike="noStrike">
-              <a:latin typeface="Arial"/>
-            </a:endParaRPr>
-          </a:p>
-          <a:p>
-            <a:endParaRPr b="0" lang="en-IN" sz="1490" spc="-1" strike="noStrike">
-              <a:latin typeface="Arial"/>
-            </a:endParaRPr>
-          </a:p>
-        </p:txBody>
-      </p:sp>
-      <p:sp>
-        <p:nvSpPr>
-          <p:cNvPr id="58" name="TextShape 2"/>
-          <p:cNvSpPr txBox="1"/>
-          <p:nvPr/>
-        </p:nvSpPr>
-        <p:spPr>
-          <a:xfrm>
-            <a:off x="663840" y="3403440"/>
-            <a:ext cx="2849400" cy="721080"/>
-          </a:xfrm>
-          <a:prstGeom prst="rect">
-            <a:avLst/>
-          </a:prstGeom>
-          <a:noFill/>
-          <a:ln>
-            <a:noFill/>
-          </a:ln>
-        </p:spPr>
-        <p:txBody>
-          <a:bodyPr lIns="90000" rIns="90000" tIns="45000" bIns="45000">
-            <a:noAutofit/>
-          </a:bodyPr>
-          <a:p>
+              <a:t>Using Red Vector</a:t>
+            </a:r>
+            <a:endParaRPr b="0" lang="en-IN" sz="1490" spc="-1" strike="noStrike">
+              <a:latin typeface="Arial"/>
+            </a:endParaRPr>
+          </a:p>
+          <a:p>
+            <a:pPr>
+              <a:lnSpc>
+                <a:spcPct val="100000"/>
+              </a:lnSpc>
+            </a:pPr>
+            <a:endParaRPr b="0" lang="en-IN" sz="1490" spc="-1" strike="noStrike">
+              <a:latin typeface="Arial"/>
+            </a:endParaRPr>
+          </a:p>
+          <a:p>
+            <a:pPr>
+              <a:lnSpc>
+                <a:spcPct val="100000"/>
+              </a:lnSpc>
+            </a:pPr>
             <a:r>
               <a:rPr b="0" lang="en-IN" sz="1490" spc="-1" strike="noStrike">
-                <a:latin typeface="Arial"/>
-              </a:rPr>
-              <a:t>Minimum</a:t>
-            </a:r>
-            <a:endParaRPr b="0" lang="en-IN" sz="1490" spc="-1" strike="noStrike">
-              <a:latin typeface="Arial"/>
-            </a:endParaRPr>
-          </a:p>
-          <a:p>
+                <a:latin typeface="Abyssinica SIL"/>
+              </a:rPr>
+              <a:t>Minimise:-</a:t>
+            </a:r>
+            <a:endParaRPr b="0" lang="en-IN" sz="1490" spc="-1" strike="noStrike">
+              <a:latin typeface="Arial"/>
+            </a:endParaRPr>
+          </a:p>
+          <a:p>
+            <a:pPr>
+              <a:lnSpc>
+                <a:spcPct val="100000"/>
+              </a:lnSpc>
+            </a:pPr>
             <a:r>
               <a:rPr b="0" lang="en-IN" sz="1490" spc="-1" strike="noStrike">
-                <a:latin typeface="Arial"/>
-              </a:rPr>
-              <a:t>Total Reconstruction Error</a:t>
-            </a:r>
-            <a:endParaRPr b="0" lang="en-IN" sz="1490" spc="-1" strike="noStrike">
-              <a:latin typeface="Arial"/>
-            </a:endParaRPr>
-          </a:p>
-          <a:p>
+                <a:latin typeface="Abyssinica SIL"/>
+              </a:rPr>
+              <a:t>Reconstruction error of outlier cluster</a:t>
+            </a:r>
+            <a:endParaRPr b="0" lang="en-IN" sz="1490" spc="-1" strike="noStrike">
+              <a:latin typeface="Arial"/>
+            </a:endParaRPr>
+          </a:p>
+          <a:p>
+            <a:pPr>
+              <a:lnSpc>
+                <a:spcPct val="100000"/>
+              </a:lnSpc>
+            </a:pPr>
             <a:endParaRPr b="0" lang="en-IN" sz="1490" spc="-1" strike="noStrike">
               <a:latin typeface="Arial"/>
             </a:endParaRPr>
@@ -3842,7 +7079,7 @@
       </p:sp>
       <p:pic>
         <p:nvPicPr>
-          <p:cNvPr id="59" name="" descr=""/>
+          <p:cNvPr id="97" name="" descr=""/>
           <p:cNvPicPr/>
           <p:nvPr/>
         </p:nvPicPr>
@@ -3852,13 +7089,13 @@
         </p:blipFill>
         <p:spPr>
           <a:xfrm>
-            <a:off x="4692600" y="1296000"/>
-            <a:ext cx="3803400" cy="2689920"/>
-          </a:xfrm>
-          <a:prstGeom prst="rect">
-            <a:avLst/>
-          </a:prstGeom>
-          <a:ln>
+            <a:off x="4692240" y="1295640"/>
+            <a:ext cx="3802680" cy="2689200"/>
+          </a:xfrm>
+          <a:prstGeom prst="rect">
+            <a:avLst/>
+          </a:prstGeom>
+          <a:ln w="0">
             <a:noFill/>
           </a:ln>
         </p:spPr>
@@ -3895,28 +7132,39 @@
       </p:grpSpPr>
       <p:sp>
         <p:nvSpPr>
-          <p:cNvPr id="60" name="TextShape 1"/>
-          <p:cNvSpPr txBox="1"/>
+          <p:cNvPr id="98" name="TextShape 1"/>
+          <p:cNvSpPr/>
           <p:nvPr/>
         </p:nvSpPr>
         <p:spPr>
           <a:xfrm>
-            <a:off x="654840" y="1343160"/>
-            <a:ext cx="2579760" cy="1562040"/>
-          </a:xfrm>
-          <a:prstGeom prst="rect">
-            <a:avLst/>
-          </a:prstGeom>
-          <a:noFill/>
-          <a:ln>
-            <a:noFill/>
-          </a:ln>
-        </p:spPr>
-        <p:txBody>
-          <a:bodyPr lIns="90000" rIns="90000" tIns="45000" bIns="45000">
+            <a:off x="654480" y="1342800"/>
+            <a:ext cx="2579040" cy="1561320"/>
+          </a:xfrm>
+          <a:prstGeom prst="rect">
+            <a:avLst/>
+          </a:prstGeom>
+          <a:noFill/>
+          <a:ln w="0">
+            <a:noFill/>
+          </a:ln>
+        </p:spPr>
+        <p:style>
+          <a:lnRef idx="0"/>
+          <a:fillRef idx="0"/>
+          <a:effectRef idx="0"/>
+          <a:fontRef idx="minor"/>
+        </p:style>
+        <p:txBody>
+          <a:bodyPr lIns="90000" rIns="90000" tIns="45000" bIns="45000" anchor="t">
             <a:noAutofit/>
           </a:bodyPr>
           <a:p>
+            <a:pPr>
+              <a:lnSpc>
+                <a:spcPct val="100000"/>
+              </a:lnSpc>
+            </a:pPr>
             <a:r>
               <a:rPr b="0" lang="en-IN" sz="1490" spc="-1" strike="noStrike">
                 <a:latin typeface="Arial"/>
@@ -3928,6 +7176,11 @@
             </a:endParaRPr>
           </a:p>
           <a:p>
+            <a:pPr>
+              <a:lnSpc>
+                <a:spcPct val="100000"/>
+              </a:lnSpc>
+            </a:pPr>
             <a:r>
               <a:rPr b="0" lang="en-IN" sz="1490" spc="-1" strike="noStrike">
                 <a:latin typeface="Arial"/>
@@ -3939,6 +7192,11 @@
             </a:endParaRPr>
           </a:p>
           <a:p>
+            <a:pPr>
+              <a:lnSpc>
+                <a:spcPct val="100000"/>
+              </a:lnSpc>
+            </a:pPr>
             <a:r>
               <a:rPr b="0" lang="en-IN" sz="1490" spc="-1" strike="noStrike">
                 <a:latin typeface="Arial"/>
@@ -3950,11 +7208,21 @@
             </a:endParaRPr>
           </a:p>
           <a:p>
-            <a:endParaRPr b="0" lang="en-IN" sz="1490" spc="-1" strike="noStrike">
-              <a:latin typeface="Arial"/>
-            </a:endParaRPr>
-          </a:p>
-          <a:p>
+            <a:pPr>
+              <a:lnSpc>
+                <a:spcPct val="100000"/>
+              </a:lnSpc>
+            </a:pPr>
+            <a:endParaRPr b="0" lang="en-IN" sz="1490" spc="-1" strike="noStrike">
+              <a:latin typeface="Arial"/>
+            </a:endParaRPr>
+          </a:p>
+          <a:p>
+            <a:pPr>
+              <a:lnSpc>
+                <a:spcPct val="100000"/>
+              </a:lnSpc>
+            </a:pPr>
             <a:r>
               <a:rPr b="0" lang="en-IN" sz="1490" spc="-1" strike="noStrike">
                 <a:latin typeface="Arial"/>
@@ -3966,6 +7234,11 @@
             </a:endParaRPr>
           </a:p>
           <a:p>
+            <a:pPr>
+              <a:lnSpc>
+                <a:spcPct val="100000"/>
+              </a:lnSpc>
+            </a:pPr>
             <a:r>
               <a:rPr b="0" lang="en-IN" sz="1490" spc="-1" strike="noStrike">
                 <a:latin typeface="Arial"/>
@@ -3977,84 +7250,46 @@
             </a:endParaRPr>
           </a:p>
           <a:p>
-            <a:endParaRPr b="0" lang="en-IN" sz="1490" spc="-1" strike="noStrike">
-              <a:latin typeface="Arial"/>
-            </a:endParaRPr>
-          </a:p>
-        </p:txBody>
-      </p:sp>
-      <p:sp>
-        <p:nvSpPr>
-          <p:cNvPr id="61" name="TextShape 2"/>
-          <p:cNvSpPr txBox="1"/>
+            <a:pPr>
+              <a:lnSpc>
+                <a:spcPct val="100000"/>
+              </a:lnSpc>
+            </a:pPr>
+            <a:endParaRPr b="0" lang="en-IN" sz="1490" spc="-1" strike="noStrike">
+              <a:latin typeface="Arial"/>
+            </a:endParaRPr>
+          </a:p>
+        </p:txBody>
+      </p:sp>
+      <p:sp>
+        <p:nvSpPr>
+          <p:cNvPr id="99" name="TextShape 2"/>
+          <p:cNvSpPr/>
           <p:nvPr/>
         </p:nvSpPr>
         <p:spPr>
           <a:xfrm>
-            <a:off x="663840" y="3403440"/>
-            <a:ext cx="3411720" cy="931320"/>
-          </a:xfrm>
-          <a:prstGeom prst="rect">
-            <a:avLst/>
-          </a:prstGeom>
-          <a:noFill/>
-          <a:ln>
-            <a:noFill/>
-          </a:ln>
-        </p:spPr>
-        <p:txBody>
-          <a:bodyPr lIns="90000" rIns="90000" tIns="45000" bIns="45000">
-            <a:noAutofit/>
-          </a:bodyPr>
-          <a:p>
-            <a:r>
-              <a:rPr b="0" lang="en-IN" sz="1490" spc="-1" strike="noStrike">
-                <a:latin typeface="Arial"/>
-              </a:rPr>
-              <a:t>Minimum</a:t>
-            </a:r>
-            <a:endParaRPr b="0" lang="en-IN" sz="1490" spc="-1" strike="noStrike">
-              <a:latin typeface="Arial"/>
-            </a:endParaRPr>
-          </a:p>
-          <a:p>
-            <a:r>
-              <a:rPr b="0" lang="en-IN" sz="1490" spc="-1" strike="noStrike">
-                <a:latin typeface="Arial"/>
-              </a:rPr>
-              <a:t>Total Reconstruction Error</a:t>
-            </a:r>
-            <a:endParaRPr b="0" lang="en-IN" sz="1490" spc="-1" strike="noStrike">
-              <a:latin typeface="Arial"/>
-            </a:endParaRPr>
-          </a:p>
-          <a:p>
-            <a:r>
-              <a:rPr b="0" lang="en-IN" sz="1490" spc="-1" strike="noStrike">
-                <a:latin typeface="Arial"/>
-              </a:rPr>
-              <a:t>Requirement:</a:t>
-            </a:r>
-            <a:endParaRPr b="0" lang="en-IN" sz="1490" spc="-1" strike="noStrike">
-              <a:latin typeface="Arial"/>
-            </a:endParaRPr>
-          </a:p>
-          <a:p>
-            <a:r>
-              <a:rPr b="0" lang="en-IN" sz="1490" spc="-1" strike="noStrike">
-                <a:latin typeface="Arial"/>
-              </a:rPr>
-              <a:t>Prior Identification of Anomalies</a:t>
-            </a:r>
-            <a:endParaRPr b="0" lang="en-IN" sz="1490" spc="-1" strike="noStrike">
-              <a:latin typeface="Arial"/>
-            </a:endParaRPr>
-          </a:p>
-        </p:txBody>
+            <a:off x="663480" y="3402720"/>
+            <a:ext cx="3411000" cy="930960"/>
+          </a:xfrm>
+          <a:prstGeom prst="rect">
+            <a:avLst/>
+          </a:prstGeom>
+          <a:noFill/>
+          <a:ln w="0">
+            <a:noFill/>
+          </a:ln>
+        </p:spPr>
+        <p:style>
+          <a:lnRef idx="0"/>
+          <a:fillRef idx="0"/>
+          <a:effectRef idx="0"/>
+          <a:fontRef idx="minor"/>
+        </p:style>
       </p:sp>
       <p:pic>
         <p:nvPicPr>
-          <p:cNvPr id="62" name="" descr=""/>
+          <p:cNvPr id="100" name="" descr=""/>
           <p:cNvPicPr/>
           <p:nvPr/>
         </p:nvPicPr>
@@ -4064,17 +7299,164 @@
         </p:blipFill>
         <p:spPr>
           <a:xfrm>
-            <a:off x="4680000" y="1202760"/>
-            <a:ext cx="4101480" cy="2829240"/>
-          </a:xfrm>
-          <a:prstGeom prst="rect">
-            <a:avLst/>
-          </a:prstGeom>
-          <a:ln>
+            <a:off x="4679640" y="1202400"/>
+            <a:ext cx="4100760" cy="2828520"/>
+          </a:xfrm>
+          <a:prstGeom prst="rect">
+            <a:avLst/>
+          </a:prstGeom>
+          <a:ln w="0">
             <a:noFill/>
           </a:ln>
         </p:spPr>
       </p:pic>
+      <p:sp>
+        <p:nvSpPr>
+          <p:cNvPr id="101" name="TextShape 7"/>
+          <p:cNvSpPr/>
+          <p:nvPr/>
+        </p:nvSpPr>
+        <p:spPr>
+          <a:xfrm>
+            <a:off x="483480" y="3240000"/>
+            <a:ext cx="4016520" cy="1637280"/>
+          </a:xfrm>
+          <a:prstGeom prst="rect">
+            <a:avLst/>
+          </a:prstGeom>
+          <a:noFill/>
+          <a:ln w="0">
+            <a:noFill/>
+          </a:ln>
+        </p:spPr>
+        <p:style>
+          <a:lnRef idx="0"/>
+          <a:fillRef idx="0"/>
+          <a:effectRef idx="0"/>
+          <a:fontRef idx="minor"/>
+        </p:style>
+        <p:txBody>
+          <a:bodyPr lIns="90000" rIns="90000" tIns="45000" bIns="45000" anchor="t">
+            <a:noAutofit/>
+          </a:bodyPr>
+          <a:p>
+            <a:pPr>
+              <a:lnSpc>
+                <a:spcPct val="100000"/>
+              </a:lnSpc>
+            </a:pPr>
+            <a:r>
+              <a:rPr b="0" lang="en-IN" sz="1490" spc="-1" strike="noStrike">
+                <a:latin typeface="Abyssinica SIL"/>
+              </a:rPr>
+              <a:t>Combined problem statement:- </a:t>
+            </a:r>
+            <a:endParaRPr b="0" lang="en-IN" sz="1490" spc="-1" strike="noStrike">
+              <a:latin typeface="Arial"/>
+            </a:endParaRPr>
+          </a:p>
+          <a:p>
+            <a:pPr>
+              <a:lnSpc>
+                <a:spcPct val="100000"/>
+              </a:lnSpc>
+            </a:pPr>
+            <a:endParaRPr b="0" lang="en-IN" sz="1490" spc="-1" strike="noStrike">
+              <a:latin typeface="Arial"/>
+            </a:endParaRPr>
+          </a:p>
+          <a:p>
+            <a:pPr>
+              <a:lnSpc>
+                <a:spcPct val="100000"/>
+              </a:lnSpc>
+            </a:pPr>
+            <a:r>
+              <a:rPr b="0" lang="en-IN" sz="1490" spc="-1" strike="noStrike">
+                <a:latin typeface="Abyssinica SIL"/>
+              </a:rPr>
+              <a:t>Minimise:-</a:t>
+            </a:r>
+            <a:endParaRPr b="0" lang="en-IN" sz="1490" spc="-1" strike="noStrike">
+              <a:latin typeface="Arial"/>
+            </a:endParaRPr>
+          </a:p>
+          <a:p>
+            <a:pPr>
+              <a:lnSpc>
+                <a:spcPct val="100000"/>
+              </a:lnSpc>
+            </a:pPr>
+            <a:r>
+              <a:rPr b="0" lang="en-IN" sz="1490" spc="-1" strike="noStrike">
+                <a:latin typeface="Abyssinica SIL"/>
+              </a:rPr>
+              <a:t>Reconstruction error of function z(x,y)</a:t>
+            </a:r>
+            <a:endParaRPr b="0" lang="en-IN" sz="1490" spc="-1" strike="noStrike">
+              <a:latin typeface="Arial"/>
+            </a:endParaRPr>
+          </a:p>
+          <a:p>
+            <a:pPr>
+              <a:lnSpc>
+                <a:spcPct val="100000"/>
+              </a:lnSpc>
+            </a:pPr>
+            <a:r>
+              <a:rPr b="0" lang="en-IN" sz="1490" spc="-1" strike="noStrike">
+                <a:latin typeface="Abyssinica SIL"/>
+              </a:rPr>
+              <a:t>s.t.</a:t>
+            </a:r>
+            <a:endParaRPr b="0" lang="en-IN" sz="1490" spc="-1" strike="noStrike">
+              <a:latin typeface="Arial"/>
+            </a:endParaRPr>
+          </a:p>
+          <a:p>
+            <a:pPr>
+              <a:lnSpc>
+                <a:spcPct val="100000"/>
+              </a:lnSpc>
+            </a:pPr>
+            <a:r>
+              <a:rPr b="0" lang="en-IN" sz="1490" spc="-1" strike="noStrike">
+                <a:latin typeface="Abyssinica SIL"/>
+              </a:rPr>
+              <a:t>The source function z(.) assigns</a:t>
+            </a:r>
+            <a:endParaRPr b="0" lang="en-IN" sz="1490" spc="-1" strike="noStrike">
+              <a:latin typeface="Arial"/>
+            </a:endParaRPr>
+          </a:p>
+          <a:p>
+            <a:pPr>
+              <a:lnSpc>
+                <a:spcPct val="100000"/>
+              </a:lnSpc>
+            </a:pPr>
+            <a:r>
+              <a:rPr b="0" lang="en-IN" sz="1490" spc="-1" strike="noStrike">
+                <a:latin typeface="Abyssinica SIL"/>
+              </a:rPr>
+              <a:t>Constrained weights to normal and outlier points</a:t>
+            </a:r>
+            <a:endParaRPr b="0" lang="en-IN" sz="1490" spc="-1" strike="noStrike">
+              <a:latin typeface="Arial"/>
+            </a:endParaRPr>
+          </a:p>
+          <a:p>
+            <a:pPr>
+              <a:lnSpc>
+                <a:spcPct val="100000"/>
+              </a:lnSpc>
+            </a:pPr>
+            <a:endParaRPr b="0" lang="en-IN" sz="1490" spc="-1" strike="noStrike">
+              <a:latin typeface="Arial"/>
+            </a:endParaRPr>
+          </a:p>
+        </p:txBody>
+      </p:sp>
     </p:spTree>
   </p:cSld>
   <mc:AlternateContent>
@@ -4107,7 +7489,7 @@
       </p:grpSpPr>
       <p:pic>
         <p:nvPicPr>
-          <p:cNvPr id="63" name="" descr=""/>
+          <p:cNvPr id="102" name="" descr=""/>
           <p:cNvPicPr/>
           <p:nvPr/>
         </p:nvPicPr>
@@ -4117,20 +7499,20 @@
         </p:blipFill>
         <p:spPr>
           <a:xfrm>
-            <a:off x="1152000" y="1342800"/>
-            <a:ext cx="3616920" cy="2916360"/>
-          </a:xfrm>
-          <a:prstGeom prst="rect">
-            <a:avLst/>
-          </a:prstGeom>
-          <a:ln>
+            <a:off x="6347880" y="720000"/>
+            <a:ext cx="2472120" cy="2050920"/>
+          </a:xfrm>
+          <a:prstGeom prst="rect">
+            <a:avLst/>
+          </a:prstGeom>
+          <a:ln w="0">
             <a:noFill/>
           </a:ln>
         </p:spPr>
       </p:pic>
       <p:pic>
         <p:nvPicPr>
-          <p:cNvPr id="64" name="" descr=""/>
+          <p:cNvPr id="103" name="" descr=""/>
           <p:cNvPicPr/>
           <p:nvPr/>
         </p:nvPicPr>
@@ -4140,17 +7522,164 @@
         </p:blipFill>
         <p:spPr>
           <a:xfrm>
-            <a:off x="5616000" y="1380600"/>
-            <a:ext cx="3845160" cy="2916360"/>
-          </a:xfrm>
-          <a:prstGeom prst="rect">
-            <a:avLst/>
-          </a:prstGeom>
-          <a:ln>
+            <a:off x="6300000" y="2880000"/>
+            <a:ext cx="2628360" cy="2050920"/>
+          </a:xfrm>
+          <a:prstGeom prst="rect">
+            <a:avLst/>
+          </a:prstGeom>
+          <a:ln w="0">
             <a:noFill/>
           </a:ln>
         </p:spPr>
       </p:pic>
+      <p:sp>
+        <p:nvSpPr>
+          <p:cNvPr id="104" name="TextShape 8"/>
+          <p:cNvSpPr/>
+          <p:nvPr/>
+        </p:nvSpPr>
+        <p:spPr>
+          <a:xfrm>
+            <a:off x="483480" y="1602720"/>
+            <a:ext cx="4016520" cy="2177280"/>
+          </a:xfrm>
+          <a:prstGeom prst="rect">
+            <a:avLst/>
+          </a:prstGeom>
+          <a:noFill/>
+          <a:ln w="0">
+            <a:noFill/>
+          </a:ln>
+        </p:spPr>
+        <p:style>
+          <a:lnRef idx="0"/>
+          <a:fillRef idx="0"/>
+          <a:effectRef idx="0"/>
+          <a:fontRef idx="minor"/>
+        </p:style>
+        <p:txBody>
+          <a:bodyPr lIns="90000" rIns="90000" tIns="45000" bIns="45000" anchor="t">
+            <a:noAutofit/>
+          </a:bodyPr>
+          <a:p>
+            <a:pPr>
+              <a:lnSpc>
+                <a:spcPct val="100000"/>
+              </a:lnSpc>
+            </a:pPr>
+            <a:r>
+              <a:rPr b="0" lang="en-IN" sz="1490" spc="-1" strike="noStrike">
+                <a:latin typeface="Abyssinica SIL"/>
+              </a:rPr>
+              <a:t>Combined problem statement:- </a:t>
+            </a:r>
+            <a:endParaRPr b="0" lang="en-IN" sz="1490" spc="-1" strike="noStrike">
+              <a:latin typeface="Arial"/>
+            </a:endParaRPr>
+          </a:p>
+          <a:p>
+            <a:pPr>
+              <a:lnSpc>
+                <a:spcPct val="100000"/>
+              </a:lnSpc>
+            </a:pPr>
+            <a:endParaRPr b="0" lang="en-IN" sz="1490" spc="-1" strike="noStrike">
+              <a:latin typeface="Arial"/>
+            </a:endParaRPr>
+          </a:p>
+          <a:p>
+            <a:pPr>
+              <a:lnSpc>
+                <a:spcPct val="100000"/>
+              </a:lnSpc>
+            </a:pPr>
+            <a:r>
+              <a:rPr b="0" lang="en-IN" sz="1490" spc="-1" strike="noStrike">
+                <a:latin typeface="Abyssinica SIL"/>
+              </a:rPr>
+              <a:t>Minimise:-</a:t>
+            </a:r>
+            <a:endParaRPr b="0" lang="en-IN" sz="1490" spc="-1" strike="noStrike">
+              <a:latin typeface="Arial"/>
+            </a:endParaRPr>
+          </a:p>
+          <a:p>
+            <a:pPr>
+              <a:lnSpc>
+                <a:spcPct val="100000"/>
+              </a:lnSpc>
+            </a:pPr>
+            <a:r>
+              <a:rPr b="0" lang="en-IN" sz="1490" spc="-1" strike="noStrike">
+                <a:latin typeface="Abyssinica SIL"/>
+              </a:rPr>
+              <a:t>Reconstruction error of function z(x,y)</a:t>
+            </a:r>
+            <a:endParaRPr b="0" lang="en-IN" sz="1490" spc="-1" strike="noStrike">
+              <a:latin typeface="Arial"/>
+            </a:endParaRPr>
+          </a:p>
+          <a:p>
+            <a:pPr>
+              <a:lnSpc>
+                <a:spcPct val="100000"/>
+              </a:lnSpc>
+            </a:pPr>
+            <a:r>
+              <a:rPr b="0" lang="en-IN" sz="1490" spc="-1" strike="noStrike">
+                <a:latin typeface="Abyssinica SIL"/>
+              </a:rPr>
+              <a:t>s.t.</a:t>
+            </a:r>
+            <a:endParaRPr b="0" lang="en-IN" sz="1490" spc="-1" strike="noStrike">
+              <a:latin typeface="Arial"/>
+            </a:endParaRPr>
+          </a:p>
+          <a:p>
+            <a:pPr>
+              <a:lnSpc>
+                <a:spcPct val="100000"/>
+              </a:lnSpc>
+            </a:pPr>
+            <a:r>
+              <a:rPr b="0" lang="en-IN" sz="1490" spc="-1" strike="noStrike">
+                <a:latin typeface="Abyssinica SIL"/>
+              </a:rPr>
+              <a:t>The source function z(.) assigns</a:t>
+            </a:r>
+            <a:endParaRPr b="0" lang="en-IN" sz="1490" spc="-1" strike="noStrike">
+              <a:latin typeface="Arial"/>
+            </a:endParaRPr>
+          </a:p>
+          <a:p>
+            <a:pPr>
+              <a:lnSpc>
+                <a:spcPct val="100000"/>
+              </a:lnSpc>
+            </a:pPr>
+            <a:r>
+              <a:rPr b="0" lang="en-IN" sz="1490" spc="-1" strike="noStrike">
+                <a:latin typeface="Abyssinica SIL"/>
+              </a:rPr>
+              <a:t>Constrained weights to normal and outlier points</a:t>
+            </a:r>
+            <a:endParaRPr b="0" lang="en-IN" sz="1490" spc="-1" strike="noStrike">
+              <a:latin typeface="Arial"/>
+            </a:endParaRPr>
+          </a:p>
+          <a:p>
+            <a:pPr>
+              <a:lnSpc>
+                <a:spcPct val="100000"/>
+              </a:lnSpc>
+            </a:pPr>
+            <a:endParaRPr b="0" lang="en-IN" sz="1490" spc="-1" strike="noStrike">
+              <a:latin typeface="Arial"/>
+            </a:endParaRPr>
+          </a:p>
+        </p:txBody>
+      </p:sp>
     </p:spTree>
   </p:cSld>
   <mc:AlternateContent>
@@ -4388,4 +7917,230 @@
     </a:fmtScheme>
   </a:themeElements>
 </a:theme>
+</file>
+
+<file path=ppt/theme/theme2.xml><?xml version="1.0" encoding="utf-8"?>
+<a:theme xmlns:a="http://schemas.openxmlformats.org/drawingml/2006/main" name="Office Theme">
+  <a:themeElements>
+    <a:clrScheme name="Office">
+      <a:dk1>
+        <a:sysClr val="windowText" lastClr="000000"/>
+      </a:dk1>
+      <a:lt1>
+        <a:sysClr val="window" lastClr="FFFFFF"/>
+      </a:lt1>
+      <a:dk2>
+        <a:srgbClr val="1f497d"/>
+      </a:dk2>
+      <a:lt2>
+        <a:srgbClr val="eeece1"/>
+      </a:lt2>
+      <a:accent1>
+        <a:srgbClr val="4f81bd"/>
+      </a:accent1>
+      <a:accent2>
+        <a:srgbClr val="c0504d"/>
+      </a:accent2>
+      <a:accent3>
+        <a:srgbClr val="9bbb59"/>
+      </a:accent3>
+      <a:accent4>
+        <a:srgbClr val="8064a2"/>
+      </a:accent4>
+      <a:accent5>
+        <a:srgbClr val="4bacc6"/>
+      </a:accent5>
+      <a:accent6>
+        <a:srgbClr val="f79646"/>
+      </a:accent6>
+      <a:hlink>
+        <a:srgbClr val="0000ff"/>
+      </a:hlink>
+      <a:folHlink>
+        <a:srgbClr val="800080"/>
+      </a:folHlink>
+    </a:clrScheme>
+    <a:fontScheme name="Office">
+      <a:majorFont>
+        <a:latin typeface="Arial"/>
+        <a:ea typeface="DejaVu Sans"/>
+        <a:cs typeface="DejaVu Sans"/>
+      </a:majorFont>
+      <a:minorFont>
+        <a:latin typeface="Arial"/>
+        <a:ea typeface="DejaVu Sans"/>
+        <a:cs typeface="DejaVu Sans"/>
+      </a:minorFont>
+    </a:fontScheme>
+    <a:fmtScheme name="Office">
+      <a:fillStyleLst>
+        <a:solidFill>
+          <a:schemeClr val="phClr"/>
+        </a:solidFill>
+        <a:gradFill rotWithShape="1">
+          <a:gsLst>
+            <a:gs pos="0">
+              <a:schemeClr val="phClr">
+                <a:tint val="50000"/>
+                <a:satMod val="300000"/>
+              </a:schemeClr>
+            </a:gs>
+            <a:gs pos="35000">
+              <a:schemeClr val="phClr">
+                <a:tint val="37000"/>
+                <a:satMod val="300000"/>
+              </a:schemeClr>
+            </a:gs>
+            <a:gs pos="100000">
+              <a:schemeClr val="phClr">
+                <a:tint val="15000"/>
+                <a:satMod val="350000"/>
+              </a:schemeClr>
+            </a:gs>
+          </a:gsLst>
+          <a:lin ang="16200000" scaled="1"/>
+        </a:gradFill>
+        <a:gradFill rotWithShape="1">
+          <a:gsLst>
+            <a:gs pos="0">
+              <a:schemeClr val="phClr">
+                <a:shade val="51000"/>
+                <a:satMod val="130000"/>
+              </a:schemeClr>
+            </a:gs>
+            <a:gs pos="80000">
+              <a:schemeClr val="phClr">
+                <a:shade val="93000"/>
+                <a:satMod val="130000"/>
+              </a:schemeClr>
+            </a:gs>
+            <a:gs pos="100000">
+              <a:schemeClr val="phClr">
+                <a:shade val="94000"/>
+                <a:satMod val="135000"/>
+              </a:schemeClr>
+            </a:gs>
+          </a:gsLst>
+          <a:lin ang="16200000" scaled="0"/>
+        </a:gradFill>
+      </a:fillStyleLst>
+      <a:lnStyleLst>
+        <a:ln w="9525" cap="flat" cmpd="sng" algn="ctr">
+          <a:solidFill>
+            <a:schemeClr val="phClr">
+              <a:shade val="95000"/>
+              <a:satMod val="105000"/>
+            </a:schemeClr>
+          </a:solidFill>
+          <a:prstDash val="solid"/>
+          <a:miter/>
+        </a:ln>
+        <a:ln w="25400" cap="flat" cmpd="sng" algn="ctr">
+          <a:solidFill>
+            <a:schemeClr val="phClr"/>
+          </a:solidFill>
+          <a:prstDash val="solid"/>
+          <a:miter/>
+        </a:ln>
+        <a:ln w="38100" cap="flat" cmpd="sng" algn="ctr">
+          <a:solidFill>
+            <a:schemeClr val="phClr"/>
+          </a:solidFill>
+          <a:prstDash val="solid"/>
+          <a:miter/>
+        </a:ln>
+      </a:lnStyleLst>
+      <a:effectStyleLst>
+        <a:effectStyle>
+          <a:effectLst>
+            <a:outerShdw blurRad="40000" dist="20000" dir="5400000" rotWithShape="0">
+              <a:srgbClr val="000000">
+                <a:alpha val="38000"/>
+              </a:srgbClr>
+            </a:outerShdw>
+          </a:effectLst>
+        </a:effectStyle>
+        <a:effectStyle>
+          <a:effectLst>
+            <a:outerShdw blurRad="40000" dist="23000" dir="5400000" rotWithShape="0">
+              <a:srgbClr val="000000">
+                <a:alpha val="35000"/>
+              </a:srgbClr>
+            </a:outerShdw>
+          </a:effectLst>
+        </a:effectStyle>
+        <a:effectStyle>
+          <a:effectLst>
+            <a:outerShdw blurRad="40000" dist="23000" dir="5400000" rotWithShape="0">
+              <a:srgbClr val="000000">
+                <a:alpha val="35000"/>
+              </a:srgbClr>
+            </a:outerShdw>
+          </a:effectLst>
+          <a:scene3d>
+            <a:camera prst="orthographicFront">
+              <a:rot lat="0" lon="0" rev="0"/>
+            </a:camera>
+            <a:lightRig rig="threePt" dir="t">
+              <a:rot lat="0" lon="0" rev="1200000"/>
+            </a:lightRig>
+          </a:scene3d>
+          <a:sp3d>
+            <a:bevelT w="63500" h="25400"/>
+          </a:sp3d>
+        </a:effectStyle>
+      </a:effectStyleLst>
+      <a:bgFillStyleLst>
+        <a:solidFill>
+          <a:schemeClr val="phClr"/>
+        </a:solidFill>
+        <a:gradFill rotWithShape="1">
+          <a:gsLst>
+            <a:gs pos="0">
+              <a:schemeClr val="phClr">
+                <a:tint val="40000"/>
+                <a:satMod val="350000"/>
+              </a:schemeClr>
+            </a:gs>
+            <a:gs pos="40000">
+              <a:schemeClr val="phClr">
+                <a:tint val="45000"/>
+                <a:shade val="99000"/>
+                <a:satMod val="350000"/>
+              </a:schemeClr>
+            </a:gs>
+            <a:gs pos="100000">
+              <a:schemeClr val="phClr">
+                <a:shade val="20000"/>
+                <a:satMod val="255000"/>
+              </a:schemeClr>
+            </a:gs>
+          </a:gsLst>
+          <a:path path="circle">
+            <a:fillToRect l="50000" t="-80000" r="50000" b="180000"/>
+          </a:path>
+        </a:gradFill>
+        <a:gradFill rotWithShape="1">
+          <a:gsLst>
+            <a:gs pos="0">
+              <a:schemeClr val="phClr">
+                <a:tint val="80000"/>
+                <a:satMod val="300000"/>
+              </a:schemeClr>
+            </a:gs>
+            <a:gs pos="100000">
+              <a:schemeClr val="phClr">
+                <a:shade val="30000"/>
+                <a:satMod val="200000"/>
+              </a:schemeClr>
+            </a:gs>
+          </a:gsLst>
+          <a:path path="circle">
+            <a:fillToRect l="50000" t="50000" r="50000" b="50000"/>
+          </a:path>
+        </a:gradFill>
+      </a:bgFillStyleLst>
+    </a:fmtScheme>
+  </a:themeElements>
+</a:theme>
 </file>